--- a/Presentation_0729_JiayuChen.pptx
+++ b/Presentation_0729_JiayuChen.pptx
@@ -5,7 +5,7 @@
     <p:sldMasterId id="2147483648" r:id="rId1"/>
   </p:sldMasterIdLst>
   <p:notesMasterIdLst>
-    <p:notesMasterId r:id="rId7"/>
+    <p:notesMasterId r:id="rId8"/>
   </p:notesMasterIdLst>
   <p:sldIdLst>
     <p:sldId id="256" r:id="rId2"/>
@@ -13,6 +13,7 @@
     <p:sldId id="425" r:id="rId4"/>
     <p:sldId id="424" r:id="rId5"/>
     <p:sldId id="426" r:id="rId6"/>
+    <p:sldId id="427" r:id="rId7"/>
   </p:sldIdLst>
   <p:sldSz cx="12192000" cy="6858000"/>
   <p:notesSz cx="6858000" cy="9144000"/>
@@ -2112,6 +2113,115 @@
     <p:extLst>
       <p:ext uri="{BB962C8B-B14F-4D97-AF65-F5344CB8AC3E}">
         <p14:creationId xmlns:p14="http://schemas.microsoft.com/office/powerpoint/2010/main" val="2390690784"/>
+      </p:ext>
+    </p:extLst>
+  </p:cSld>
+  <p:clrMapOvr>
+    <a:masterClrMapping/>
+  </p:clrMapOvr>
+</p:notes>
+</file>
+
+<file path=ppt/notesSlides/notesSlide6.xml><?xml version="1.0" encoding="utf-8"?>
+<p:notes xmlns:a="http://schemas.openxmlformats.org/drawingml/2006/main" xmlns:r="http://schemas.openxmlformats.org/officeDocument/2006/relationships" xmlns:p="http://schemas.openxmlformats.org/presentationml/2006/main">
+  <p:cSld>
+    <p:spTree>
+      <p:nvGrpSpPr>
+        <p:cNvPr id="1" name=""/>
+        <p:cNvGrpSpPr/>
+        <p:nvPr/>
+      </p:nvGrpSpPr>
+      <p:grpSpPr>
+        <a:xfrm>
+          <a:off x="0" y="0"/>
+          <a:ext cx="0" cy="0"/>
+          <a:chOff x="0" y="0"/>
+          <a:chExt cx="0" cy="0"/>
+        </a:xfrm>
+      </p:grpSpPr>
+      <p:sp>
+        <p:nvSpPr>
+          <p:cNvPr id="2" name="幻灯片图像占位符 1"/>
+          <p:cNvSpPr>
+            <a:spLocks noGrp="1" noRot="1" noChangeAspect="1"/>
+          </p:cNvSpPr>
+          <p:nvPr>
+            <p:ph type="sldImg"/>
+          </p:nvPr>
+        </p:nvSpPr>
+        <p:spPr/>
+      </p:sp>
+      <p:sp>
+        <p:nvSpPr>
+          <p:cNvPr id="3" name="备注占位符 2"/>
+          <p:cNvSpPr>
+            <a:spLocks noGrp="1"/>
+          </p:cNvSpPr>
+          <p:nvPr>
+            <p:ph type="body" idx="1"/>
+          </p:nvPr>
+        </p:nvSpPr>
+        <p:spPr/>
+        <p:txBody>
+          <a:bodyPr/>
+          <a:lstStyle/>
+          <a:p>
+            <a:endParaRPr lang="zh-CN" altLang="en-US" dirty="0"/>
+          </a:p>
+        </p:txBody>
+      </p:sp>
+      <p:sp>
+        <p:nvSpPr>
+          <p:cNvPr id="4" name="灯片编号占位符 3"/>
+          <p:cNvSpPr>
+            <a:spLocks noGrp="1"/>
+          </p:cNvSpPr>
+          <p:nvPr>
+            <p:ph type="sldNum" idx="12"/>
+          </p:nvPr>
+        </p:nvSpPr>
+        <p:spPr/>
+        <p:txBody>
+          <a:bodyPr/>
+          <a:lstStyle/>
+          <a:p>
+            <a:pPr marL="0" marR="0" lvl="0" indent="0" algn="r" rtl="0">
+              <a:spcBef>
+                <a:spcPts val="0"/>
+              </a:spcBef>
+              <a:spcAft>
+                <a:spcPts val="0"/>
+              </a:spcAft>
+              <a:buNone/>
+            </a:pPr>
+            <a:fld id="{00000000-1234-1234-1234-123412341234}" type="slidenum">
+              <a:rPr lang="en-US" sz="1200" b="0" i="0" u="none" strike="noStrike" cap="none" smtClean="0">
+                <a:solidFill>
+                  <a:schemeClr val="dk1"/>
+                </a:solidFill>
+                <a:latin typeface="Arial"/>
+                <a:ea typeface="Arial"/>
+                <a:cs typeface="Arial"/>
+                <a:sym typeface="Arial"/>
+              </a:rPr>
+              <a:t>6</a:t>
+            </a:fld>
+            <a:endParaRPr lang="en-US" sz="1200" b="0" i="0" u="none" strike="noStrike" cap="none">
+              <a:solidFill>
+                <a:schemeClr val="dk1"/>
+              </a:solidFill>
+              <a:latin typeface="Arial"/>
+              <a:ea typeface="Arial"/>
+              <a:cs typeface="Arial"/>
+              <a:sym typeface="Arial"/>
+            </a:endParaRPr>
+          </a:p>
+        </p:txBody>
+      </p:sp>
+    </p:spTree>
+    <p:extLst>
+      <p:ext uri="{BB962C8B-B14F-4D97-AF65-F5344CB8AC3E}">
+        <p14:creationId xmlns:p14="http://schemas.microsoft.com/office/powerpoint/2010/main" val="44093685"/>
       </p:ext>
     </p:extLst>
   </p:cSld>
@@ -11570,7 +11680,7 @@
         </p:blipFill>
         <p:spPr>
           <a:xfrm>
-            <a:off x="556448" y="316921"/>
+            <a:off x="556448" y="243769"/>
             <a:ext cx="5468113" cy="2733676"/>
           </a:xfrm>
           <a:prstGeom prst="rect">
@@ -11599,7 +11709,7 @@
         </p:blipFill>
         <p:spPr>
           <a:xfrm>
-            <a:off x="6024561" y="317302"/>
+            <a:off x="6024561" y="244150"/>
             <a:ext cx="5648325" cy="2733675"/>
           </a:xfrm>
           <a:prstGeom prst="rect">
@@ -11628,7 +11738,7 @@
         </p:blipFill>
         <p:spPr>
           <a:xfrm>
-            <a:off x="556447" y="3050597"/>
+            <a:off x="556447" y="2977445"/>
             <a:ext cx="5468113" cy="2800350"/>
           </a:xfrm>
           <a:prstGeom prst="rect">
@@ -11657,7 +11767,7 @@
         </p:blipFill>
         <p:spPr>
           <a:xfrm>
-            <a:off x="6024561" y="3041453"/>
+            <a:off x="6024561" y="2968301"/>
             <a:ext cx="5648325" cy="2800350"/>
           </a:xfrm>
           <a:prstGeom prst="rect">
@@ -11706,6 +11816,80 @@
           </a:p>
         </p:txBody>
       </p:sp>
+      <p:sp>
+        <p:nvSpPr>
+          <p:cNvPr id="2" name="文本框 1">
+            <a:extLst>
+              <a:ext uri="{FF2B5EF4-FFF2-40B4-BE49-F238E27FC236}">
+                <a16:creationId xmlns:a16="http://schemas.microsoft.com/office/drawing/2014/main" id="{3FF8B6B7-3815-71C2-D810-D7D815D48C75}"/>
+              </a:ext>
+            </a:extLst>
+          </p:cNvPr>
+          <p:cNvSpPr txBox="1"/>
+          <p:nvPr/>
+        </p:nvSpPr>
+        <p:spPr>
+          <a:xfrm>
+            <a:off x="556447" y="5786939"/>
+            <a:ext cx="10974137" cy="954107"/>
+          </a:xfrm>
+          <a:prstGeom prst="rect">
+            <a:avLst/>
+          </a:prstGeom>
+          <a:noFill/>
+        </p:spPr>
+        <p:txBody>
+          <a:bodyPr wrap="square" rtlCol="0">
+            <a:spAutoFit/>
+          </a:bodyPr>
+          <a:lstStyle>
+            <a:defPPr marR="0" lvl="0" algn="l" rtl="0">
+              <a:lnSpc>
+                <a:spcPct val="100000"/>
+              </a:lnSpc>
+              <a:spcBef>
+                <a:spcPts val="0"/>
+              </a:spcBef>
+              <a:spcAft>
+                <a:spcPts val="0"/>
+              </a:spcAft>
+            </a:defPPr>
+            <a:lvl1pPr>
+              <a:defRPr>
+                <a:solidFill>
+                  <a:schemeClr val="dk1"/>
+                </a:solidFill>
+                <a:latin typeface="Consolas"/>
+              </a:defRPr>
+            </a:lvl1pPr>
+          </a:lstStyle>
+          <a:p>
+            <a:r>
+              <a:rPr lang="en-US" altLang="zh-CN" dirty="0"/>
+              <a:t>Yellow line is the results of easy version algorithm. </a:t>
+            </a:r>
+          </a:p>
+          <a:p>
+            <a:r>
+              <a:rPr lang="en-US" altLang="zh-CN" dirty="0"/>
+              <a:t>Orange line is the results of complex version algorithm(more computationally expensive).</a:t>
+            </a:r>
+          </a:p>
+          <a:p>
+            <a:r>
+              <a:rPr lang="en-US" altLang="zh-CN" b="1" dirty="0"/>
+              <a:t>Two versions use the same quality control, so the input data are the same. The complex version works better.</a:t>
+            </a:r>
+            <a:endParaRPr lang="en-US" altLang="zh-CN" dirty="0"/>
+          </a:p>
+          <a:p>
+            <a:r>
+              <a:rPr lang="en-US" altLang="zh-CN" b="1" dirty="0"/>
+              <a:t>In general, template-based heart rate estimation is not bad.</a:t>
+            </a:r>
+          </a:p>
+        </p:txBody>
+      </p:sp>
     </p:spTree>
     <p:extLst>
       <p:ext uri="{BB962C8B-B14F-4D97-AF65-F5344CB8AC3E}">
@@ -11751,7 +11935,7 @@
         <p:spPr>
           <a:xfrm>
             <a:off x="76200" y="220294"/>
-            <a:ext cx="7397496" cy="307777"/>
+            <a:ext cx="10247376" cy="307777"/>
           </a:xfrm>
           <a:prstGeom prst="rect">
             <a:avLst/>
@@ -11789,933 +11973,46 @@
                 </a:solidFill>
                 <a:latin typeface="Consolas"/>
               </a:rPr>
-              <a:t> pieces are dropped? It’s hard to answer.</a:t>
+              <a:t> pieces are dropped out by quality control? </a:t>
             </a:r>
           </a:p>
         </p:txBody>
       </p:sp>
-      <p:graphicFrame>
-        <p:nvGraphicFramePr>
-          <p:cNvPr id="5" name="表格 4">
+      <p:pic>
+        <p:nvPicPr>
+          <p:cNvPr id="10" name="图片 9">
             <a:extLst>
               <a:ext uri="{FF2B5EF4-FFF2-40B4-BE49-F238E27FC236}">
-                <a16:creationId xmlns:a16="http://schemas.microsoft.com/office/drawing/2014/main" id="{7E17C8BA-1F4B-54F3-2A00-FEB555FEE1C0}"/>
+                <a16:creationId xmlns:a16="http://schemas.microsoft.com/office/drawing/2014/main" id="{39EBCED9-183A-503D-1F54-33A343C3969D}"/>
               </a:ext>
             </a:extLst>
           </p:cNvPr>
-          <p:cNvGraphicFramePr>
-            <a:graphicFrameLocks noGrp="1"/>
-          </p:cNvGraphicFramePr>
-          <p:nvPr>
-            <p:extLst>
-              <p:ext uri="{D42A27DB-BD31-4B8C-83A1-F6EECF244321}">
-                <p14:modId xmlns:p14="http://schemas.microsoft.com/office/powerpoint/2010/main" val="1712259154"/>
-              </p:ext>
-            </p:extLst>
-          </p:nvPr>
-        </p:nvGraphicFramePr>
-        <p:xfrm>
-          <a:off x="1316736" y="818137"/>
-          <a:ext cx="7570058" cy="2566183"/>
-        </p:xfrm>
-        <a:graphic>
-          <a:graphicData uri="http://schemas.openxmlformats.org/drawingml/2006/table">
-            <a:tbl>
-              <a:tblPr firstRow="1" bandRow="1">
-                <a:tableStyleId>{AB4F9DF2-0438-42AD-B170-30067649D97E}</a:tableStyleId>
-              </a:tblPr>
-              <a:tblGrid>
-                <a:gridCol w="1287136">
-                  <a:extLst>
-                    <a:ext uri="{9D8B030D-6E8A-4147-A177-3AD203B41FA5}">
-                      <a16:colId xmlns:a16="http://schemas.microsoft.com/office/drawing/2014/main" val="1408095858"/>
-                    </a:ext>
-                  </a:extLst>
-                </a:gridCol>
-                <a:gridCol w="1659255">
-                  <a:extLst>
-                    <a:ext uri="{9D8B030D-6E8A-4147-A177-3AD203B41FA5}">
-                      <a16:colId xmlns:a16="http://schemas.microsoft.com/office/drawing/2014/main" val="663553989"/>
-                    </a:ext>
-                  </a:extLst>
-                </a:gridCol>
-                <a:gridCol w="1560830">
-                  <a:extLst>
-                    <a:ext uri="{9D8B030D-6E8A-4147-A177-3AD203B41FA5}">
-                      <a16:colId xmlns:a16="http://schemas.microsoft.com/office/drawing/2014/main" val="1008032684"/>
-                    </a:ext>
-                  </a:extLst>
-                </a:gridCol>
-                <a:gridCol w="1462405">
-                  <a:extLst>
-                    <a:ext uri="{9D8B030D-6E8A-4147-A177-3AD203B41FA5}">
-                      <a16:colId xmlns:a16="http://schemas.microsoft.com/office/drawing/2014/main" val="223353263"/>
-                    </a:ext>
-                  </a:extLst>
-                </a:gridCol>
-                <a:gridCol w="1600432">
-                  <a:extLst>
-                    <a:ext uri="{9D8B030D-6E8A-4147-A177-3AD203B41FA5}">
-                      <a16:colId xmlns:a16="http://schemas.microsoft.com/office/drawing/2014/main" val="3576203921"/>
-                    </a:ext>
-                  </a:extLst>
-                </a:gridCol>
-              </a:tblGrid>
-              <a:tr h="354238">
-                <a:tc>
-                  <a:txBody>
-                    <a:bodyPr/>
-                    <a:lstStyle/>
-                    <a:p>
-                      <a:r>
-                        <a:rPr lang="en-US" altLang="zh-CN" dirty="0"/>
-                        <a:t>Dataset</a:t>
-                      </a:r>
-                      <a:endParaRPr lang="zh-CN" altLang="en-US" dirty="0"/>
-                    </a:p>
-                  </a:txBody>
-                  <a:tcPr/>
-                </a:tc>
-                <a:tc>
-                  <a:txBody>
-                    <a:bodyPr/>
-                    <a:lstStyle/>
-                    <a:p>
-                      <a:r>
-                        <a:rPr lang="en-US" altLang="zh-CN" dirty="0"/>
-                        <a:t>IoT2023</a:t>
-                      </a:r>
-                      <a:endParaRPr lang="zh-CN" altLang="en-US" dirty="0"/>
-                    </a:p>
-                  </a:txBody>
-                  <a:tcPr/>
-                </a:tc>
-                <a:tc>
-                  <a:txBody>
-                    <a:bodyPr/>
-                    <a:lstStyle/>
-                    <a:p>
-                      <a:pPr marL="0" marR="0" lvl="0" indent="0" algn="l" defTabSz="914400" rtl="0" eaLnBrk="1" fontAlgn="auto" latinLnBrk="0" hangingPunct="1">
-                        <a:lnSpc>
-                          <a:spcPct val="100000"/>
-                        </a:lnSpc>
-                        <a:spcBef>
-                          <a:spcPts val="0"/>
-                        </a:spcBef>
-                        <a:spcAft>
-                          <a:spcPts val="0"/>
-                        </a:spcAft>
-                        <a:buClr>
-                          <a:srgbClr val="000000"/>
-                        </a:buClr>
-                        <a:buSzTx/>
-                        <a:buFont typeface="Arial"/>
-                        <a:buNone/>
-                        <a:tabLst/>
-                        <a:defRPr/>
-                      </a:pPr>
-                      <a:r>
-                        <a:rPr lang="en-US" altLang="zh-CN" dirty="0" err="1"/>
-                        <a:t>Jiayu</a:t>
-                      </a:r>
-                      <a:endParaRPr lang="zh-CN" altLang="en-US" dirty="0"/>
-                    </a:p>
-                  </a:txBody>
-                  <a:tcPr/>
-                </a:tc>
-                <a:tc>
-                  <a:txBody>
-                    <a:bodyPr/>
-                    <a:lstStyle/>
-                    <a:p>
-                      <a:r>
-                        <a:rPr lang="en-US" altLang="zh-CN" dirty="0" err="1"/>
-                        <a:t>Yingjian</a:t>
-                      </a:r>
-                      <a:r>
-                        <a:rPr lang="en-US" altLang="zh-CN" dirty="0"/>
-                        <a:t> New</a:t>
-                      </a:r>
-                      <a:endParaRPr lang="zh-CN" altLang="en-US" dirty="0"/>
-                    </a:p>
-                  </a:txBody>
-                  <a:tcPr/>
-                </a:tc>
-                <a:tc>
-                  <a:txBody>
-                    <a:bodyPr/>
-                    <a:lstStyle/>
-                    <a:p>
-                      <a:r>
-                        <a:rPr lang="en-US" altLang="zh-CN" dirty="0"/>
-                        <a:t>Intersection</a:t>
-                      </a:r>
-                      <a:endParaRPr lang="zh-CN" altLang="en-US" dirty="0"/>
-                    </a:p>
-                  </a:txBody>
-                  <a:tcPr/>
-                </a:tc>
-                <a:extLst>
-                  <a:ext uri="{0D108BD9-81ED-4DB2-BD59-A6C34878D82A}">
-                    <a16:rowId xmlns:a16="http://schemas.microsoft.com/office/drawing/2014/main" val="1894599224"/>
-                  </a:ext>
-                </a:extLst>
-              </a:tr>
-              <a:tr h="370840">
-                <a:tc>
-                  <a:txBody>
-                    <a:bodyPr/>
-                    <a:lstStyle/>
-                    <a:p>
-                      <a:r>
-                        <a:rPr lang="en-US" altLang="zh-CN" dirty="0"/>
-                        <a:t>3AE4_1</a:t>
-                      </a:r>
-                      <a:endParaRPr lang="zh-CN" altLang="en-US" dirty="0"/>
-                    </a:p>
-                  </a:txBody>
-                  <a:tcPr/>
-                </a:tc>
-                <a:tc>
-                  <a:txBody>
-                    <a:bodyPr/>
-                    <a:lstStyle/>
-                    <a:p>
-                      <a:r>
-                        <a:rPr lang="en-US" altLang="zh-CN" dirty="0"/>
-                        <a:t>Number: 13981</a:t>
-                      </a:r>
-                    </a:p>
-                    <a:p>
-                      <a:r>
-                        <a:rPr lang="en-US" altLang="zh-CN" dirty="0"/>
-                        <a:t>Ratio: 81%</a:t>
-                      </a:r>
-                      <a:endParaRPr lang="zh-CN" altLang="en-US" dirty="0"/>
-                    </a:p>
-                  </a:txBody>
-                  <a:tcPr/>
-                </a:tc>
-                <a:tc>
-                  <a:txBody>
-                    <a:bodyPr/>
-                    <a:lstStyle/>
-                    <a:p>
-                      <a:pPr marL="0" marR="0" lvl="0" indent="0" algn="l" defTabSz="914400" rtl="0" eaLnBrk="1" fontAlgn="auto" latinLnBrk="0" hangingPunct="1">
-                        <a:lnSpc>
-                          <a:spcPct val="100000"/>
-                        </a:lnSpc>
-                        <a:spcBef>
-                          <a:spcPts val="0"/>
-                        </a:spcBef>
-                        <a:spcAft>
-                          <a:spcPts val="0"/>
-                        </a:spcAft>
-                        <a:buClr>
-                          <a:srgbClr val="000000"/>
-                        </a:buClr>
-                        <a:buSzTx/>
-                        <a:buFont typeface="Arial"/>
-                        <a:buNone/>
-                        <a:tabLst/>
-                        <a:defRPr/>
-                      </a:pPr>
-                      <a:r>
-                        <a:rPr lang="en-US" altLang="zh-CN" dirty="0"/>
-                        <a:t>Number: 9765</a:t>
-                      </a:r>
-                    </a:p>
-                    <a:p>
-                      <a:pPr marL="0" marR="0" lvl="0" indent="0" algn="l" defTabSz="914400" rtl="0" eaLnBrk="1" fontAlgn="auto" latinLnBrk="0" hangingPunct="1">
-                        <a:lnSpc>
-                          <a:spcPct val="100000"/>
-                        </a:lnSpc>
-                        <a:spcBef>
-                          <a:spcPts val="0"/>
-                        </a:spcBef>
-                        <a:spcAft>
-                          <a:spcPts val="0"/>
-                        </a:spcAft>
-                        <a:buClr>
-                          <a:srgbClr val="000000"/>
-                        </a:buClr>
-                        <a:buSzTx/>
-                        <a:buFont typeface="Arial"/>
-                        <a:buNone/>
-                        <a:tabLst/>
-                        <a:defRPr/>
-                      </a:pPr>
-                      <a:r>
-                        <a:rPr lang="en-US" altLang="zh-CN" dirty="0"/>
-                        <a:t>Ratio: 58%</a:t>
-                      </a:r>
-                    </a:p>
-                  </a:txBody>
-                  <a:tcPr/>
-                </a:tc>
-                <a:tc>
-                  <a:txBody>
-                    <a:bodyPr/>
-                    <a:lstStyle/>
-                    <a:p>
-                      <a:pPr marL="0" marR="0" lvl="0" indent="0" algn="l" defTabSz="914400" rtl="0" eaLnBrk="1" fontAlgn="auto" latinLnBrk="0" hangingPunct="1">
-                        <a:lnSpc>
-                          <a:spcPct val="100000"/>
-                        </a:lnSpc>
-                        <a:spcBef>
-                          <a:spcPts val="0"/>
-                        </a:spcBef>
-                        <a:spcAft>
-                          <a:spcPts val="0"/>
-                        </a:spcAft>
-                        <a:buClr>
-                          <a:srgbClr val="000000"/>
-                        </a:buClr>
-                        <a:buSzTx/>
-                        <a:buFont typeface="Arial"/>
-                        <a:buNone/>
-                        <a:tabLst/>
-                        <a:defRPr/>
-                      </a:pPr>
-                      <a:r>
-                        <a:rPr lang="en-US" altLang="zh-CN" dirty="0"/>
-                        <a:t>Number: 7556</a:t>
-                      </a:r>
-                    </a:p>
-                    <a:p>
-                      <a:pPr marL="0" marR="0" lvl="0" indent="0" algn="l" defTabSz="914400" rtl="0" eaLnBrk="1" fontAlgn="auto" latinLnBrk="0" hangingPunct="1">
-                        <a:lnSpc>
-                          <a:spcPct val="100000"/>
-                        </a:lnSpc>
-                        <a:spcBef>
-                          <a:spcPts val="0"/>
-                        </a:spcBef>
-                        <a:spcAft>
-                          <a:spcPts val="0"/>
-                        </a:spcAft>
-                        <a:buClr>
-                          <a:srgbClr val="000000"/>
-                        </a:buClr>
-                        <a:buSzTx/>
-                        <a:buFont typeface="Arial"/>
-                        <a:buNone/>
-                        <a:tabLst/>
-                        <a:defRPr/>
-                      </a:pPr>
-                      <a:r>
-                        <a:rPr lang="en-US" altLang="zh-CN" dirty="0"/>
-                        <a:t>Ratio:</a:t>
-                      </a:r>
-                    </a:p>
-                  </a:txBody>
-                  <a:tcPr/>
-                </a:tc>
-                <a:tc>
-                  <a:txBody>
-                    <a:bodyPr/>
-                    <a:lstStyle/>
-                    <a:p>
-                      <a:pPr marL="0" marR="0" lvl="0" indent="0" algn="l" defTabSz="914400" rtl="0" eaLnBrk="1" fontAlgn="auto" latinLnBrk="0" hangingPunct="1">
-                        <a:lnSpc>
-                          <a:spcPct val="100000"/>
-                        </a:lnSpc>
-                        <a:spcBef>
-                          <a:spcPts val="0"/>
-                        </a:spcBef>
-                        <a:spcAft>
-                          <a:spcPts val="0"/>
-                        </a:spcAft>
-                        <a:buClr>
-                          <a:srgbClr val="000000"/>
-                        </a:buClr>
-                        <a:buSzTx/>
-                        <a:buFont typeface="Arial"/>
-                        <a:buNone/>
-                        <a:tabLst/>
-                        <a:defRPr/>
-                      </a:pPr>
-                      <a:r>
-                        <a:rPr lang="en-US" altLang="zh-CN" dirty="0"/>
-                        <a:t>5771</a:t>
-                      </a:r>
-                    </a:p>
-                  </a:txBody>
-                  <a:tcPr/>
-                </a:tc>
-                <a:extLst>
-                  <a:ext uri="{0D108BD9-81ED-4DB2-BD59-A6C34878D82A}">
-                    <a16:rowId xmlns:a16="http://schemas.microsoft.com/office/drawing/2014/main" val="1004653846"/>
-                  </a:ext>
-                </a:extLst>
-              </a:tr>
-              <a:tr h="370840">
-                <a:tc>
-                  <a:txBody>
-                    <a:bodyPr/>
-                    <a:lstStyle/>
-                    <a:p>
-                      <a:r>
-                        <a:rPr lang="en-US" altLang="zh-CN" dirty="0"/>
-                        <a:t>3AE4_2</a:t>
-                      </a:r>
-                      <a:endParaRPr lang="zh-CN" altLang="en-US" dirty="0"/>
-                    </a:p>
-                  </a:txBody>
-                  <a:tcPr/>
-                </a:tc>
-                <a:tc>
-                  <a:txBody>
-                    <a:bodyPr/>
-                    <a:lstStyle/>
-                    <a:p>
-                      <a:r>
-                        <a:rPr lang="en-US" altLang="zh-CN" dirty="0"/>
-                        <a:t>Number: 10971</a:t>
-                      </a:r>
-                    </a:p>
-                    <a:p>
-                      <a:r>
-                        <a:rPr lang="en-US" altLang="zh-CN" dirty="0"/>
-                        <a:t>Ratio: 64% </a:t>
-                      </a:r>
-                    </a:p>
-                  </a:txBody>
-                  <a:tcPr/>
-                </a:tc>
-                <a:tc>
-                  <a:txBody>
-                    <a:bodyPr/>
-                    <a:lstStyle/>
-                    <a:p>
-                      <a:pPr marL="0" marR="0" lvl="0" indent="0" algn="l" defTabSz="914400" rtl="0" eaLnBrk="1" fontAlgn="auto" latinLnBrk="0" hangingPunct="1">
-                        <a:lnSpc>
-                          <a:spcPct val="100000"/>
-                        </a:lnSpc>
-                        <a:spcBef>
-                          <a:spcPts val="0"/>
-                        </a:spcBef>
-                        <a:spcAft>
-                          <a:spcPts val="0"/>
-                        </a:spcAft>
-                        <a:buClr>
-                          <a:srgbClr val="000000"/>
-                        </a:buClr>
-                        <a:buSzTx/>
-                        <a:buFont typeface="Arial"/>
-                        <a:buNone/>
-                        <a:tabLst/>
-                        <a:defRPr/>
-                      </a:pPr>
-                      <a:r>
-                        <a:rPr lang="en-US" altLang="zh-CN" dirty="0"/>
-                        <a:t>Number: 6899 </a:t>
-                      </a:r>
-                    </a:p>
-                    <a:p>
-                      <a:pPr marL="0" marR="0" lvl="0" indent="0" algn="l" defTabSz="914400" rtl="0" eaLnBrk="1" fontAlgn="auto" latinLnBrk="0" hangingPunct="1">
-                        <a:lnSpc>
-                          <a:spcPct val="100000"/>
-                        </a:lnSpc>
-                        <a:spcBef>
-                          <a:spcPts val="0"/>
-                        </a:spcBef>
-                        <a:spcAft>
-                          <a:spcPts val="0"/>
-                        </a:spcAft>
-                        <a:buClr>
-                          <a:srgbClr val="000000"/>
-                        </a:buClr>
-                        <a:buSzTx/>
-                        <a:buFont typeface="Arial"/>
-                        <a:buNone/>
-                        <a:tabLst/>
-                        <a:defRPr/>
-                      </a:pPr>
-                      <a:r>
-                        <a:rPr lang="en-US" altLang="zh-CN" dirty="0"/>
-                        <a:t>Ratio: 41%</a:t>
-                      </a:r>
-                    </a:p>
-                  </a:txBody>
-                  <a:tcPr/>
-                </a:tc>
-                <a:tc>
-                  <a:txBody>
-                    <a:bodyPr/>
-                    <a:lstStyle/>
-                    <a:p>
-                      <a:pPr marL="0" marR="0" lvl="0" indent="0" algn="l" defTabSz="914400" rtl="0" eaLnBrk="1" fontAlgn="auto" latinLnBrk="0" hangingPunct="1">
-                        <a:lnSpc>
-                          <a:spcPct val="100000"/>
-                        </a:lnSpc>
-                        <a:spcBef>
-                          <a:spcPts val="0"/>
-                        </a:spcBef>
-                        <a:spcAft>
-                          <a:spcPts val="0"/>
-                        </a:spcAft>
-                        <a:buClr>
-                          <a:srgbClr val="000000"/>
-                        </a:buClr>
-                        <a:buSzTx/>
-                        <a:buFont typeface="Arial"/>
-                        <a:buNone/>
-                        <a:tabLst/>
-                        <a:defRPr/>
-                      </a:pPr>
-                      <a:r>
-                        <a:rPr lang="en-US" altLang="zh-CN" dirty="0"/>
-                        <a:t>Number:4247</a:t>
-                      </a:r>
-                    </a:p>
-                    <a:p>
-                      <a:pPr marL="0" marR="0" lvl="0" indent="0" algn="l" defTabSz="914400" rtl="0" eaLnBrk="1" fontAlgn="auto" latinLnBrk="0" hangingPunct="1">
-                        <a:lnSpc>
-                          <a:spcPct val="100000"/>
-                        </a:lnSpc>
-                        <a:spcBef>
-                          <a:spcPts val="0"/>
-                        </a:spcBef>
-                        <a:spcAft>
-                          <a:spcPts val="0"/>
-                        </a:spcAft>
-                        <a:buClr>
-                          <a:srgbClr val="000000"/>
-                        </a:buClr>
-                        <a:buSzTx/>
-                        <a:buFont typeface="Arial"/>
-                        <a:buNone/>
-                        <a:tabLst/>
-                        <a:defRPr/>
-                      </a:pPr>
-                      <a:r>
-                        <a:rPr lang="en-US" altLang="zh-CN" dirty="0"/>
-                        <a:t>Ratio:</a:t>
-                      </a:r>
-                    </a:p>
-                  </a:txBody>
-                  <a:tcPr/>
-                </a:tc>
-                <a:tc>
-                  <a:txBody>
-                    <a:bodyPr/>
-                    <a:lstStyle/>
-                    <a:p>
-                      <a:pPr marL="0" marR="0" lvl="0" indent="0" algn="l" defTabSz="914400" rtl="0" eaLnBrk="1" fontAlgn="auto" latinLnBrk="0" hangingPunct="1">
-                        <a:lnSpc>
-                          <a:spcPct val="100000"/>
-                        </a:lnSpc>
-                        <a:spcBef>
-                          <a:spcPts val="0"/>
-                        </a:spcBef>
-                        <a:spcAft>
-                          <a:spcPts val="0"/>
-                        </a:spcAft>
-                        <a:buClr>
-                          <a:srgbClr val="000000"/>
-                        </a:buClr>
-                        <a:buSzTx/>
-                        <a:buFont typeface="Arial"/>
-                        <a:buNone/>
-                        <a:tabLst/>
-                        <a:defRPr/>
-                      </a:pPr>
-                      <a:r>
-                        <a:rPr lang="en-US" altLang="zh-CN" dirty="0"/>
-                        <a:t>2823</a:t>
-                      </a:r>
-                    </a:p>
-                  </a:txBody>
-                  <a:tcPr/>
-                </a:tc>
-                <a:extLst>
-                  <a:ext uri="{0D108BD9-81ED-4DB2-BD59-A6C34878D82A}">
-                    <a16:rowId xmlns:a16="http://schemas.microsoft.com/office/drawing/2014/main" val="2064444813"/>
-                  </a:ext>
-                </a:extLst>
-              </a:tr>
-              <a:tr h="370840">
-                <a:tc>
-                  <a:txBody>
-                    <a:bodyPr/>
-                    <a:lstStyle/>
-                    <a:p>
-                      <a:r>
-                        <a:rPr lang="en-US" altLang="zh-CN" dirty="0"/>
-                        <a:t>3AE4_3</a:t>
-                      </a:r>
-                      <a:endParaRPr lang="zh-CN" altLang="en-US" dirty="0"/>
-                    </a:p>
-                  </a:txBody>
-                  <a:tcPr/>
-                </a:tc>
-                <a:tc>
-                  <a:txBody>
-                    <a:bodyPr/>
-                    <a:lstStyle/>
-                    <a:p>
-                      <a:r>
-                        <a:rPr lang="en-US" altLang="zh-CN" dirty="0"/>
-                        <a:t>Number: 11285 </a:t>
-                      </a:r>
-                    </a:p>
-                    <a:p>
-                      <a:r>
-                        <a:rPr lang="en-US" altLang="zh-CN" dirty="0"/>
-                        <a:t>Ratio: 66%</a:t>
-                      </a:r>
-                    </a:p>
-                  </a:txBody>
-                  <a:tcPr/>
-                </a:tc>
-                <a:tc>
-                  <a:txBody>
-                    <a:bodyPr/>
-                    <a:lstStyle/>
-                    <a:p>
-                      <a:pPr marL="0" marR="0" lvl="0" indent="0" algn="l" defTabSz="914400" rtl="0" eaLnBrk="1" fontAlgn="auto" latinLnBrk="0" hangingPunct="1">
-                        <a:lnSpc>
-                          <a:spcPct val="100000"/>
-                        </a:lnSpc>
-                        <a:spcBef>
-                          <a:spcPts val="0"/>
-                        </a:spcBef>
-                        <a:spcAft>
-                          <a:spcPts val="0"/>
-                        </a:spcAft>
-                        <a:buClr>
-                          <a:srgbClr val="000000"/>
-                        </a:buClr>
-                        <a:buSzTx/>
-                        <a:buFont typeface="Arial"/>
-                        <a:buNone/>
-                        <a:tabLst/>
-                        <a:defRPr/>
-                      </a:pPr>
-                      <a:r>
-                        <a:rPr lang="en-US" altLang="zh-CN" dirty="0"/>
-                        <a:t>Number: 5312 </a:t>
-                      </a:r>
-                    </a:p>
-                    <a:p>
-                      <a:pPr marL="0" marR="0" lvl="0" indent="0" algn="l" defTabSz="914400" rtl="0" eaLnBrk="1" fontAlgn="auto" latinLnBrk="0" hangingPunct="1">
-                        <a:lnSpc>
-                          <a:spcPct val="100000"/>
-                        </a:lnSpc>
-                        <a:spcBef>
-                          <a:spcPts val="0"/>
-                        </a:spcBef>
-                        <a:spcAft>
-                          <a:spcPts val="0"/>
-                        </a:spcAft>
-                        <a:buClr>
-                          <a:srgbClr val="000000"/>
-                        </a:buClr>
-                        <a:buSzTx/>
-                        <a:buFont typeface="Arial"/>
-                        <a:buNone/>
-                        <a:tabLst/>
-                        <a:defRPr/>
-                      </a:pPr>
-                      <a:r>
-                        <a:rPr lang="en-US" altLang="zh-CN" dirty="0"/>
-                        <a:t>Ratio: 31%</a:t>
-                      </a:r>
-                    </a:p>
-                  </a:txBody>
-                  <a:tcPr/>
-                </a:tc>
-                <a:tc>
-                  <a:txBody>
-                    <a:bodyPr/>
-                    <a:lstStyle/>
-                    <a:p>
-                      <a:pPr marL="0" marR="0" lvl="0" indent="0" algn="l" defTabSz="914400" rtl="0" eaLnBrk="1" fontAlgn="auto" latinLnBrk="0" hangingPunct="1">
-                        <a:lnSpc>
-                          <a:spcPct val="100000"/>
-                        </a:lnSpc>
-                        <a:spcBef>
-                          <a:spcPts val="0"/>
-                        </a:spcBef>
-                        <a:spcAft>
-                          <a:spcPts val="0"/>
-                        </a:spcAft>
-                        <a:buClr>
-                          <a:srgbClr val="000000"/>
-                        </a:buClr>
-                        <a:buSzTx/>
-                        <a:buFont typeface="Arial"/>
-                        <a:buNone/>
-                        <a:tabLst/>
-                        <a:defRPr/>
-                      </a:pPr>
-                      <a:r>
-                        <a:rPr lang="en-US" altLang="zh-CN" dirty="0"/>
-                        <a:t>Number:5214</a:t>
-                      </a:r>
-                    </a:p>
-                    <a:p>
-                      <a:pPr marL="0" marR="0" lvl="0" indent="0" algn="l" defTabSz="914400" rtl="0" eaLnBrk="1" fontAlgn="auto" latinLnBrk="0" hangingPunct="1">
-                        <a:lnSpc>
-                          <a:spcPct val="100000"/>
-                        </a:lnSpc>
-                        <a:spcBef>
-                          <a:spcPts val="0"/>
-                        </a:spcBef>
-                        <a:spcAft>
-                          <a:spcPts val="0"/>
-                        </a:spcAft>
-                        <a:buClr>
-                          <a:srgbClr val="000000"/>
-                        </a:buClr>
-                        <a:buSzTx/>
-                        <a:buFont typeface="Arial"/>
-                        <a:buNone/>
-                        <a:tabLst/>
-                        <a:defRPr/>
-                      </a:pPr>
-                      <a:r>
-                        <a:rPr lang="en-US" altLang="zh-CN" dirty="0"/>
-                        <a:t>Ratio:</a:t>
-                      </a:r>
-                    </a:p>
-                  </a:txBody>
-                  <a:tcPr/>
-                </a:tc>
-                <a:tc>
-                  <a:txBody>
-                    <a:bodyPr/>
-                    <a:lstStyle/>
-                    <a:p>
-                      <a:pPr marL="0" marR="0" lvl="0" indent="0" algn="l" defTabSz="914400" rtl="0" eaLnBrk="1" fontAlgn="auto" latinLnBrk="0" hangingPunct="1">
-                        <a:lnSpc>
-                          <a:spcPct val="100000"/>
-                        </a:lnSpc>
-                        <a:spcBef>
-                          <a:spcPts val="0"/>
-                        </a:spcBef>
-                        <a:spcAft>
-                          <a:spcPts val="0"/>
-                        </a:spcAft>
-                        <a:buClr>
-                          <a:srgbClr val="000000"/>
-                        </a:buClr>
-                        <a:buSzTx/>
-                        <a:buFont typeface="Arial"/>
-                        <a:buNone/>
-                        <a:tabLst/>
-                        <a:defRPr/>
-                      </a:pPr>
-                      <a:r>
-                        <a:rPr lang="en-US" altLang="zh-CN" dirty="0"/>
-                        <a:t>2894</a:t>
-                      </a:r>
-                    </a:p>
-                  </a:txBody>
-                  <a:tcPr/>
-                </a:tc>
-                <a:extLst>
-                  <a:ext uri="{0D108BD9-81ED-4DB2-BD59-A6C34878D82A}">
-                    <a16:rowId xmlns:a16="http://schemas.microsoft.com/office/drawing/2014/main" val="2720310754"/>
-                  </a:ext>
-                </a:extLst>
-              </a:tr>
-              <a:tr h="657465">
-                <a:tc>
-                  <a:txBody>
-                    <a:bodyPr/>
-                    <a:lstStyle/>
-                    <a:p>
-                      <a:r>
-                        <a:rPr lang="en-US" altLang="zh-CN" dirty="0"/>
-                        <a:t>3AE4_4</a:t>
-                      </a:r>
-                      <a:endParaRPr lang="zh-CN" altLang="en-US" dirty="0"/>
-                    </a:p>
-                  </a:txBody>
-                  <a:tcPr/>
-                </a:tc>
-                <a:tc>
-                  <a:txBody>
-                    <a:bodyPr/>
-                    <a:lstStyle/>
-                    <a:p>
-                      <a:r>
-                        <a:rPr lang="en-US" altLang="zh-CN" dirty="0"/>
-                        <a:t>Number: 10287 </a:t>
-                      </a:r>
-                    </a:p>
-                    <a:p>
-                      <a:r>
-                        <a:rPr lang="en-US" altLang="zh-CN" dirty="0"/>
-                        <a:t>Ratio: 60%</a:t>
-                      </a:r>
-                    </a:p>
-                  </a:txBody>
-                  <a:tcPr/>
-                </a:tc>
-                <a:tc>
-                  <a:txBody>
-                    <a:bodyPr/>
-                    <a:lstStyle/>
-                    <a:p>
-                      <a:pPr marL="0" marR="0" lvl="0" indent="0" algn="l" defTabSz="914400" rtl="0" eaLnBrk="1" fontAlgn="auto" latinLnBrk="0" hangingPunct="1">
-                        <a:lnSpc>
-                          <a:spcPct val="100000"/>
-                        </a:lnSpc>
-                        <a:spcBef>
-                          <a:spcPts val="0"/>
-                        </a:spcBef>
-                        <a:spcAft>
-                          <a:spcPts val="0"/>
-                        </a:spcAft>
-                        <a:buClr>
-                          <a:srgbClr val="000000"/>
-                        </a:buClr>
-                        <a:buSzTx/>
-                        <a:buFont typeface="Arial"/>
-                        <a:buNone/>
-                        <a:tabLst/>
-                        <a:defRPr/>
-                      </a:pPr>
-                      <a:r>
-                        <a:rPr lang="en-US" altLang="zh-CN" dirty="0"/>
-                        <a:t>Number: 3661</a:t>
-                      </a:r>
-                    </a:p>
-                    <a:p>
-                      <a:pPr marL="0" marR="0" lvl="0" indent="0" algn="l" defTabSz="914400" rtl="0" eaLnBrk="1" fontAlgn="auto" latinLnBrk="0" hangingPunct="1">
-                        <a:lnSpc>
-                          <a:spcPct val="100000"/>
-                        </a:lnSpc>
-                        <a:spcBef>
-                          <a:spcPts val="0"/>
-                        </a:spcBef>
-                        <a:spcAft>
-                          <a:spcPts val="0"/>
-                        </a:spcAft>
-                        <a:buClr>
-                          <a:srgbClr val="000000"/>
-                        </a:buClr>
-                        <a:buSzTx/>
-                        <a:buFont typeface="Arial"/>
-                        <a:buNone/>
-                        <a:tabLst/>
-                        <a:defRPr/>
-                      </a:pPr>
-                      <a:r>
-                        <a:rPr lang="en-US" altLang="zh-CN" dirty="0"/>
-                        <a:t>Ratio: 21%</a:t>
-                      </a:r>
-                    </a:p>
-                  </a:txBody>
-                  <a:tcPr/>
-                </a:tc>
-                <a:tc>
-                  <a:txBody>
-                    <a:bodyPr/>
-                    <a:lstStyle/>
-                    <a:p>
-                      <a:pPr marL="0" marR="0" lvl="0" indent="0" algn="l" defTabSz="914400" rtl="0" eaLnBrk="1" fontAlgn="auto" latinLnBrk="0" hangingPunct="1">
-                        <a:lnSpc>
-                          <a:spcPct val="100000"/>
-                        </a:lnSpc>
-                        <a:spcBef>
-                          <a:spcPts val="0"/>
-                        </a:spcBef>
-                        <a:spcAft>
-                          <a:spcPts val="0"/>
-                        </a:spcAft>
-                        <a:buClr>
-                          <a:srgbClr val="000000"/>
-                        </a:buClr>
-                        <a:buSzTx/>
-                        <a:buFont typeface="Arial"/>
-                        <a:buNone/>
-                        <a:tabLst/>
-                        <a:defRPr/>
-                      </a:pPr>
-                      <a:r>
-                        <a:rPr lang="en-US" altLang="zh-CN" dirty="0"/>
-                        <a:t>Number: 5390</a:t>
-                      </a:r>
-                    </a:p>
-                    <a:p>
-                      <a:pPr marL="0" marR="0" lvl="0" indent="0" algn="l" defTabSz="914400" rtl="0" eaLnBrk="1" fontAlgn="auto" latinLnBrk="0" hangingPunct="1">
-                        <a:lnSpc>
-                          <a:spcPct val="100000"/>
-                        </a:lnSpc>
-                        <a:spcBef>
-                          <a:spcPts val="0"/>
-                        </a:spcBef>
-                        <a:spcAft>
-                          <a:spcPts val="0"/>
-                        </a:spcAft>
-                        <a:buClr>
-                          <a:srgbClr val="000000"/>
-                        </a:buClr>
-                        <a:buSzTx/>
-                        <a:buFont typeface="Arial"/>
-                        <a:buNone/>
-                        <a:tabLst/>
-                        <a:defRPr/>
-                      </a:pPr>
-                      <a:r>
-                        <a:rPr lang="en-US" altLang="zh-CN" dirty="0"/>
-                        <a:t>Ratio:</a:t>
-                      </a:r>
-                    </a:p>
-                  </a:txBody>
-                  <a:tcPr/>
-                </a:tc>
-                <a:tc>
-                  <a:txBody>
-                    <a:bodyPr/>
-                    <a:lstStyle/>
-                    <a:p>
-                      <a:pPr marL="0" marR="0" lvl="0" indent="0" algn="l" defTabSz="914400" rtl="0" eaLnBrk="1" fontAlgn="auto" latinLnBrk="0" hangingPunct="1">
-                        <a:lnSpc>
-                          <a:spcPct val="100000"/>
-                        </a:lnSpc>
-                        <a:spcBef>
-                          <a:spcPts val="0"/>
-                        </a:spcBef>
-                        <a:spcAft>
-                          <a:spcPts val="0"/>
-                        </a:spcAft>
-                        <a:buClr>
-                          <a:srgbClr val="000000"/>
-                        </a:buClr>
-                        <a:buSzTx/>
-                        <a:buFont typeface="Arial"/>
-                        <a:buNone/>
-                        <a:tabLst/>
-                        <a:defRPr/>
-                      </a:pPr>
-                      <a:r>
-                        <a:rPr lang="en-US" altLang="zh-CN" dirty="0"/>
-                        <a:t>2532</a:t>
-                      </a:r>
-                    </a:p>
-                  </a:txBody>
-                  <a:tcPr/>
-                </a:tc>
-                <a:extLst>
-                  <a:ext uri="{0D108BD9-81ED-4DB2-BD59-A6C34878D82A}">
-                    <a16:rowId xmlns:a16="http://schemas.microsoft.com/office/drawing/2014/main" val="2416410049"/>
-                  </a:ext>
-                </a:extLst>
-              </a:tr>
-            </a:tbl>
-          </a:graphicData>
-        </a:graphic>
-      </p:graphicFrame>
+          <p:cNvPicPr>
+            <a:picLocks noChangeAspect="1"/>
+          </p:cNvPicPr>
+          <p:nvPr/>
+        </p:nvPicPr>
+        <p:blipFill rotWithShape="1">
+          <a:blip r:embed="rId3"/>
+          <a:srcRect t="16125" r="2699" b="4528"/>
+          <a:stretch/>
+        </p:blipFill>
+        <p:spPr>
+          <a:xfrm>
+            <a:off x="3162487" y="1831848"/>
+            <a:ext cx="5468113" cy="2221992"/>
+          </a:xfrm>
+          <a:prstGeom prst="rect">
+            <a:avLst/>
+          </a:prstGeom>
+        </p:spPr>
+      </p:pic>
       <p:sp>
         <p:nvSpPr>
-          <p:cNvPr id="6" name="椭圆 5">
+          <p:cNvPr id="12" name="椭圆 11">
             <a:extLst>
               <a:ext uri="{FF2B5EF4-FFF2-40B4-BE49-F238E27FC236}">
-                <a16:creationId xmlns:a16="http://schemas.microsoft.com/office/drawing/2014/main" id="{D6487A11-D3A4-8DA9-FC33-9E441D692FA6}"/>
+                <a16:creationId xmlns:a16="http://schemas.microsoft.com/office/drawing/2014/main" id="{667E3852-2860-E41D-2FEA-5A0EC54C1FBD}"/>
               </a:ext>
             </a:extLst>
           </p:cNvPr>
@@ -12724,8 +12021,8 @@
         </p:nvSpPr>
         <p:spPr>
           <a:xfrm>
-            <a:off x="1805178" y="4000451"/>
-            <a:ext cx="2962656" cy="1655064"/>
+            <a:off x="3803904" y="2115312"/>
+            <a:ext cx="146304" cy="105156"/>
           </a:xfrm>
           <a:prstGeom prst="ellipse">
             <a:avLst/>
@@ -12733,7 +12030,7 @@
           <a:noFill/>
           <a:ln>
             <a:solidFill>
-              <a:schemeClr val="tx1"/>
+              <a:srgbClr val="FF0000"/>
             </a:solidFill>
           </a:ln>
         </p:spPr>
@@ -12758,16 +12055,16 @@
           <a:lstStyle/>
           <a:p>
             <a:pPr algn="ctr"/>
-            <a:endParaRPr lang="zh-CN" altLang="en-US" dirty="0"/>
+            <a:endParaRPr lang="zh-CN" altLang="en-US"/>
           </a:p>
         </p:txBody>
       </p:sp>
       <p:sp>
         <p:nvSpPr>
-          <p:cNvPr id="9" name="椭圆 8">
+          <p:cNvPr id="16" name="椭圆 15">
             <a:extLst>
               <a:ext uri="{FF2B5EF4-FFF2-40B4-BE49-F238E27FC236}">
-                <a16:creationId xmlns:a16="http://schemas.microsoft.com/office/drawing/2014/main" id="{7723E155-47B6-2F4F-716D-61F9F875875A}"/>
+                <a16:creationId xmlns:a16="http://schemas.microsoft.com/office/drawing/2014/main" id="{4BB0BD1E-1B0C-2AAA-92A9-0912D6165614}"/>
               </a:ext>
             </a:extLst>
           </p:cNvPr>
@@ -12776,8 +12073,8 @@
         </p:nvSpPr>
         <p:spPr>
           <a:xfrm>
-            <a:off x="2398014" y="4544514"/>
-            <a:ext cx="1155192" cy="563880"/>
+            <a:off x="8009572" y="2062734"/>
+            <a:ext cx="146304" cy="105156"/>
           </a:xfrm>
           <a:prstGeom prst="ellipse">
             <a:avLst/>
@@ -12785,7 +12082,7 @@
           <a:noFill/>
           <a:ln>
             <a:solidFill>
-              <a:schemeClr val="tx1"/>
+              <a:srgbClr val="FF0000"/>
             </a:solidFill>
           </a:ln>
         </p:spPr>
@@ -12810,16 +12107,16 @@
           <a:lstStyle/>
           <a:p>
             <a:pPr algn="ctr"/>
-            <a:endParaRPr lang="zh-CN" altLang="en-US" dirty="0"/>
+            <a:endParaRPr lang="zh-CN" altLang="en-US"/>
           </a:p>
         </p:txBody>
       </p:sp>
       <p:sp>
         <p:nvSpPr>
-          <p:cNvPr id="11" name="椭圆 10">
+          <p:cNvPr id="20" name="椭圆 19">
             <a:extLst>
               <a:ext uri="{FF2B5EF4-FFF2-40B4-BE49-F238E27FC236}">
-                <a16:creationId xmlns:a16="http://schemas.microsoft.com/office/drawing/2014/main" id="{024B119F-4DA1-4119-E264-471B643BFA55}"/>
+                <a16:creationId xmlns:a16="http://schemas.microsoft.com/office/drawing/2014/main" id="{F51701BF-8641-F12F-3741-DAEDA7318FFF}"/>
               </a:ext>
             </a:extLst>
           </p:cNvPr>
@@ -12828,8 +12125,8 @@
         </p:nvSpPr>
         <p:spPr>
           <a:xfrm>
-            <a:off x="3055620" y="4544514"/>
-            <a:ext cx="1155192" cy="563880"/>
+            <a:off x="5853875" y="1878330"/>
+            <a:ext cx="710184" cy="289560"/>
           </a:xfrm>
           <a:prstGeom prst="ellipse">
             <a:avLst/>
@@ -12837,7 +12134,7 @@
           <a:noFill/>
           <a:ln>
             <a:solidFill>
-              <a:schemeClr val="tx1"/>
+              <a:srgbClr val="FF0000"/>
             </a:solidFill>
           </a:ln>
         </p:spPr>
@@ -12862,192 +12159,126 @@
           <a:lstStyle/>
           <a:p>
             <a:pPr algn="ctr"/>
-            <a:endParaRPr lang="zh-CN" altLang="en-US" dirty="0"/>
+            <a:endParaRPr lang="zh-CN" altLang="en-US"/>
           </a:p>
         </p:txBody>
       </p:sp>
-      <p:sp>
-        <p:nvSpPr>
-          <p:cNvPr id="13" name="椭圆 12">
+      <p:cxnSp>
+        <p:nvCxnSpPr>
+          <p:cNvPr id="24" name="直接箭头连接符 23">
             <a:extLst>
               <a:ext uri="{FF2B5EF4-FFF2-40B4-BE49-F238E27FC236}">
-                <a16:creationId xmlns:a16="http://schemas.microsoft.com/office/drawing/2014/main" id="{3E6335CE-2A31-7401-12B6-9A2708408BDA}"/>
+                <a16:creationId xmlns:a16="http://schemas.microsoft.com/office/drawing/2014/main" id="{798FA2E3-394B-864B-E0D4-01D339C4F2EC}"/>
               </a:ext>
             </a:extLst>
           </p:cNvPr>
-          <p:cNvSpPr/>
+          <p:cNvCxnSpPr>
+            <a:cxnSpLocks/>
+            <a:stCxn id="12" idx="0"/>
+          </p:cNvCxnSpPr>
           <p:nvPr/>
-        </p:nvSpPr>
+        </p:nvCxnSpPr>
         <p:spPr>
-          <a:xfrm>
-            <a:off x="7473696" y="4027883"/>
-            <a:ext cx="2962656" cy="1655064"/>
+          <a:xfrm flipV="1">
+            <a:off x="3877056" y="1481328"/>
+            <a:ext cx="0" cy="633984"/>
           </a:xfrm>
-          <a:prstGeom prst="ellipse">
+          <a:prstGeom prst="straightConnector1">
             <a:avLst/>
           </a:prstGeom>
-          <a:noFill/>
-          <a:ln>
+          <a:ln w="12700">
             <a:solidFill>
-              <a:schemeClr val="tx1"/>
+              <a:srgbClr val="FF0000"/>
             </a:solidFill>
+            <a:tailEnd type="triangle"/>
           </a:ln>
         </p:spPr>
         <p:style>
-          <a:lnRef idx="2">
-            <a:schemeClr val="accent1">
-              <a:shade val="15000"/>
-            </a:schemeClr>
+          <a:lnRef idx="1">
+            <a:schemeClr val="accent1"/>
           </a:lnRef>
-          <a:fillRef idx="1">
+          <a:fillRef idx="0">
             <a:schemeClr val="accent1"/>
           </a:fillRef>
           <a:effectRef idx="0">
             <a:schemeClr val="accent1"/>
           </a:effectRef>
           <a:fontRef idx="minor">
-            <a:schemeClr val="lt1"/>
+            <a:schemeClr val="tx1"/>
           </a:fontRef>
         </p:style>
-        <p:txBody>
-          <a:bodyPr rtlCol="0" anchor="ctr"/>
-          <a:lstStyle/>
-          <a:p>
-            <a:pPr algn="ctr"/>
-            <a:endParaRPr lang="zh-CN" altLang="en-US" dirty="0"/>
-          </a:p>
-        </p:txBody>
-      </p:sp>
-      <p:sp>
-        <p:nvSpPr>
-          <p:cNvPr id="15" name="椭圆 14">
+      </p:cxnSp>
+      <p:cxnSp>
+        <p:nvCxnSpPr>
+          <p:cNvPr id="28" name="直接箭头连接符 27">
             <a:extLst>
               <a:ext uri="{FF2B5EF4-FFF2-40B4-BE49-F238E27FC236}">
-                <a16:creationId xmlns:a16="http://schemas.microsoft.com/office/drawing/2014/main" id="{1DB4CC9F-C72E-26E3-823C-EE6FE7D11DB5}"/>
+                <a16:creationId xmlns:a16="http://schemas.microsoft.com/office/drawing/2014/main" id="{F81A4F37-2E0F-645F-3EDA-24424EFB7961}"/>
               </a:ext>
             </a:extLst>
           </p:cNvPr>
-          <p:cNvSpPr/>
+          <p:cNvCxnSpPr>
+            <a:cxnSpLocks/>
+            <a:stCxn id="20" idx="0"/>
+          </p:cNvCxnSpPr>
           <p:nvPr/>
-        </p:nvSpPr>
+        </p:nvCxnSpPr>
         <p:spPr>
-          <a:xfrm>
-            <a:off x="8287512" y="4484316"/>
-            <a:ext cx="1495044" cy="775716"/>
+          <a:xfrm flipV="1">
+            <a:off x="6208967" y="1481328"/>
+            <a:ext cx="0" cy="397002"/>
           </a:xfrm>
-          <a:prstGeom prst="ellipse">
+          <a:prstGeom prst="straightConnector1">
             <a:avLst/>
           </a:prstGeom>
-          <a:noFill/>
-          <a:ln>
+          <a:ln w="12700">
             <a:solidFill>
-              <a:schemeClr val="tx1"/>
+              <a:srgbClr val="FF0000"/>
             </a:solidFill>
+            <a:tailEnd type="triangle"/>
           </a:ln>
         </p:spPr>
         <p:style>
-          <a:lnRef idx="2">
-            <a:schemeClr val="accent1">
-              <a:shade val="15000"/>
-            </a:schemeClr>
+          <a:lnRef idx="1">
+            <a:schemeClr val="accent1"/>
           </a:lnRef>
-          <a:fillRef idx="1">
+          <a:fillRef idx="0">
             <a:schemeClr val="accent1"/>
           </a:fillRef>
           <a:effectRef idx="0">
             <a:schemeClr val="accent1"/>
           </a:effectRef>
           <a:fontRef idx="minor">
-            <a:schemeClr val="lt1"/>
+            <a:schemeClr val="tx1"/>
           </a:fontRef>
         </p:style>
-        <p:txBody>
-          <a:bodyPr rtlCol="0" anchor="ctr"/>
-          <a:lstStyle/>
-          <a:p>
-            <a:pPr algn="ctr"/>
-            <a:endParaRPr lang="zh-CN" altLang="en-US" dirty="0"/>
-          </a:p>
-        </p:txBody>
-      </p:sp>
-      <p:sp>
-        <p:nvSpPr>
-          <p:cNvPr id="17" name="椭圆 16">
+      </p:cxnSp>
+      <p:cxnSp>
+        <p:nvCxnSpPr>
+          <p:cNvPr id="33" name="直接箭头连接符 32">
             <a:extLst>
               <a:ext uri="{FF2B5EF4-FFF2-40B4-BE49-F238E27FC236}">
-                <a16:creationId xmlns:a16="http://schemas.microsoft.com/office/drawing/2014/main" id="{CDC104A4-0ACC-86AD-98C9-4886B1C68DE9}"/>
-              </a:ext>
-            </a:extLst>
-          </p:cNvPr>
-          <p:cNvSpPr/>
-          <p:nvPr/>
-        </p:nvSpPr>
-        <p:spPr>
-          <a:xfrm>
-            <a:off x="8669274" y="4571946"/>
-            <a:ext cx="1155192" cy="563880"/>
-          </a:xfrm>
-          <a:prstGeom prst="ellipse">
-            <a:avLst/>
-          </a:prstGeom>
-          <a:noFill/>
-          <a:ln>
-            <a:solidFill>
-              <a:schemeClr val="tx1"/>
-            </a:solidFill>
-          </a:ln>
-        </p:spPr>
-        <p:style>
-          <a:lnRef idx="2">
-            <a:schemeClr val="accent1">
-              <a:shade val="15000"/>
-            </a:schemeClr>
-          </a:lnRef>
-          <a:fillRef idx="1">
-            <a:schemeClr val="accent1"/>
-          </a:fillRef>
-          <a:effectRef idx="0">
-            <a:schemeClr val="accent1"/>
-          </a:effectRef>
-          <a:fontRef idx="minor">
-            <a:schemeClr val="lt1"/>
-          </a:fontRef>
-        </p:style>
-        <p:txBody>
-          <a:bodyPr rtlCol="0" anchor="ctr"/>
-          <a:lstStyle/>
-          <a:p>
-            <a:pPr algn="ctr"/>
-            <a:endParaRPr lang="zh-CN" altLang="en-US" dirty="0"/>
-          </a:p>
-        </p:txBody>
-      </p:sp>
-      <p:cxnSp>
-        <p:nvCxnSpPr>
-          <p:cNvPr id="21" name="直接箭头连接符 20">
-            <a:extLst>
-              <a:ext uri="{FF2B5EF4-FFF2-40B4-BE49-F238E27FC236}">
-                <a16:creationId xmlns:a16="http://schemas.microsoft.com/office/drawing/2014/main" id="{12839C7B-9518-EDE3-99AB-FE269A868599}"/>
+                <a16:creationId xmlns:a16="http://schemas.microsoft.com/office/drawing/2014/main" id="{224E6D99-1E42-B5E7-646E-F2B81F4D45AE}"/>
               </a:ext>
             </a:extLst>
           </p:cNvPr>
           <p:cNvCxnSpPr>
             <a:cxnSpLocks/>
-            <a:endCxn id="23" idx="2"/>
+            <a:stCxn id="16" idx="0"/>
           </p:cNvCxnSpPr>
           <p:nvPr/>
         </p:nvCxnSpPr>
         <p:spPr>
-          <a:xfrm flipH="1" flipV="1">
-            <a:off x="1346073" y="4197606"/>
-            <a:ext cx="1437513" cy="657809"/>
+          <a:xfrm flipV="1">
+            <a:off x="8082724" y="1481328"/>
+            <a:ext cx="0" cy="581406"/>
           </a:xfrm>
           <a:prstGeom prst="straightConnector1">
             <a:avLst/>
           </a:prstGeom>
-          <a:ln>
+          <a:ln w="12700">
             <a:solidFill>
-              <a:schemeClr val="tx1"/>
+              <a:srgbClr val="FF0000"/>
             </a:solidFill>
             <a:tailEnd type="triangle"/>
           </a:ln>
@@ -13069,10 +12300,10 @@
       </p:cxnSp>
       <p:sp>
         <p:nvSpPr>
-          <p:cNvPr id="23" name="文本框 22">
+          <p:cNvPr id="43" name="文本框 42">
             <a:extLst>
               <a:ext uri="{FF2B5EF4-FFF2-40B4-BE49-F238E27FC236}">
-                <a16:creationId xmlns:a16="http://schemas.microsoft.com/office/drawing/2014/main" id="{21AF8675-44C4-3674-F411-3D5883DFA455}"/>
+                <a16:creationId xmlns:a16="http://schemas.microsoft.com/office/drawing/2014/main" id="{8A555394-97E7-0078-D247-7F81E4548D91}"/>
               </a:ext>
             </a:extLst>
           </p:cNvPr>
@@ -13081,8 +12312,8 @@
         </p:nvSpPr>
         <p:spPr>
           <a:xfrm>
-            <a:off x="726186" y="3674386"/>
-            <a:ext cx="1239774" cy="523220"/>
+            <a:off x="2349436" y="902958"/>
+            <a:ext cx="7524559" cy="523220"/>
           </a:xfrm>
           <a:prstGeom prst="rect">
             <a:avLst/>
@@ -13102,7 +12333,25 @@
                 </a:solidFill>
                 <a:latin typeface="Consolas"/>
               </a:rPr>
-              <a:t>My Quality Control</a:t>
+              <a:t>Some pieces, when heart rates are changing dramatically, could be used to test whether </a:t>
+            </a:r>
+            <a:r>
+              <a:rPr lang="en-US" altLang="zh-CN" dirty="0" err="1">
+                <a:solidFill>
+                  <a:schemeClr val="dk1"/>
+                </a:solidFill>
+                <a:latin typeface="Consolas"/>
+              </a:rPr>
+              <a:t>Afib</a:t>
+            </a:r>
+            <a:r>
+              <a:rPr lang="en-US" altLang="zh-CN" dirty="0">
+                <a:solidFill>
+                  <a:schemeClr val="dk1"/>
+                </a:solidFill>
+                <a:latin typeface="Consolas"/>
+              </a:rPr>
+              <a:t> pieces are reserved after the quality control.</a:t>
             </a:r>
             <a:endParaRPr lang="zh-CN" altLang="en-US" dirty="0">
               <a:solidFill>
@@ -13115,292 +12364,10 @@
       </p:sp>
       <p:sp>
         <p:nvSpPr>
-          <p:cNvPr id="26" name="文本框 25">
+          <p:cNvPr id="44" name="任意多边形: 形状 43">
             <a:extLst>
               <a:ext uri="{FF2B5EF4-FFF2-40B4-BE49-F238E27FC236}">
-                <a16:creationId xmlns:a16="http://schemas.microsoft.com/office/drawing/2014/main" id="{AEFBDB99-8D38-62C6-AFA9-4342FBD7C329}"/>
-              </a:ext>
-            </a:extLst>
-          </p:cNvPr>
-          <p:cNvSpPr txBox="1"/>
-          <p:nvPr/>
-        </p:nvSpPr>
-        <p:spPr>
-          <a:xfrm>
-            <a:off x="4288345" y="3612506"/>
-            <a:ext cx="2096262" cy="523220"/>
-          </a:xfrm>
-          <a:prstGeom prst="rect">
-            <a:avLst/>
-          </a:prstGeom>
-          <a:noFill/>
-        </p:spPr>
-        <p:txBody>
-          <a:bodyPr wrap="square" rtlCol="0">
-            <a:spAutoFit/>
-          </a:bodyPr>
-          <a:lstStyle/>
-          <a:p>
-            <a:r>
-              <a:rPr lang="en-US" altLang="zh-CN" dirty="0" err="1">
-                <a:solidFill>
-                  <a:schemeClr val="dk1"/>
-                </a:solidFill>
-                <a:latin typeface="Consolas"/>
-              </a:rPr>
-              <a:t>Yingjian’s</a:t>
-            </a:r>
-            <a:r>
-              <a:rPr lang="en-US" altLang="zh-CN" dirty="0">
-                <a:solidFill>
-                  <a:schemeClr val="dk1"/>
-                </a:solidFill>
-                <a:latin typeface="Consolas"/>
-              </a:rPr>
-              <a:t> Quality Control Version4</a:t>
-            </a:r>
-            <a:endParaRPr lang="zh-CN" altLang="en-US" dirty="0">
-              <a:solidFill>
-                <a:schemeClr val="dk1"/>
-              </a:solidFill>
-              <a:latin typeface="Consolas"/>
-            </a:endParaRPr>
-          </a:p>
-        </p:txBody>
-      </p:sp>
-      <p:cxnSp>
-        <p:nvCxnSpPr>
-          <p:cNvPr id="27" name="直接箭头连接符 26">
-            <a:extLst>
-              <a:ext uri="{FF2B5EF4-FFF2-40B4-BE49-F238E27FC236}">
-                <a16:creationId xmlns:a16="http://schemas.microsoft.com/office/drawing/2014/main" id="{59A35D9A-F119-FD6A-F80F-BEDCAC8CDF55}"/>
-              </a:ext>
-            </a:extLst>
-          </p:cNvPr>
-          <p:cNvCxnSpPr>
-            <a:cxnSpLocks/>
-            <a:endCxn id="26" idx="2"/>
-          </p:cNvCxnSpPr>
-          <p:nvPr/>
-        </p:nvCxnSpPr>
-        <p:spPr>
-          <a:xfrm flipV="1">
-            <a:off x="3861054" y="4135726"/>
-            <a:ext cx="1475422" cy="719689"/>
-          </a:xfrm>
-          <a:prstGeom prst="straightConnector1">
-            <a:avLst/>
-          </a:prstGeom>
-          <a:ln>
-            <a:solidFill>
-              <a:schemeClr val="tx1"/>
-            </a:solidFill>
-            <a:tailEnd type="triangle"/>
-          </a:ln>
-        </p:spPr>
-        <p:style>
-          <a:lnRef idx="1">
-            <a:schemeClr val="accent1"/>
-          </a:lnRef>
-          <a:fillRef idx="0">
-            <a:schemeClr val="accent1"/>
-          </a:fillRef>
-          <a:effectRef idx="0">
-            <a:schemeClr val="accent1"/>
-          </a:effectRef>
-          <a:fontRef idx="minor">
-            <a:schemeClr val="tx1"/>
-          </a:fontRef>
-        </p:style>
-      </p:cxnSp>
-      <p:cxnSp>
-        <p:nvCxnSpPr>
-          <p:cNvPr id="31" name="直接箭头连接符 30">
-            <a:extLst>
-              <a:ext uri="{FF2B5EF4-FFF2-40B4-BE49-F238E27FC236}">
-                <a16:creationId xmlns:a16="http://schemas.microsoft.com/office/drawing/2014/main" id="{4DCC4F87-43EA-F5CA-4BF7-8423A29EDA77}"/>
-              </a:ext>
-            </a:extLst>
-          </p:cNvPr>
-          <p:cNvCxnSpPr>
-            <a:cxnSpLocks/>
-            <a:endCxn id="32" idx="0"/>
-          </p:cNvCxnSpPr>
-          <p:nvPr/>
-        </p:nvCxnSpPr>
-        <p:spPr>
-          <a:xfrm flipH="1">
-            <a:off x="2111883" y="5350092"/>
-            <a:ext cx="1052703" cy="849486"/>
-          </a:xfrm>
-          <a:prstGeom prst="straightConnector1">
-            <a:avLst/>
-          </a:prstGeom>
-          <a:ln>
-            <a:solidFill>
-              <a:schemeClr val="tx1"/>
-            </a:solidFill>
-            <a:tailEnd type="triangle"/>
-          </a:ln>
-        </p:spPr>
-        <p:style>
-          <a:lnRef idx="1">
-            <a:schemeClr val="accent1"/>
-          </a:lnRef>
-          <a:fillRef idx="0">
-            <a:schemeClr val="accent1"/>
-          </a:fillRef>
-          <a:effectRef idx="0">
-            <a:schemeClr val="accent1"/>
-          </a:effectRef>
-          <a:fontRef idx="minor">
-            <a:schemeClr val="tx1"/>
-          </a:fontRef>
-        </p:style>
-      </p:cxnSp>
-      <p:sp>
-        <p:nvSpPr>
-          <p:cNvPr id="32" name="文本框 31">
-            <a:extLst>
-              <a:ext uri="{FF2B5EF4-FFF2-40B4-BE49-F238E27FC236}">
-                <a16:creationId xmlns:a16="http://schemas.microsoft.com/office/drawing/2014/main" id="{BEA4BA25-1D80-FB48-1914-5E92E14F7080}"/>
-              </a:ext>
-            </a:extLst>
-          </p:cNvPr>
-          <p:cNvSpPr txBox="1"/>
-          <p:nvPr/>
-        </p:nvSpPr>
-        <p:spPr>
-          <a:xfrm>
-            <a:off x="694182" y="6199578"/>
-            <a:ext cx="2835402" cy="307777"/>
-          </a:xfrm>
-          <a:prstGeom prst="rect">
-            <a:avLst/>
-          </a:prstGeom>
-          <a:noFill/>
-        </p:spPr>
-        <p:txBody>
-          <a:bodyPr wrap="square" rtlCol="0">
-            <a:spAutoFit/>
-          </a:bodyPr>
-          <a:lstStyle/>
-          <a:p>
-            <a:r>
-              <a:rPr lang="en-US" altLang="zh-CN" dirty="0">
-                <a:solidFill>
-                  <a:schemeClr val="dk1"/>
-                </a:solidFill>
-                <a:latin typeface="Consolas"/>
-              </a:rPr>
-              <a:t>Highly Low Quality Pieces</a:t>
-            </a:r>
-            <a:endParaRPr lang="zh-CN" altLang="en-US" dirty="0">
-              <a:solidFill>
-                <a:schemeClr val="dk1"/>
-              </a:solidFill>
-              <a:latin typeface="Consolas"/>
-            </a:endParaRPr>
-          </a:p>
-        </p:txBody>
-      </p:sp>
-      <p:cxnSp>
-        <p:nvCxnSpPr>
-          <p:cNvPr id="34" name="直接箭头连接符 33">
-            <a:extLst>
-              <a:ext uri="{FF2B5EF4-FFF2-40B4-BE49-F238E27FC236}">
-                <a16:creationId xmlns:a16="http://schemas.microsoft.com/office/drawing/2014/main" id="{3327FFF2-0C84-8A9D-C9AB-B817177392C9}"/>
-              </a:ext>
-            </a:extLst>
-          </p:cNvPr>
-          <p:cNvCxnSpPr>
-            <a:cxnSpLocks/>
-            <a:endCxn id="35" idx="0"/>
-          </p:cNvCxnSpPr>
-          <p:nvPr/>
-        </p:nvCxnSpPr>
-        <p:spPr>
-          <a:xfrm>
-            <a:off x="3349752" y="4869678"/>
-            <a:ext cx="1600962" cy="1168483"/>
-          </a:xfrm>
-          <a:prstGeom prst="straightConnector1">
-            <a:avLst/>
-          </a:prstGeom>
-          <a:ln>
-            <a:solidFill>
-              <a:schemeClr val="tx1"/>
-            </a:solidFill>
-            <a:tailEnd type="triangle"/>
-          </a:ln>
-        </p:spPr>
-        <p:style>
-          <a:lnRef idx="1">
-            <a:schemeClr val="accent1"/>
-          </a:lnRef>
-          <a:fillRef idx="0">
-            <a:schemeClr val="accent1"/>
-          </a:fillRef>
-          <a:effectRef idx="0">
-            <a:schemeClr val="accent1"/>
-          </a:effectRef>
-          <a:fontRef idx="minor">
-            <a:schemeClr val="tx1"/>
-          </a:fontRef>
-        </p:style>
-      </p:cxnSp>
-      <p:sp>
-        <p:nvSpPr>
-          <p:cNvPr id="35" name="文本框 34">
-            <a:extLst>
-              <a:ext uri="{FF2B5EF4-FFF2-40B4-BE49-F238E27FC236}">
-                <a16:creationId xmlns:a16="http://schemas.microsoft.com/office/drawing/2014/main" id="{E3D9BED7-D20B-1276-6F80-1FE7828EF600}"/>
-              </a:ext>
-            </a:extLst>
-          </p:cNvPr>
-          <p:cNvSpPr txBox="1"/>
-          <p:nvPr/>
-        </p:nvSpPr>
-        <p:spPr>
-          <a:xfrm>
-            <a:off x="4146042" y="6038161"/>
-            <a:ext cx="1609344" cy="523220"/>
-          </a:xfrm>
-          <a:prstGeom prst="rect">
-            <a:avLst/>
-          </a:prstGeom>
-          <a:noFill/>
-        </p:spPr>
-        <p:txBody>
-          <a:bodyPr wrap="square" rtlCol="0">
-            <a:spAutoFit/>
-          </a:bodyPr>
-          <a:lstStyle/>
-          <a:p>
-            <a:r>
-              <a:rPr lang="en-US" altLang="zh-CN" dirty="0">
-                <a:solidFill>
-                  <a:schemeClr val="dk1"/>
-                </a:solidFill>
-                <a:latin typeface="Consolas"/>
-              </a:rPr>
-              <a:t>Intersection is quite small.</a:t>
-            </a:r>
-            <a:endParaRPr lang="zh-CN" altLang="en-US" dirty="0">
-              <a:solidFill>
-                <a:schemeClr val="dk1"/>
-              </a:solidFill>
-              <a:latin typeface="Consolas"/>
-            </a:endParaRPr>
-          </a:p>
-        </p:txBody>
-      </p:sp>
-      <p:sp>
-        <p:nvSpPr>
-          <p:cNvPr id="36" name="箭头: 右 35">
-            <a:extLst>
-              <a:ext uri="{FF2B5EF4-FFF2-40B4-BE49-F238E27FC236}">
-                <a16:creationId xmlns:a16="http://schemas.microsoft.com/office/drawing/2014/main" id="{A4D6BC31-1579-8AD2-248B-7F91EE31802F}"/>
+                <a16:creationId xmlns:a16="http://schemas.microsoft.com/office/drawing/2014/main" id="{413CAC70-0BBF-E6EF-B883-F500CC37CFB5}"/>
               </a:ext>
             </a:extLst>
           </p:cNvPr>
@@ -13409,12 +12376,120 @@
         </p:nvSpPr>
         <p:spPr>
           <a:xfrm>
-            <a:off x="5203698" y="4855415"/>
-            <a:ext cx="1826514" cy="165493"/>
+            <a:off x="2751716" y="4399473"/>
+            <a:ext cx="1152144" cy="1543299"/>
           </a:xfrm>
-          <a:prstGeom prst="rightArrow">
+          <a:custGeom>
             <a:avLst/>
-          </a:prstGeom>
+            <a:gdLst>
+              <a:gd name="connsiteX0" fmla="*/ 0 w 1152144"/>
+              <a:gd name="connsiteY0" fmla="*/ 738407 h 1543299"/>
+              <a:gd name="connsiteX1" fmla="*/ 100584 w 1152144"/>
+              <a:gd name="connsiteY1" fmla="*/ 646967 h 1543299"/>
+              <a:gd name="connsiteX2" fmla="*/ 192024 w 1152144"/>
+              <a:gd name="connsiteY2" fmla="*/ 866423 h 1543299"/>
+              <a:gd name="connsiteX3" fmla="*/ 329184 w 1152144"/>
+              <a:gd name="connsiteY3" fmla="*/ 125759 h 1543299"/>
+              <a:gd name="connsiteX4" fmla="*/ 493776 w 1152144"/>
+              <a:gd name="connsiteY4" fmla="*/ 1543079 h 1543299"/>
+              <a:gd name="connsiteX5" fmla="*/ 640080 w 1152144"/>
+              <a:gd name="connsiteY5" fmla="*/ 6887 h 1543299"/>
+              <a:gd name="connsiteX6" fmla="*/ 832104 w 1152144"/>
+              <a:gd name="connsiteY6" fmla="*/ 957863 h 1543299"/>
+              <a:gd name="connsiteX7" fmla="*/ 996696 w 1152144"/>
+              <a:gd name="connsiteY7" fmla="*/ 482375 h 1543299"/>
+              <a:gd name="connsiteX8" fmla="*/ 1124712 w 1152144"/>
+              <a:gd name="connsiteY8" fmla="*/ 665255 h 1543299"/>
+              <a:gd name="connsiteX9" fmla="*/ 1152144 w 1152144"/>
+              <a:gd name="connsiteY9" fmla="*/ 692687 h 1543299"/>
+            </a:gdLst>
+            <a:ahLst/>
+            <a:cxnLst>
+              <a:cxn ang="0">
+                <a:pos x="connsiteX0" y="connsiteY0"/>
+              </a:cxn>
+              <a:cxn ang="0">
+                <a:pos x="connsiteX1" y="connsiteY1"/>
+              </a:cxn>
+              <a:cxn ang="0">
+                <a:pos x="connsiteX2" y="connsiteY2"/>
+              </a:cxn>
+              <a:cxn ang="0">
+                <a:pos x="connsiteX3" y="connsiteY3"/>
+              </a:cxn>
+              <a:cxn ang="0">
+                <a:pos x="connsiteX4" y="connsiteY4"/>
+              </a:cxn>
+              <a:cxn ang="0">
+                <a:pos x="connsiteX5" y="connsiteY5"/>
+              </a:cxn>
+              <a:cxn ang="0">
+                <a:pos x="connsiteX6" y="connsiteY6"/>
+              </a:cxn>
+              <a:cxn ang="0">
+                <a:pos x="connsiteX7" y="connsiteY7"/>
+              </a:cxn>
+              <a:cxn ang="0">
+                <a:pos x="connsiteX8" y="connsiteY8"/>
+              </a:cxn>
+              <a:cxn ang="0">
+                <a:pos x="connsiteX9" y="connsiteY9"/>
+              </a:cxn>
+            </a:cxnLst>
+            <a:rect l="l" t="t" r="r" b="b"/>
+            <a:pathLst>
+              <a:path w="1152144" h="1543299">
+                <a:moveTo>
+                  <a:pt x="0" y="738407"/>
+                </a:moveTo>
+                <a:cubicBezTo>
+                  <a:pt x="34290" y="682019"/>
+                  <a:pt x="68580" y="625631"/>
+                  <a:pt x="100584" y="646967"/>
+                </a:cubicBezTo>
+                <a:cubicBezTo>
+                  <a:pt x="132588" y="668303"/>
+                  <a:pt x="153924" y="953291"/>
+                  <a:pt x="192024" y="866423"/>
+                </a:cubicBezTo>
+                <a:cubicBezTo>
+                  <a:pt x="230124" y="779555"/>
+                  <a:pt x="278892" y="12983"/>
+                  <a:pt x="329184" y="125759"/>
+                </a:cubicBezTo>
+                <a:cubicBezTo>
+                  <a:pt x="379476" y="238535"/>
+                  <a:pt x="441960" y="1562891"/>
+                  <a:pt x="493776" y="1543079"/>
+                </a:cubicBezTo>
+                <a:cubicBezTo>
+                  <a:pt x="545592" y="1523267"/>
+                  <a:pt x="583692" y="104423"/>
+                  <a:pt x="640080" y="6887"/>
+                </a:cubicBezTo>
+                <a:cubicBezTo>
+                  <a:pt x="696468" y="-90649"/>
+                  <a:pt x="772668" y="878615"/>
+                  <a:pt x="832104" y="957863"/>
+                </a:cubicBezTo>
+                <a:cubicBezTo>
+                  <a:pt x="891540" y="1037111"/>
+                  <a:pt x="947928" y="531143"/>
+                  <a:pt x="996696" y="482375"/>
+                </a:cubicBezTo>
+                <a:cubicBezTo>
+                  <a:pt x="1045464" y="433607"/>
+                  <a:pt x="1098804" y="630203"/>
+                  <a:pt x="1124712" y="665255"/>
+                </a:cubicBezTo>
+                <a:cubicBezTo>
+                  <a:pt x="1150620" y="700307"/>
+                  <a:pt x="1151382" y="696497"/>
+                  <a:pt x="1152144" y="692687"/>
+                </a:cubicBezTo>
+              </a:path>
+            </a:pathLst>
+          </a:custGeom>
           <a:noFill/>
         </p:spPr>
         <p:style>
@@ -13444,10 +12519,1018 @@
       </p:sp>
       <p:sp>
         <p:nvSpPr>
-          <p:cNvPr id="38" name="文本框 37">
+          <p:cNvPr id="45" name="任意多边形: 形状 44">
             <a:extLst>
               <a:ext uri="{FF2B5EF4-FFF2-40B4-BE49-F238E27FC236}">
-                <a16:creationId xmlns:a16="http://schemas.microsoft.com/office/drawing/2014/main" id="{FDA1A100-64B9-6E15-9A31-E5F3AB5D8B5A}"/>
+                <a16:creationId xmlns:a16="http://schemas.microsoft.com/office/drawing/2014/main" id="{D6FD4DFD-D71C-2A62-8811-94663AD509AA}"/>
+              </a:ext>
+            </a:extLst>
+          </p:cNvPr>
+          <p:cNvSpPr/>
+          <p:nvPr/>
+        </p:nvSpPr>
+        <p:spPr>
+          <a:xfrm>
+            <a:off x="3903860" y="4390328"/>
+            <a:ext cx="1152144" cy="1543299"/>
+          </a:xfrm>
+          <a:custGeom>
+            <a:avLst/>
+            <a:gdLst>
+              <a:gd name="connsiteX0" fmla="*/ 0 w 1152144"/>
+              <a:gd name="connsiteY0" fmla="*/ 738407 h 1543299"/>
+              <a:gd name="connsiteX1" fmla="*/ 100584 w 1152144"/>
+              <a:gd name="connsiteY1" fmla="*/ 646967 h 1543299"/>
+              <a:gd name="connsiteX2" fmla="*/ 192024 w 1152144"/>
+              <a:gd name="connsiteY2" fmla="*/ 866423 h 1543299"/>
+              <a:gd name="connsiteX3" fmla="*/ 329184 w 1152144"/>
+              <a:gd name="connsiteY3" fmla="*/ 125759 h 1543299"/>
+              <a:gd name="connsiteX4" fmla="*/ 493776 w 1152144"/>
+              <a:gd name="connsiteY4" fmla="*/ 1543079 h 1543299"/>
+              <a:gd name="connsiteX5" fmla="*/ 640080 w 1152144"/>
+              <a:gd name="connsiteY5" fmla="*/ 6887 h 1543299"/>
+              <a:gd name="connsiteX6" fmla="*/ 832104 w 1152144"/>
+              <a:gd name="connsiteY6" fmla="*/ 957863 h 1543299"/>
+              <a:gd name="connsiteX7" fmla="*/ 996696 w 1152144"/>
+              <a:gd name="connsiteY7" fmla="*/ 482375 h 1543299"/>
+              <a:gd name="connsiteX8" fmla="*/ 1124712 w 1152144"/>
+              <a:gd name="connsiteY8" fmla="*/ 665255 h 1543299"/>
+              <a:gd name="connsiteX9" fmla="*/ 1152144 w 1152144"/>
+              <a:gd name="connsiteY9" fmla="*/ 692687 h 1543299"/>
+            </a:gdLst>
+            <a:ahLst/>
+            <a:cxnLst>
+              <a:cxn ang="0">
+                <a:pos x="connsiteX0" y="connsiteY0"/>
+              </a:cxn>
+              <a:cxn ang="0">
+                <a:pos x="connsiteX1" y="connsiteY1"/>
+              </a:cxn>
+              <a:cxn ang="0">
+                <a:pos x="connsiteX2" y="connsiteY2"/>
+              </a:cxn>
+              <a:cxn ang="0">
+                <a:pos x="connsiteX3" y="connsiteY3"/>
+              </a:cxn>
+              <a:cxn ang="0">
+                <a:pos x="connsiteX4" y="connsiteY4"/>
+              </a:cxn>
+              <a:cxn ang="0">
+                <a:pos x="connsiteX5" y="connsiteY5"/>
+              </a:cxn>
+              <a:cxn ang="0">
+                <a:pos x="connsiteX6" y="connsiteY6"/>
+              </a:cxn>
+              <a:cxn ang="0">
+                <a:pos x="connsiteX7" y="connsiteY7"/>
+              </a:cxn>
+              <a:cxn ang="0">
+                <a:pos x="connsiteX8" y="connsiteY8"/>
+              </a:cxn>
+              <a:cxn ang="0">
+                <a:pos x="connsiteX9" y="connsiteY9"/>
+              </a:cxn>
+            </a:cxnLst>
+            <a:rect l="l" t="t" r="r" b="b"/>
+            <a:pathLst>
+              <a:path w="1152144" h="1543299">
+                <a:moveTo>
+                  <a:pt x="0" y="738407"/>
+                </a:moveTo>
+                <a:cubicBezTo>
+                  <a:pt x="34290" y="682019"/>
+                  <a:pt x="68580" y="625631"/>
+                  <a:pt x="100584" y="646967"/>
+                </a:cubicBezTo>
+                <a:cubicBezTo>
+                  <a:pt x="132588" y="668303"/>
+                  <a:pt x="153924" y="953291"/>
+                  <a:pt x="192024" y="866423"/>
+                </a:cubicBezTo>
+                <a:cubicBezTo>
+                  <a:pt x="230124" y="779555"/>
+                  <a:pt x="278892" y="12983"/>
+                  <a:pt x="329184" y="125759"/>
+                </a:cubicBezTo>
+                <a:cubicBezTo>
+                  <a:pt x="379476" y="238535"/>
+                  <a:pt x="441960" y="1562891"/>
+                  <a:pt x="493776" y="1543079"/>
+                </a:cubicBezTo>
+                <a:cubicBezTo>
+                  <a:pt x="545592" y="1523267"/>
+                  <a:pt x="583692" y="104423"/>
+                  <a:pt x="640080" y="6887"/>
+                </a:cubicBezTo>
+                <a:cubicBezTo>
+                  <a:pt x="696468" y="-90649"/>
+                  <a:pt x="772668" y="878615"/>
+                  <a:pt x="832104" y="957863"/>
+                </a:cubicBezTo>
+                <a:cubicBezTo>
+                  <a:pt x="891540" y="1037111"/>
+                  <a:pt x="947928" y="531143"/>
+                  <a:pt x="996696" y="482375"/>
+                </a:cubicBezTo>
+                <a:cubicBezTo>
+                  <a:pt x="1045464" y="433607"/>
+                  <a:pt x="1098804" y="630203"/>
+                  <a:pt x="1124712" y="665255"/>
+                </a:cubicBezTo>
+                <a:cubicBezTo>
+                  <a:pt x="1150620" y="700307"/>
+                  <a:pt x="1151382" y="696497"/>
+                  <a:pt x="1152144" y="692687"/>
+                </a:cubicBezTo>
+              </a:path>
+            </a:pathLst>
+          </a:custGeom>
+          <a:noFill/>
+        </p:spPr>
+        <p:style>
+          <a:lnRef idx="2">
+            <a:schemeClr val="accent1">
+              <a:shade val="15000"/>
+            </a:schemeClr>
+          </a:lnRef>
+          <a:fillRef idx="1">
+            <a:schemeClr val="accent1"/>
+          </a:fillRef>
+          <a:effectRef idx="0">
+            <a:schemeClr val="accent1"/>
+          </a:effectRef>
+          <a:fontRef idx="minor">
+            <a:schemeClr val="lt1"/>
+          </a:fontRef>
+        </p:style>
+        <p:txBody>
+          <a:bodyPr rtlCol="0" anchor="ctr"/>
+          <a:lstStyle/>
+          <a:p>
+            <a:pPr algn="ctr"/>
+            <a:endParaRPr lang="zh-CN" altLang="en-US"/>
+          </a:p>
+        </p:txBody>
+      </p:sp>
+      <p:sp>
+        <p:nvSpPr>
+          <p:cNvPr id="46" name="任意多边形: 形状 45">
+            <a:extLst>
+              <a:ext uri="{FF2B5EF4-FFF2-40B4-BE49-F238E27FC236}">
+                <a16:creationId xmlns:a16="http://schemas.microsoft.com/office/drawing/2014/main" id="{2C524162-2950-934B-46F7-BFDE6C6798E9}"/>
+              </a:ext>
+            </a:extLst>
+          </p:cNvPr>
+          <p:cNvSpPr/>
+          <p:nvPr/>
+        </p:nvSpPr>
+        <p:spPr>
+          <a:xfrm>
+            <a:off x="5056004" y="4369535"/>
+            <a:ext cx="1152144" cy="1543299"/>
+          </a:xfrm>
+          <a:custGeom>
+            <a:avLst/>
+            <a:gdLst>
+              <a:gd name="connsiteX0" fmla="*/ 0 w 1152144"/>
+              <a:gd name="connsiteY0" fmla="*/ 738407 h 1543299"/>
+              <a:gd name="connsiteX1" fmla="*/ 100584 w 1152144"/>
+              <a:gd name="connsiteY1" fmla="*/ 646967 h 1543299"/>
+              <a:gd name="connsiteX2" fmla="*/ 192024 w 1152144"/>
+              <a:gd name="connsiteY2" fmla="*/ 866423 h 1543299"/>
+              <a:gd name="connsiteX3" fmla="*/ 329184 w 1152144"/>
+              <a:gd name="connsiteY3" fmla="*/ 125759 h 1543299"/>
+              <a:gd name="connsiteX4" fmla="*/ 493776 w 1152144"/>
+              <a:gd name="connsiteY4" fmla="*/ 1543079 h 1543299"/>
+              <a:gd name="connsiteX5" fmla="*/ 640080 w 1152144"/>
+              <a:gd name="connsiteY5" fmla="*/ 6887 h 1543299"/>
+              <a:gd name="connsiteX6" fmla="*/ 832104 w 1152144"/>
+              <a:gd name="connsiteY6" fmla="*/ 957863 h 1543299"/>
+              <a:gd name="connsiteX7" fmla="*/ 996696 w 1152144"/>
+              <a:gd name="connsiteY7" fmla="*/ 482375 h 1543299"/>
+              <a:gd name="connsiteX8" fmla="*/ 1124712 w 1152144"/>
+              <a:gd name="connsiteY8" fmla="*/ 665255 h 1543299"/>
+              <a:gd name="connsiteX9" fmla="*/ 1152144 w 1152144"/>
+              <a:gd name="connsiteY9" fmla="*/ 692687 h 1543299"/>
+            </a:gdLst>
+            <a:ahLst/>
+            <a:cxnLst>
+              <a:cxn ang="0">
+                <a:pos x="connsiteX0" y="connsiteY0"/>
+              </a:cxn>
+              <a:cxn ang="0">
+                <a:pos x="connsiteX1" y="connsiteY1"/>
+              </a:cxn>
+              <a:cxn ang="0">
+                <a:pos x="connsiteX2" y="connsiteY2"/>
+              </a:cxn>
+              <a:cxn ang="0">
+                <a:pos x="connsiteX3" y="connsiteY3"/>
+              </a:cxn>
+              <a:cxn ang="0">
+                <a:pos x="connsiteX4" y="connsiteY4"/>
+              </a:cxn>
+              <a:cxn ang="0">
+                <a:pos x="connsiteX5" y="connsiteY5"/>
+              </a:cxn>
+              <a:cxn ang="0">
+                <a:pos x="connsiteX6" y="connsiteY6"/>
+              </a:cxn>
+              <a:cxn ang="0">
+                <a:pos x="connsiteX7" y="connsiteY7"/>
+              </a:cxn>
+              <a:cxn ang="0">
+                <a:pos x="connsiteX8" y="connsiteY8"/>
+              </a:cxn>
+              <a:cxn ang="0">
+                <a:pos x="connsiteX9" y="connsiteY9"/>
+              </a:cxn>
+            </a:cxnLst>
+            <a:rect l="l" t="t" r="r" b="b"/>
+            <a:pathLst>
+              <a:path w="1152144" h="1543299">
+                <a:moveTo>
+                  <a:pt x="0" y="738407"/>
+                </a:moveTo>
+                <a:cubicBezTo>
+                  <a:pt x="34290" y="682019"/>
+                  <a:pt x="68580" y="625631"/>
+                  <a:pt x="100584" y="646967"/>
+                </a:cubicBezTo>
+                <a:cubicBezTo>
+                  <a:pt x="132588" y="668303"/>
+                  <a:pt x="153924" y="953291"/>
+                  <a:pt x="192024" y="866423"/>
+                </a:cubicBezTo>
+                <a:cubicBezTo>
+                  <a:pt x="230124" y="779555"/>
+                  <a:pt x="278892" y="12983"/>
+                  <a:pt x="329184" y="125759"/>
+                </a:cubicBezTo>
+                <a:cubicBezTo>
+                  <a:pt x="379476" y="238535"/>
+                  <a:pt x="441960" y="1562891"/>
+                  <a:pt x="493776" y="1543079"/>
+                </a:cubicBezTo>
+                <a:cubicBezTo>
+                  <a:pt x="545592" y="1523267"/>
+                  <a:pt x="583692" y="104423"/>
+                  <a:pt x="640080" y="6887"/>
+                </a:cubicBezTo>
+                <a:cubicBezTo>
+                  <a:pt x="696468" y="-90649"/>
+                  <a:pt x="772668" y="878615"/>
+                  <a:pt x="832104" y="957863"/>
+                </a:cubicBezTo>
+                <a:cubicBezTo>
+                  <a:pt x="891540" y="1037111"/>
+                  <a:pt x="947928" y="531143"/>
+                  <a:pt x="996696" y="482375"/>
+                </a:cubicBezTo>
+                <a:cubicBezTo>
+                  <a:pt x="1045464" y="433607"/>
+                  <a:pt x="1098804" y="630203"/>
+                  <a:pt x="1124712" y="665255"/>
+                </a:cubicBezTo>
+                <a:cubicBezTo>
+                  <a:pt x="1150620" y="700307"/>
+                  <a:pt x="1151382" y="696497"/>
+                  <a:pt x="1152144" y="692687"/>
+                </a:cubicBezTo>
+              </a:path>
+            </a:pathLst>
+          </a:custGeom>
+          <a:noFill/>
+        </p:spPr>
+        <p:style>
+          <a:lnRef idx="2">
+            <a:schemeClr val="accent1">
+              <a:shade val="15000"/>
+            </a:schemeClr>
+          </a:lnRef>
+          <a:fillRef idx="1">
+            <a:schemeClr val="accent1"/>
+          </a:fillRef>
+          <a:effectRef idx="0">
+            <a:schemeClr val="accent1"/>
+          </a:effectRef>
+          <a:fontRef idx="minor">
+            <a:schemeClr val="lt1"/>
+          </a:fontRef>
+        </p:style>
+        <p:txBody>
+          <a:bodyPr rtlCol="0" anchor="ctr"/>
+          <a:lstStyle/>
+          <a:p>
+            <a:pPr algn="ctr"/>
+            <a:endParaRPr lang="zh-CN" altLang="en-US"/>
+          </a:p>
+        </p:txBody>
+      </p:sp>
+      <p:sp>
+        <p:nvSpPr>
+          <p:cNvPr id="47" name="任意多边形: 形状 46">
+            <a:extLst>
+              <a:ext uri="{FF2B5EF4-FFF2-40B4-BE49-F238E27FC236}">
+                <a16:creationId xmlns:a16="http://schemas.microsoft.com/office/drawing/2014/main" id="{5AC6126F-7482-4024-61D4-EBD74B5F98A8}"/>
+              </a:ext>
+            </a:extLst>
+          </p:cNvPr>
+          <p:cNvSpPr/>
+          <p:nvPr/>
+        </p:nvSpPr>
+        <p:spPr>
+          <a:xfrm>
+            <a:off x="6208148" y="4360390"/>
+            <a:ext cx="732148" cy="1543299"/>
+          </a:xfrm>
+          <a:custGeom>
+            <a:avLst/>
+            <a:gdLst>
+              <a:gd name="connsiteX0" fmla="*/ 0 w 1152144"/>
+              <a:gd name="connsiteY0" fmla="*/ 738407 h 1543299"/>
+              <a:gd name="connsiteX1" fmla="*/ 100584 w 1152144"/>
+              <a:gd name="connsiteY1" fmla="*/ 646967 h 1543299"/>
+              <a:gd name="connsiteX2" fmla="*/ 192024 w 1152144"/>
+              <a:gd name="connsiteY2" fmla="*/ 866423 h 1543299"/>
+              <a:gd name="connsiteX3" fmla="*/ 329184 w 1152144"/>
+              <a:gd name="connsiteY3" fmla="*/ 125759 h 1543299"/>
+              <a:gd name="connsiteX4" fmla="*/ 493776 w 1152144"/>
+              <a:gd name="connsiteY4" fmla="*/ 1543079 h 1543299"/>
+              <a:gd name="connsiteX5" fmla="*/ 640080 w 1152144"/>
+              <a:gd name="connsiteY5" fmla="*/ 6887 h 1543299"/>
+              <a:gd name="connsiteX6" fmla="*/ 832104 w 1152144"/>
+              <a:gd name="connsiteY6" fmla="*/ 957863 h 1543299"/>
+              <a:gd name="connsiteX7" fmla="*/ 996696 w 1152144"/>
+              <a:gd name="connsiteY7" fmla="*/ 482375 h 1543299"/>
+              <a:gd name="connsiteX8" fmla="*/ 1124712 w 1152144"/>
+              <a:gd name="connsiteY8" fmla="*/ 665255 h 1543299"/>
+              <a:gd name="connsiteX9" fmla="*/ 1152144 w 1152144"/>
+              <a:gd name="connsiteY9" fmla="*/ 692687 h 1543299"/>
+            </a:gdLst>
+            <a:ahLst/>
+            <a:cxnLst>
+              <a:cxn ang="0">
+                <a:pos x="connsiteX0" y="connsiteY0"/>
+              </a:cxn>
+              <a:cxn ang="0">
+                <a:pos x="connsiteX1" y="connsiteY1"/>
+              </a:cxn>
+              <a:cxn ang="0">
+                <a:pos x="connsiteX2" y="connsiteY2"/>
+              </a:cxn>
+              <a:cxn ang="0">
+                <a:pos x="connsiteX3" y="connsiteY3"/>
+              </a:cxn>
+              <a:cxn ang="0">
+                <a:pos x="connsiteX4" y="connsiteY4"/>
+              </a:cxn>
+              <a:cxn ang="0">
+                <a:pos x="connsiteX5" y="connsiteY5"/>
+              </a:cxn>
+              <a:cxn ang="0">
+                <a:pos x="connsiteX6" y="connsiteY6"/>
+              </a:cxn>
+              <a:cxn ang="0">
+                <a:pos x="connsiteX7" y="connsiteY7"/>
+              </a:cxn>
+              <a:cxn ang="0">
+                <a:pos x="connsiteX8" y="connsiteY8"/>
+              </a:cxn>
+              <a:cxn ang="0">
+                <a:pos x="connsiteX9" y="connsiteY9"/>
+              </a:cxn>
+            </a:cxnLst>
+            <a:rect l="l" t="t" r="r" b="b"/>
+            <a:pathLst>
+              <a:path w="1152144" h="1543299">
+                <a:moveTo>
+                  <a:pt x="0" y="738407"/>
+                </a:moveTo>
+                <a:cubicBezTo>
+                  <a:pt x="34290" y="682019"/>
+                  <a:pt x="68580" y="625631"/>
+                  <a:pt x="100584" y="646967"/>
+                </a:cubicBezTo>
+                <a:cubicBezTo>
+                  <a:pt x="132588" y="668303"/>
+                  <a:pt x="153924" y="953291"/>
+                  <a:pt x="192024" y="866423"/>
+                </a:cubicBezTo>
+                <a:cubicBezTo>
+                  <a:pt x="230124" y="779555"/>
+                  <a:pt x="278892" y="12983"/>
+                  <a:pt x="329184" y="125759"/>
+                </a:cubicBezTo>
+                <a:cubicBezTo>
+                  <a:pt x="379476" y="238535"/>
+                  <a:pt x="441960" y="1562891"/>
+                  <a:pt x="493776" y="1543079"/>
+                </a:cubicBezTo>
+                <a:cubicBezTo>
+                  <a:pt x="545592" y="1523267"/>
+                  <a:pt x="583692" y="104423"/>
+                  <a:pt x="640080" y="6887"/>
+                </a:cubicBezTo>
+                <a:cubicBezTo>
+                  <a:pt x="696468" y="-90649"/>
+                  <a:pt x="772668" y="878615"/>
+                  <a:pt x="832104" y="957863"/>
+                </a:cubicBezTo>
+                <a:cubicBezTo>
+                  <a:pt x="891540" y="1037111"/>
+                  <a:pt x="947928" y="531143"/>
+                  <a:pt x="996696" y="482375"/>
+                </a:cubicBezTo>
+                <a:cubicBezTo>
+                  <a:pt x="1045464" y="433607"/>
+                  <a:pt x="1098804" y="630203"/>
+                  <a:pt x="1124712" y="665255"/>
+                </a:cubicBezTo>
+                <a:cubicBezTo>
+                  <a:pt x="1150620" y="700307"/>
+                  <a:pt x="1151382" y="696497"/>
+                  <a:pt x="1152144" y="692687"/>
+                </a:cubicBezTo>
+              </a:path>
+            </a:pathLst>
+          </a:custGeom>
+          <a:noFill/>
+        </p:spPr>
+        <p:style>
+          <a:lnRef idx="2">
+            <a:schemeClr val="accent1">
+              <a:shade val="15000"/>
+            </a:schemeClr>
+          </a:lnRef>
+          <a:fillRef idx="1">
+            <a:schemeClr val="accent1"/>
+          </a:fillRef>
+          <a:effectRef idx="0">
+            <a:schemeClr val="accent1"/>
+          </a:effectRef>
+          <a:fontRef idx="minor">
+            <a:schemeClr val="lt1"/>
+          </a:fontRef>
+        </p:style>
+        <p:txBody>
+          <a:bodyPr rtlCol="0" anchor="ctr"/>
+          <a:lstStyle/>
+          <a:p>
+            <a:pPr algn="ctr"/>
+            <a:endParaRPr lang="zh-CN" altLang="en-US"/>
+          </a:p>
+        </p:txBody>
+      </p:sp>
+      <p:sp>
+        <p:nvSpPr>
+          <p:cNvPr id="48" name="任意多边形: 形状 47">
+            <a:extLst>
+              <a:ext uri="{FF2B5EF4-FFF2-40B4-BE49-F238E27FC236}">
+                <a16:creationId xmlns:a16="http://schemas.microsoft.com/office/drawing/2014/main" id="{AE0B2425-08F6-A940-AC1F-42D656C5AE49}"/>
+              </a:ext>
+            </a:extLst>
+          </p:cNvPr>
+          <p:cNvSpPr/>
+          <p:nvPr/>
+        </p:nvSpPr>
+        <p:spPr>
+          <a:xfrm>
+            <a:off x="6957642" y="4342101"/>
+            <a:ext cx="732148" cy="1543299"/>
+          </a:xfrm>
+          <a:custGeom>
+            <a:avLst/>
+            <a:gdLst>
+              <a:gd name="connsiteX0" fmla="*/ 0 w 1152144"/>
+              <a:gd name="connsiteY0" fmla="*/ 738407 h 1543299"/>
+              <a:gd name="connsiteX1" fmla="*/ 100584 w 1152144"/>
+              <a:gd name="connsiteY1" fmla="*/ 646967 h 1543299"/>
+              <a:gd name="connsiteX2" fmla="*/ 192024 w 1152144"/>
+              <a:gd name="connsiteY2" fmla="*/ 866423 h 1543299"/>
+              <a:gd name="connsiteX3" fmla="*/ 329184 w 1152144"/>
+              <a:gd name="connsiteY3" fmla="*/ 125759 h 1543299"/>
+              <a:gd name="connsiteX4" fmla="*/ 493776 w 1152144"/>
+              <a:gd name="connsiteY4" fmla="*/ 1543079 h 1543299"/>
+              <a:gd name="connsiteX5" fmla="*/ 640080 w 1152144"/>
+              <a:gd name="connsiteY5" fmla="*/ 6887 h 1543299"/>
+              <a:gd name="connsiteX6" fmla="*/ 832104 w 1152144"/>
+              <a:gd name="connsiteY6" fmla="*/ 957863 h 1543299"/>
+              <a:gd name="connsiteX7" fmla="*/ 996696 w 1152144"/>
+              <a:gd name="connsiteY7" fmla="*/ 482375 h 1543299"/>
+              <a:gd name="connsiteX8" fmla="*/ 1124712 w 1152144"/>
+              <a:gd name="connsiteY8" fmla="*/ 665255 h 1543299"/>
+              <a:gd name="connsiteX9" fmla="*/ 1152144 w 1152144"/>
+              <a:gd name="connsiteY9" fmla="*/ 692687 h 1543299"/>
+            </a:gdLst>
+            <a:ahLst/>
+            <a:cxnLst>
+              <a:cxn ang="0">
+                <a:pos x="connsiteX0" y="connsiteY0"/>
+              </a:cxn>
+              <a:cxn ang="0">
+                <a:pos x="connsiteX1" y="connsiteY1"/>
+              </a:cxn>
+              <a:cxn ang="0">
+                <a:pos x="connsiteX2" y="connsiteY2"/>
+              </a:cxn>
+              <a:cxn ang="0">
+                <a:pos x="connsiteX3" y="connsiteY3"/>
+              </a:cxn>
+              <a:cxn ang="0">
+                <a:pos x="connsiteX4" y="connsiteY4"/>
+              </a:cxn>
+              <a:cxn ang="0">
+                <a:pos x="connsiteX5" y="connsiteY5"/>
+              </a:cxn>
+              <a:cxn ang="0">
+                <a:pos x="connsiteX6" y="connsiteY6"/>
+              </a:cxn>
+              <a:cxn ang="0">
+                <a:pos x="connsiteX7" y="connsiteY7"/>
+              </a:cxn>
+              <a:cxn ang="0">
+                <a:pos x="connsiteX8" y="connsiteY8"/>
+              </a:cxn>
+              <a:cxn ang="0">
+                <a:pos x="connsiteX9" y="connsiteY9"/>
+              </a:cxn>
+            </a:cxnLst>
+            <a:rect l="l" t="t" r="r" b="b"/>
+            <a:pathLst>
+              <a:path w="1152144" h="1543299">
+                <a:moveTo>
+                  <a:pt x="0" y="738407"/>
+                </a:moveTo>
+                <a:cubicBezTo>
+                  <a:pt x="34290" y="682019"/>
+                  <a:pt x="68580" y="625631"/>
+                  <a:pt x="100584" y="646967"/>
+                </a:cubicBezTo>
+                <a:cubicBezTo>
+                  <a:pt x="132588" y="668303"/>
+                  <a:pt x="153924" y="953291"/>
+                  <a:pt x="192024" y="866423"/>
+                </a:cubicBezTo>
+                <a:cubicBezTo>
+                  <a:pt x="230124" y="779555"/>
+                  <a:pt x="278892" y="12983"/>
+                  <a:pt x="329184" y="125759"/>
+                </a:cubicBezTo>
+                <a:cubicBezTo>
+                  <a:pt x="379476" y="238535"/>
+                  <a:pt x="441960" y="1562891"/>
+                  <a:pt x="493776" y="1543079"/>
+                </a:cubicBezTo>
+                <a:cubicBezTo>
+                  <a:pt x="545592" y="1523267"/>
+                  <a:pt x="583692" y="104423"/>
+                  <a:pt x="640080" y="6887"/>
+                </a:cubicBezTo>
+                <a:cubicBezTo>
+                  <a:pt x="696468" y="-90649"/>
+                  <a:pt x="772668" y="878615"/>
+                  <a:pt x="832104" y="957863"/>
+                </a:cubicBezTo>
+                <a:cubicBezTo>
+                  <a:pt x="891540" y="1037111"/>
+                  <a:pt x="947928" y="531143"/>
+                  <a:pt x="996696" y="482375"/>
+                </a:cubicBezTo>
+                <a:cubicBezTo>
+                  <a:pt x="1045464" y="433607"/>
+                  <a:pt x="1098804" y="630203"/>
+                  <a:pt x="1124712" y="665255"/>
+                </a:cubicBezTo>
+                <a:cubicBezTo>
+                  <a:pt x="1150620" y="700307"/>
+                  <a:pt x="1151382" y="696497"/>
+                  <a:pt x="1152144" y="692687"/>
+                </a:cubicBezTo>
+              </a:path>
+            </a:pathLst>
+          </a:custGeom>
+          <a:noFill/>
+        </p:spPr>
+        <p:style>
+          <a:lnRef idx="2">
+            <a:schemeClr val="accent1">
+              <a:shade val="15000"/>
+            </a:schemeClr>
+          </a:lnRef>
+          <a:fillRef idx="1">
+            <a:schemeClr val="accent1"/>
+          </a:fillRef>
+          <a:effectRef idx="0">
+            <a:schemeClr val="accent1"/>
+          </a:effectRef>
+          <a:fontRef idx="minor">
+            <a:schemeClr val="lt1"/>
+          </a:fontRef>
+        </p:style>
+        <p:txBody>
+          <a:bodyPr rtlCol="0" anchor="ctr"/>
+          <a:lstStyle/>
+          <a:p>
+            <a:pPr algn="ctr"/>
+            <a:endParaRPr lang="zh-CN" altLang="en-US"/>
+          </a:p>
+        </p:txBody>
+      </p:sp>
+      <p:sp>
+        <p:nvSpPr>
+          <p:cNvPr id="49" name="任意多边形: 形状 48">
+            <a:extLst>
+              <a:ext uri="{FF2B5EF4-FFF2-40B4-BE49-F238E27FC236}">
+                <a16:creationId xmlns:a16="http://schemas.microsoft.com/office/drawing/2014/main" id="{39AFA961-6857-47A9-0707-96ED1210C545}"/>
+              </a:ext>
+            </a:extLst>
+          </p:cNvPr>
+          <p:cNvSpPr/>
+          <p:nvPr/>
+        </p:nvSpPr>
+        <p:spPr>
+          <a:xfrm>
+            <a:off x="7708078" y="4303015"/>
+            <a:ext cx="732148" cy="1543299"/>
+          </a:xfrm>
+          <a:custGeom>
+            <a:avLst/>
+            <a:gdLst>
+              <a:gd name="connsiteX0" fmla="*/ 0 w 1152144"/>
+              <a:gd name="connsiteY0" fmla="*/ 738407 h 1543299"/>
+              <a:gd name="connsiteX1" fmla="*/ 100584 w 1152144"/>
+              <a:gd name="connsiteY1" fmla="*/ 646967 h 1543299"/>
+              <a:gd name="connsiteX2" fmla="*/ 192024 w 1152144"/>
+              <a:gd name="connsiteY2" fmla="*/ 866423 h 1543299"/>
+              <a:gd name="connsiteX3" fmla="*/ 329184 w 1152144"/>
+              <a:gd name="connsiteY3" fmla="*/ 125759 h 1543299"/>
+              <a:gd name="connsiteX4" fmla="*/ 493776 w 1152144"/>
+              <a:gd name="connsiteY4" fmla="*/ 1543079 h 1543299"/>
+              <a:gd name="connsiteX5" fmla="*/ 640080 w 1152144"/>
+              <a:gd name="connsiteY5" fmla="*/ 6887 h 1543299"/>
+              <a:gd name="connsiteX6" fmla="*/ 832104 w 1152144"/>
+              <a:gd name="connsiteY6" fmla="*/ 957863 h 1543299"/>
+              <a:gd name="connsiteX7" fmla="*/ 996696 w 1152144"/>
+              <a:gd name="connsiteY7" fmla="*/ 482375 h 1543299"/>
+              <a:gd name="connsiteX8" fmla="*/ 1124712 w 1152144"/>
+              <a:gd name="connsiteY8" fmla="*/ 665255 h 1543299"/>
+              <a:gd name="connsiteX9" fmla="*/ 1152144 w 1152144"/>
+              <a:gd name="connsiteY9" fmla="*/ 692687 h 1543299"/>
+            </a:gdLst>
+            <a:ahLst/>
+            <a:cxnLst>
+              <a:cxn ang="0">
+                <a:pos x="connsiteX0" y="connsiteY0"/>
+              </a:cxn>
+              <a:cxn ang="0">
+                <a:pos x="connsiteX1" y="connsiteY1"/>
+              </a:cxn>
+              <a:cxn ang="0">
+                <a:pos x="connsiteX2" y="connsiteY2"/>
+              </a:cxn>
+              <a:cxn ang="0">
+                <a:pos x="connsiteX3" y="connsiteY3"/>
+              </a:cxn>
+              <a:cxn ang="0">
+                <a:pos x="connsiteX4" y="connsiteY4"/>
+              </a:cxn>
+              <a:cxn ang="0">
+                <a:pos x="connsiteX5" y="connsiteY5"/>
+              </a:cxn>
+              <a:cxn ang="0">
+                <a:pos x="connsiteX6" y="connsiteY6"/>
+              </a:cxn>
+              <a:cxn ang="0">
+                <a:pos x="connsiteX7" y="connsiteY7"/>
+              </a:cxn>
+              <a:cxn ang="0">
+                <a:pos x="connsiteX8" y="connsiteY8"/>
+              </a:cxn>
+              <a:cxn ang="0">
+                <a:pos x="connsiteX9" y="connsiteY9"/>
+              </a:cxn>
+            </a:cxnLst>
+            <a:rect l="l" t="t" r="r" b="b"/>
+            <a:pathLst>
+              <a:path w="1152144" h="1543299">
+                <a:moveTo>
+                  <a:pt x="0" y="738407"/>
+                </a:moveTo>
+                <a:cubicBezTo>
+                  <a:pt x="34290" y="682019"/>
+                  <a:pt x="68580" y="625631"/>
+                  <a:pt x="100584" y="646967"/>
+                </a:cubicBezTo>
+                <a:cubicBezTo>
+                  <a:pt x="132588" y="668303"/>
+                  <a:pt x="153924" y="953291"/>
+                  <a:pt x="192024" y="866423"/>
+                </a:cubicBezTo>
+                <a:cubicBezTo>
+                  <a:pt x="230124" y="779555"/>
+                  <a:pt x="278892" y="12983"/>
+                  <a:pt x="329184" y="125759"/>
+                </a:cubicBezTo>
+                <a:cubicBezTo>
+                  <a:pt x="379476" y="238535"/>
+                  <a:pt x="441960" y="1562891"/>
+                  <a:pt x="493776" y="1543079"/>
+                </a:cubicBezTo>
+                <a:cubicBezTo>
+                  <a:pt x="545592" y="1523267"/>
+                  <a:pt x="583692" y="104423"/>
+                  <a:pt x="640080" y="6887"/>
+                </a:cubicBezTo>
+                <a:cubicBezTo>
+                  <a:pt x="696468" y="-90649"/>
+                  <a:pt x="772668" y="878615"/>
+                  <a:pt x="832104" y="957863"/>
+                </a:cubicBezTo>
+                <a:cubicBezTo>
+                  <a:pt x="891540" y="1037111"/>
+                  <a:pt x="947928" y="531143"/>
+                  <a:pt x="996696" y="482375"/>
+                </a:cubicBezTo>
+                <a:cubicBezTo>
+                  <a:pt x="1045464" y="433607"/>
+                  <a:pt x="1098804" y="630203"/>
+                  <a:pt x="1124712" y="665255"/>
+                </a:cubicBezTo>
+                <a:cubicBezTo>
+                  <a:pt x="1150620" y="700307"/>
+                  <a:pt x="1151382" y="696497"/>
+                  <a:pt x="1152144" y="692687"/>
+                </a:cubicBezTo>
+              </a:path>
+            </a:pathLst>
+          </a:custGeom>
+          <a:noFill/>
+        </p:spPr>
+        <p:style>
+          <a:lnRef idx="2">
+            <a:schemeClr val="accent1">
+              <a:shade val="15000"/>
+            </a:schemeClr>
+          </a:lnRef>
+          <a:fillRef idx="1">
+            <a:schemeClr val="accent1"/>
+          </a:fillRef>
+          <a:effectRef idx="0">
+            <a:schemeClr val="accent1"/>
+          </a:effectRef>
+          <a:fontRef idx="minor">
+            <a:schemeClr val="lt1"/>
+          </a:fontRef>
+        </p:style>
+        <p:txBody>
+          <a:bodyPr rtlCol="0" anchor="ctr"/>
+          <a:lstStyle/>
+          <a:p>
+            <a:pPr algn="ctr"/>
+            <a:endParaRPr lang="zh-CN" altLang="en-US"/>
+          </a:p>
+        </p:txBody>
+      </p:sp>
+      <p:sp>
+        <p:nvSpPr>
+          <p:cNvPr id="50" name="任意多边形: 形状 49">
+            <a:extLst>
+              <a:ext uri="{FF2B5EF4-FFF2-40B4-BE49-F238E27FC236}">
+                <a16:creationId xmlns:a16="http://schemas.microsoft.com/office/drawing/2014/main" id="{42248E00-6348-0A19-C9EE-404876CC0CA1}"/>
+              </a:ext>
+            </a:extLst>
+          </p:cNvPr>
+          <p:cNvSpPr/>
+          <p:nvPr/>
+        </p:nvSpPr>
+        <p:spPr>
+          <a:xfrm>
+            <a:off x="8457572" y="4284726"/>
+            <a:ext cx="732148" cy="1543299"/>
+          </a:xfrm>
+          <a:custGeom>
+            <a:avLst/>
+            <a:gdLst>
+              <a:gd name="connsiteX0" fmla="*/ 0 w 1152144"/>
+              <a:gd name="connsiteY0" fmla="*/ 738407 h 1543299"/>
+              <a:gd name="connsiteX1" fmla="*/ 100584 w 1152144"/>
+              <a:gd name="connsiteY1" fmla="*/ 646967 h 1543299"/>
+              <a:gd name="connsiteX2" fmla="*/ 192024 w 1152144"/>
+              <a:gd name="connsiteY2" fmla="*/ 866423 h 1543299"/>
+              <a:gd name="connsiteX3" fmla="*/ 329184 w 1152144"/>
+              <a:gd name="connsiteY3" fmla="*/ 125759 h 1543299"/>
+              <a:gd name="connsiteX4" fmla="*/ 493776 w 1152144"/>
+              <a:gd name="connsiteY4" fmla="*/ 1543079 h 1543299"/>
+              <a:gd name="connsiteX5" fmla="*/ 640080 w 1152144"/>
+              <a:gd name="connsiteY5" fmla="*/ 6887 h 1543299"/>
+              <a:gd name="connsiteX6" fmla="*/ 832104 w 1152144"/>
+              <a:gd name="connsiteY6" fmla="*/ 957863 h 1543299"/>
+              <a:gd name="connsiteX7" fmla="*/ 996696 w 1152144"/>
+              <a:gd name="connsiteY7" fmla="*/ 482375 h 1543299"/>
+              <a:gd name="connsiteX8" fmla="*/ 1124712 w 1152144"/>
+              <a:gd name="connsiteY8" fmla="*/ 665255 h 1543299"/>
+              <a:gd name="connsiteX9" fmla="*/ 1152144 w 1152144"/>
+              <a:gd name="connsiteY9" fmla="*/ 692687 h 1543299"/>
+            </a:gdLst>
+            <a:ahLst/>
+            <a:cxnLst>
+              <a:cxn ang="0">
+                <a:pos x="connsiteX0" y="connsiteY0"/>
+              </a:cxn>
+              <a:cxn ang="0">
+                <a:pos x="connsiteX1" y="connsiteY1"/>
+              </a:cxn>
+              <a:cxn ang="0">
+                <a:pos x="connsiteX2" y="connsiteY2"/>
+              </a:cxn>
+              <a:cxn ang="0">
+                <a:pos x="connsiteX3" y="connsiteY3"/>
+              </a:cxn>
+              <a:cxn ang="0">
+                <a:pos x="connsiteX4" y="connsiteY4"/>
+              </a:cxn>
+              <a:cxn ang="0">
+                <a:pos x="connsiteX5" y="connsiteY5"/>
+              </a:cxn>
+              <a:cxn ang="0">
+                <a:pos x="connsiteX6" y="connsiteY6"/>
+              </a:cxn>
+              <a:cxn ang="0">
+                <a:pos x="connsiteX7" y="connsiteY7"/>
+              </a:cxn>
+              <a:cxn ang="0">
+                <a:pos x="connsiteX8" y="connsiteY8"/>
+              </a:cxn>
+              <a:cxn ang="0">
+                <a:pos x="connsiteX9" y="connsiteY9"/>
+              </a:cxn>
+            </a:cxnLst>
+            <a:rect l="l" t="t" r="r" b="b"/>
+            <a:pathLst>
+              <a:path w="1152144" h="1543299">
+                <a:moveTo>
+                  <a:pt x="0" y="738407"/>
+                </a:moveTo>
+                <a:cubicBezTo>
+                  <a:pt x="34290" y="682019"/>
+                  <a:pt x="68580" y="625631"/>
+                  <a:pt x="100584" y="646967"/>
+                </a:cubicBezTo>
+                <a:cubicBezTo>
+                  <a:pt x="132588" y="668303"/>
+                  <a:pt x="153924" y="953291"/>
+                  <a:pt x="192024" y="866423"/>
+                </a:cubicBezTo>
+                <a:cubicBezTo>
+                  <a:pt x="230124" y="779555"/>
+                  <a:pt x="278892" y="12983"/>
+                  <a:pt x="329184" y="125759"/>
+                </a:cubicBezTo>
+                <a:cubicBezTo>
+                  <a:pt x="379476" y="238535"/>
+                  <a:pt x="441960" y="1562891"/>
+                  <a:pt x="493776" y="1543079"/>
+                </a:cubicBezTo>
+                <a:cubicBezTo>
+                  <a:pt x="545592" y="1523267"/>
+                  <a:pt x="583692" y="104423"/>
+                  <a:pt x="640080" y="6887"/>
+                </a:cubicBezTo>
+                <a:cubicBezTo>
+                  <a:pt x="696468" y="-90649"/>
+                  <a:pt x="772668" y="878615"/>
+                  <a:pt x="832104" y="957863"/>
+                </a:cubicBezTo>
+                <a:cubicBezTo>
+                  <a:pt x="891540" y="1037111"/>
+                  <a:pt x="947928" y="531143"/>
+                  <a:pt x="996696" y="482375"/>
+                </a:cubicBezTo>
+                <a:cubicBezTo>
+                  <a:pt x="1045464" y="433607"/>
+                  <a:pt x="1098804" y="630203"/>
+                  <a:pt x="1124712" y="665255"/>
+                </a:cubicBezTo>
+                <a:cubicBezTo>
+                  <a:pt x="1150620" y="700307"/>
+                  <a:pt x="1151382" y="696497"/>
+                  <a:pt x="1152144" y="692687"/>
+                </a:cubicBezTo>
+              </a:path>
+            </a:pathLst>
+          </a:custGeom>
+          <a:noFill/>
+        </p:spPr>
+        <p:style>
+          <a:lnRef idx="2">
+            <a:schemeClr val="accent1">
+              <a:shade val="15000"/>
+            </a:schemeClr>
+          </a:lnRef>
+          <a:fillRef idx="1">
+            <a:schemeClr val="accent1"/>
+          </a:fillRef>
+          <a:effectRef idx="0">
+            <a:schemeClr val="accent1"/>
+          </a:effectRef>
+          <a:fontRef idx="minor">
+            <a:schemeClr val="lt1"/>
+          </a:fontRef>
+        </p:style>
+        <p:txBody>
+          <a:bodyPr rtlCol="0" anchor="ctr"/>
+          <a:lstStyle/>
+          <a:p>
+            <a:pPr algn="ctr"/>
+            <a:endParaRPr lang="zh-CN" altLang="en-US"/>
+          </a:p>
+        </p:txBody>
+      </p:sp>
+      <p:cxnSp>
+        <p:nvCxnSpPr>
+          <p:cNvPr id="52" name="直接连接符 51">
+            <a:extLst>
+              <a:ext uri="{FF2B5EF4-FFF2-40B4-BE49-F238E27FC236}">
+                <a16:creationId xmlns:a16="http://schemas.microsoft.com/office/drawing/2014/main" id="{2F4CC542-F861-F211-F23C-8AB140DA9F2F}"/>
+              </a:ext>
+            </a:extLst>
+          </p:cNvPr>
+          <p:cNvCxnSpPr>
+            <a:cxnSpLocks/>
+          </p:cNvCxnSpPr>
+          <p:nvPr/>
+        </p:nvCxnSpPr>
+        <p:spPr>
+          <a:xfrm>
+            <a:off x="2714321" y="6060534"/>
+            <a:ext cx="3493827" cy="0"/>
+          </a:xfrm>
+          <a:prstGeom prst="line">
+            <a:avLst/>
+          </a:prstGeom>
+          <a:ln w="19050"/>
+        </p:spPr>
+        <p:style>
+          <a:lnRef idx="1">
+            <a:schemeClr val="accent1"/>
+          </a:lnRef>
+          <a:fillRef idx="0">
+            <a:schemeClr val="accent1"/>
+          </a:fillRef>
+          <a:effectRef idx="0">
+            <a:schemeClr val="accent1"/>
+          </a:effectRef>
+          <a:fontRef idx="minor">
+            <a:schemeClr val="tx1"/>
+          </a:fontRef>
+        </p:style>
+      </p:cxnSp>
+      <p:cxnSp>
+        <p:nvCxnSpPr>
+          <p:cNvPr id="56" name="直接连接符 55">
+            <a:extLst>
+              <a:ext uri="{FF2B5EF4-FFF2-40B4-BE49-F238E27FC236}">
+                <a16:creationId xmlns:a16="http://schemas.microsoft.com/office/drawing/2014/main" id="{636ECAF2-497D-95C0-5378-66E148D0446D}"/>
+              </a:ext>
+            </a:extLst>
+          </p:cNvPr>
+          <p:cNvCxnSpPr>
+            <a:cxnSpLocks/>
+          </p:cNvCxnSpPr>
+          <p:nvPr/>
+        </p:nvCxnSpPr>
+        <p:spPr>
+          <a:xfrm>
+            <a:off x="6372386" y="6060534"/>
+            <a:ext cx="2817334" cy="0"/>
+          </a:xfrm>
+          <a:prstGeom prst="line">
+            <a:avLst/>
+          </a:prstGeom>
+          <a:ln w="19050"/>
+        </p:spPr>
+        <p:style>
+          <a:lnRef idx="1">
+            <a:schemeClr val="accent1"/>
+          </a:lnRef>
+          <a:fillRef idx="0">
+            <a:schemeClr val="accent1"/>
+          </a:fillRef>
+          <a:effectRef idx="0">
+            <a:schemeClr val="accent1"/>
+          </a:effectRef>
+          <a:fontRef idx="minor">
+            <a:schemeClr val="tx1"/>
+          </a:fontRef>
+        </p:style>
+      </p:cxnSp>
+      <p:sp>
+        <p:nvSpPr>
+          <p:cNvPr id="58" name="文本框 57">
+            <a:extLst>
+              <a:ext uri="{FF2B5EF4-FFF2-40B4-BE49-F238E27FC236}">
+                <a16:creationId xmlns:a16="http://schemas.microsoft.com/office/drawing/2014/main" id="{87612498-D523-9892-2BE0-ED5D9EA0FBFC}"/>
               </a:ext>
             </a:extLst>
           </p:cNvPr>
@@ -13456,8 +13539,8 @@
         </p:nvSpPr>
         <p:spPr>
           <a:xfrm>
-            <a:off x="7645146" y="5926164"/>
-            <a:ext cx="3557016" cy="738664"/>
+            <a:off x="3913632" y="6153181"/>
+            <a:ext cx="1375220" cy="307777"/>
           </a:xfrm>
           <a:prstGeom prst="rect">
             <a:avLst/>
@@ -13470,6 +13553,7 @@
           </a:bodyPr>
           <a:lstStyle/>
           <a:p>
+            <a:pPr algn="ctr"/>
             <a:r>
               <a:rPr lang="en-US" altLang="zh-CN" dirty="0">
                 <a:solidFill>
@@ -13477,17 +13561,46 @@
                 </a:solidFill>
                 <a:latin typeface="Consolas"/>
               </a:rPr>
-              <a:t>When one QC method could almost overlap another. The </a:t>
+              <a:t>Low HR</a:t>
             </a:r>
-            <a:r>
-              <a:rPr lang="en-US" altLang="zh-CN" dirty="0" err="1">
-                <a:solidFill>
-                  <a:schemeClr val="dk1"/>
-                </a:solidFill>
-                <a:latin typeface="Consolas"/>
-              </a:rPr>
-              <a:t>Afib</a:t>
-            </a:r>
+            <a:endParaRPr lang="zh-CN" altLang="en-US" dirty="0">
+              <a:solidFill>
+                <a:schemeClr val="dk1"/>
+              </a:solidFill>
+              <a:latin typeface="Consolas"/>
+            </a:endParaRPr>
+          </a:p>
+        </p:txBody>
+      </p:sp>
+      <p:sp>
+        <p:nvSpPr>
+          <p:cNvPr id="59" name="文本框 58">
+            <a:extLst>
+              <a:ext uri="{FF2B5EF4-FFF2-40B4-BE49-F238E27FC236}">
+                <a16:creationId xmlns:a16="http://schemas.microsoft.com/office/drawing/2014/main" id="{E062F20A-58FC-3037-FCB9-2737ADB7E34D}"/>
+              </a:ext>
+            </a:extLst>
+          </p:cNvPr>
+          <p:cNvSpPr txBox="1"/>
+          <p:nvPr/>
+        </p:nvSpPr>
+        <p:spPr>
+          <a:xfrm>
+            <a:off x="7020468" y="6139155"/>
+            <a:ext cx="1375220" cy="307777"/>
+          </a:xfrm>
+          <a:prstGeom prst="rect">
+            <a:avLst/>
+          </a:prstGeom>
+          <a:noFill/>
+        </p:spPr>
+        <p:txBody>
+          <a:bodyPr wrap="square" rtlCol="0">
+            <a:spAutoFit/>
+          </a:bodyPr>
+          <a:lstStyle/>
+          <a:p>
+            <a:pPr algn="ctr"/>
             <a:r>
               <a:rPr lang="en-US" altLang="zh-CN" dirty="0">
                 <a:solidFill>
@@ -13495,7 +13608,7 @@
                 </a:solidFill>
                 <a:latin typeface="Consolas"/>
               </a:rPr>
-              <a:t> pieces could be included undoubtedly. </a:t>
+              <a:t>High HR</a:t>
             </a:r>
             <a:endParaRPr lang="zh-CN" altLang="en-US" dirty="0">
               <a:solidFill>
@@ -13558,7 +13671,7 @@
         </p:blipFill>
         <p:spPr>
           <a:xfrm>
-            <a:off x="9040368" y="228600"/>
+            <a:off x="9550012" y="303324"/>
             <a:ext cx="2453640" cy="1635760"/>
           </a:xfrm>
           <a:prstGeom prst="rect">
@@ -13588,7 +13701,7 @@
         </p:blipFill>
         <p:spPr>
           <a:xfrm>
-            <a:off x="6252972" y="228600"/>
+            <a:off x="6762616" y="303324"/>
             <a:ext cx="2453640" cy="1635760"/>
           </a:xfrm>
           <a:prstGeom prst="rect">
@@ -13618,7 +13731,7 @@
         </p:blipFill>
         <p:spPr>
           <a:xfrm>
-            <a:off x="9040368" y="1721104"/>
+            <a:off x="9550012" y="1795828"/>
             <a:ext cx="2453640" cy="1635760"/>
           </a:xfrm>
           <a:prstGeom prst="rect">
@@ -13648,7 +13761,7 @@
         </p:blipFill>
         <p:spPr>
           <a:xfrm>
-            <a:off x="6252972" y="1721104"/>
+            <a:off x="6762616" y="1795828"/>
             <a:ext cx="2453640" cy="1635760"/>
           </a:xfrm>
           <a:prstGeom prst="rect">
@@ -13678,7 +13791,7 @@
         </p:blipFill>
         <p:spPr>
           <a:xfrm>
-            <a:off x="9040368" y="3213608"/>
+            <a:off x="9550012" y="3288332"/>
             <a:ext cx="2453640" cy="1635760"/>
           </a:xfrm>
           <a:prstGeom prst="rect">
@@ -13708,7 +13821,7 @@
         </p:blipFill>
         <p:spPr>
           <a:xfrm>
-            <a:off x="6252972" y="3213608"/>
+            <a:off x="6762616" y="3288332"/>
             <a:ext cx="2453640" cy="1635760"/>
           </a:xfrm>
           <a:prstGeom prst="rect">
@@ -13738,7 +13851,7 @@
         </p:blipFill>
         <p:spPr>
           <a:xfrm>
-            <a:off x="9040368" y="4706112"/>
+            <a:off x="9550012" y="4780836"/>
             <a:ext cx="2453640" cy="1635760"/>
           </a:xfrm>
           <a:prstGeom prst="rect">
@@ -13768,7 +13881,7 @@
         </p:blipFill>
         <p:spPr>
           <a:xfrm>
-            <a:off x="6252972" y="4706112"/>
+            <a:off x="6762616" y="4780836"/>
             <a:ext cx="2453640" cy="1635760"/>
           </a:xfrm>
           <a:prstGeom prst="rect">
@@ -13790,8 +13903,8 @@
         </p:nvSpPr>
         <p:spPr>
           <a:xfrm>
-            <a:off x="438912" y="1087531"/>
-            <a:ext cx="5248656" cy="523220"/>
+            <a:off x="506864" y="1069009"/>
+            <a:ext cx="5221224" cy="738664"/>
           </a:xfrm>
           <a:prstGeom prst="rect">
             <a:avLst/>
@@ -13826,7 +13939,7 @@
           <a:p>
             <a:r>
               <a:rPr lang="en-US" altLang="zh-CN" dirty="0"/>
-              <a:t>Only 4 peaks are stable and could be extracted precisely. Here are three typical waveforms.</a:t>
+              <a:t>Only 4 peaks/valleys are stable and could be extracted precisely. Here are three typical waveforms.</a:t>
             </a:r>
           </a:p>
         </p:txBody>
@@ -13845,7 +13958,7 @@
         </p:nvSpPr>
         <p:spPr>
           <a:xfrm>
-            <a:off x="881500" y="2413187"/>
+            <a:off x="697992" y="2431475"/>
             <a:ext cx="1093604" cy="2043115"/>
           </a:xfrm>
           <a:custGeom>
@@ -13980,7 +14093,7 @@
         </p:nvSpPr>
         <p:spPr>
           <a:xfrm>
-            <a:off x="2871216" y="2303149"/>
+            <a:off x="2687708" y="2321437"/>
             <a:ext cx="1115568" cy="1980988"/>
           </a:xfrm>
           <a:custGeom>
@@ -14125,7 +14238,7 @@
         </p:nvSpPr>
         <p:spPr>
           <a:xfrm>
-            <a:off x="4535424" y="2708881"/>
+            <a:off x="4351916" y="2727169"/>
             <a:ext cx="1152144" cy="1543299"/>
           </a:xfrm>
           <a:custGeom>
@@ -14280,13 +14393,18 @@
         </p:nvSpPr>
         <p:spPr>
           <a:xfrm>
-            <a:off x="1162050" y="4252180"/>
+            <a:off x="960388" y="4297807"/>
             <a:ext cx="237744" cy="251287"/>
           </a:xfrm>
           <a:prstGeom prst="ellipse">
             <a:avLst/>
           </a:prstGeom>
           <a:noFill/>
+          <a:ln>
+            <a:solidFill>
+              <a:schemeClr val="tx1"/>
+            </a:solidFill>
+          </a:ln>
         </p:spPr>
         <p:style>
           <a:lnRef idx="2">
@@ -14327,7 +14445,7 @@
         </p:nvSpPr>
         <p:spPr>
           <a:xfrm>
-            <a:off x="1363218" y="2290619"/>
+            <a:off x="1179710" y="2308907"/>
             <a:ext cx="237744" cy="251287"/>
           </a:xfrm>
           <a:prstGeom prst="ellipse">
@@ -14374,7 +14492,7 @@
         </p:nvSpPr>
         <p:spPr>
           <a:xfrm>
-            <a:off x="1482090" y="4000893"/>
+            <a:off x="1298582" y="4019181"/>
             <a:ext cx="237744" cy="251287"/>
           </a:xfrm>
           <a:prstGeom prst="ellipse">
@@ -14421,7 +14539,7 @@
         </p:nvSpPr>
         <p:spPr>
           <a:xfrm>
-            <a:off x="1043178" y="2763405"/>
+            <a:off x="859670" y="2781693"/>
             <a:ext cx="237744" cy="251287"/>
           </a:xfrm>
           <a:prstGeom prst="ellipse">
@@ -14468,13 +14586,18 @@
         </p:nvSpPr>
         <p:spPr>
           <a:xfrm>
-            <a:off x="2980944" y="4107628"/>
+            <a:off x="2797436" y="4125916"/>
             <a:ext cx="237744" cy="251287"/>
           </a:xfrm>
           <a:prstGeom prst="ellipse">
             <a:avLst/>
           </a:prstGeom>
           <a:noFill/>
+          <a:ln>
+            <a:solidFill>
+              <a:schemeClr val="tx1"/>
+            </a:solidFill>
+          </a:ln>
         </p:spPr>
         <p:style>
           <a:lnRef idx="2">
@@ -14515,7 +14638,7 @@
         </p:nvSpPr>
         <p:spPr>
           <a:xfrm>
-            <a:off x="3182112" y="2247799"/>
+            <a:off x="2998604" y="2266087"/>
             <a:ext cx="237744" cy="251287"/>
           </a:xfrm>
           <a:prstGeom prst="ellipse">
@@ -14562,7 +14685,7 @@
         </p:nvSpPr>
         <p:spPr>
           <a:xfrm>
-            <a:off x="3300984" y="3856341"/>
+            <a:off x="3117476" y="3874629"/>
             <a:ext cx="237744" cy="251287"/>
           </a:xfrm>
           <a:prstGeom prst="ellipse">
@@ -14609,7 +14732,7 @@
         </p:nvSpPr>
         <p:spPr>
           <a:xfrm>
-            <a:off x="2862072" y="2720585"/>
+            <a:off x="2678564" y="2738873"/>
             <a:ext cx="237744" cy="251287"/>
           </a:xfrm>
           <a:prstGeom prst="ellipse">
@@ -14656,13 +14779,18 @@
         </p:nvSpPr>
         <p:spPr>
           <a:xfrm>
-            <a:off x="4927092" y="4107628"/>
+            <a:off x="4743584" y="4125916"/>
             <a:ext cx="237744" cy="251287"/>
           </a:xfrm>
           <a:prstGeom prst="ellipse">
             <a:avLst/>
           </a:prstGeom>
           <a:noFill/>
+          <a:ln>
+            <a:solidFill>
+              <a:schemeClr val="tx1"/>
+            </a:solidFill>
+          </a:ln>
         </p:spPr>
         <p:style>
           <a:lnRef idx="2">
@@ -14703,7 +14831,7 @@
         </p:nvSpPr>
         <p:spPr>
           <a:xfrm>
-            <a:off x="5257038" y="3503437"/>
+            <a:off x="5073530" y="3521725"/>
             <a:ext cx="237744" cy="251287"/>
           </a:xfrm>
           <a:prstGeom prst="ellipse">
@@ -14750,7 +14878,7 @@
         </p:nvSpPr>
         <p:spPr>
           <a:xfrm>
-            <a:off x="5073396" y="2594941"/>
+            <a:off x="4889888" y="2613229"/>
             <a:ext cx="237744" cy="251287"/>
           </a:xfrm>
           <a:prstGeom prst="ellipse">
@@ -14797,7 +14925,7 @@
         </p:nvSpPr>
         <p:spPr>
           <a:xfrm>
-            <a:off x="4735830" y="2720585"/>
+            <a:off x="4552322" y="2738873"/>
             <a:ext cx="237744" cy="251287"/>
           </a:xfrm>
           <a:prstGeom prst="ellipse">
@@ -14830,10 +14958,2225 @@
           </a:p>
         </p:txBody>
       </p:sp>
+      <p:sp>
+        <p:nvSpPr>
+          <p:cNvPr id="2" name="文本框 1">
+            <a:extLst>
+              <a:ext uri="{FF2B5EF4-FFF2-40B4-BE49-F238E27FC236}">
+                <a16:creationId xmlns:a16="http://schemas.microsoft.com/office/drawing/2014/main" id="{CBE21C03-26EC-86EE-B8EB-375152B6F2BA}"/>
+              </a:ext>
+            </a:extLst>
+          </p:cNvPr>
+          <p:cNvSpPr txBox="1"/>
+          <p:nvPr/>
+        </p:nvSpPr>
+        <p:spPr>
+          <a:xfrm>
+            <a:off x="4972946" y="2215270"/>
+            <a:ext cx="411480" cy="307777"/>
+          </a:xfrm>
+          <a:prstGeom prst="rect">
+            <a:avLst/>
+          </a:prstGeom>
+          <a:noFill/>
+        </p:spPr>
+        <p:txBody>
+          <a:bodyPr wrap="square" rtlCol="0">
+            <a:spAutoFit/>
+          </a:bodyPr>
+          <a:lstStyle>
+            <a:defPPr marR="0" lvl="0" algn="l" rtl="0">
+              <a:lnSpc>
+                <a:spcPct val="100000"/>
+              </a:lnSpc>
+              <a:spcBef>
+                <a:spcPts val="0"/>
+              </a:spcBef>
+              <a:spcAft>
+                <a:spcPts val="0"/>
+              </a:spcAft>
+              <a:defRPr/>
+            </a:defPPr>
+            <a:lvl1pPr>
+              <a:defRPr>
+                <a:solidFill>
+                  <a:schemeClr val="dk1"/>
+                </a:solidFill>
+                <a:latin typeface="Consolas"/>
+              </a:defRPr>
+            </a:lvl1pPr>
+          </a:lstStyle>
+          <a:p>
+            <a:r>
+              <a:rPr lang="en-US" altLang="zh-CN" b="1" dirty="0"/>
+              <a:t>J</a:t>
+            </a:r>
+            <a:endParaRPr lang="zh-CN" altLang="en-US" b="1" dirty="0"/>
+          </a:p>
+        </p:txBody>
+      </p:sp>
+      <p:sp>
+        <p:nvSpPr>
+          <p:cNvPr id="4" name="文本框 3">
+            <a:extLst>
+              <a:ext uri="{FF2B5EF4-FFF2-40B4-BE49-F238E27FC236}">
+                <a16:creationId xmlns:a16="http://schemas.microsoft.com/office/drawing/2014/main" id="{850F0315-A056-BF93-4856-94D9D615C442}"/>
+              </a:ext>
+            </a:extLst>
+          </p:cNvPr>
+          <p:cNvSpPr txBox="1"/>
+          <p:nvPr/>
+        </p:nvSpPr>
+        <p:spPr>
+          <a:xfrm>
+            <a:off x="4671194" y="4474590"/>
+            <a:ext cx="411480" cy="307777"/>
+          </a:xfrm>
+          <a:prstGeom prst="rect">
+            <a:avLst/>
+          </a:prstGeom>
+          <a:noFill/>
+        </p:spPr>
+        <p:txBody>
+          <a:bodyPr wrap="square" rtlCol="0">
+            <a:spAutoFit/>
+          </a:bodyPr>
+          <a:lstStyle>
+            <a:defPPr marR="0" lvl="0" algn="l" rtl="0">
+              <a:lnSpc>
+                <a:spcPct val="100000"/>
+              </a:lnSpc>
+              <a:spcBef>
+                <a:spcPts val="0"/>
+              </a:spcBef>
+              <a:spcAft>
+                <a:spcPts val="0"/>
+              </a:spcAft>
+              <a:defRPr/>
+            </a:defPPr>
+            <a:lvl1pPr>
+              <a:defRPr b="1">
+                <a:solidFill>
+                  <a:schemeClr val="dk1"/>
+                </a:solidFill>
+                <a:latin typeface="Consolas"/>
+              </a:defRPr>
+            </a:lvl1pPr>
+          </a:lstStyle>
+          <a:p>
+            <a:r>
+              <a:rPr lang="en-US" altLang="zh-CN" dirty="0"/>
+              <a:t>I</a:t>
+            </a:r>
+          </a:p>
+        </p:txBody>
+      </p:sp>
+      <p:sp>
+        <p:nvSpPr>
+          <p:cNvPr id="6" name="文本框 5">
+            <a:extLst>
+              <a:ext uri="{FF2B5EF4-FFF2-40B4-BE49-F238E27FC236}">
+                <a16:creationId xmlns:a16="http://schemas.microsoft.com/office/drawing/2014/main" id="{F73CD5DC-C009-4B33-6A29-DEF0504F7728}"/>
+              </a:ext>
+            </a:extLst>
+          </p:cNvPr>
+          <p:cNvSpPr txBox="1"/>
+          <p:nvPr/>
+        </p:nvSpPr>
+        <p:spPr>
+          <a:xfrm>
+            <a:off x="5259458" y="3877959"/>
+            <a:ext cx="411480" cy="307777"/>
+          </a:xfrm>
+          <a:prstGeom prst="rect">
+            <a:avLst/>
+          </a:prstGeom>
+          <a:noFill/>
+        </p:spPr>
+        <p:txBody>
+          <a:bodyPr wrap="square" rtlCol="0">
+            <a:spAutoFit/>
+          </a:bodyPr>
+          <a:lstStyle>
+            <a:defPPr marR="0" lvl="0" algn="l" rtl="0">
+              <a:lnSpc>
+                <a:spcPct val="100000"/>
+              </a:lnSpc>
+              <a:spcBef>
+                <a:spcPts val="0"/>
+              </a:spcBef>
+              <a:spcAft>
+                <a:spcPts val="0"/>
+              </a:spcAft>
+              <a:defRPr/>
+            </a:defPPr>
+            <a:lvl1pPr>
+              <a:defRPr b="1">
+                <a:solidFill>
+                  <a:schemeClr val="dk1"/>
+                </a:solidFill>
+                <a:latin typeface="Consolas"/>
+              </a:defRPr>
+            </a:lvl1pPr>
+          </a:lstStyle>
+          <a:p>
+            <a:r>
+              <a:rPr lang="en-US" altLang="zh-CN" dirty="0"/>
+              <a:t>K</a:t>
+            </a:r>
+          </a:p>
+        </p:txBody>
+      </p:sp>
+      <p:sp>
+        <p:nvSpPr>
+          <p:cNvPr id="8" name="文本框 7">
+            <a:extLst>
+              <a:ext uri="{FF2B5EF4-FFF2-40B4-BE49-F238E27FC236}">
+                <a16:creationId xmlns:a16="http://schemas.microsoft.com/office/drawing/2014/main" id="{70464661-7DA0-545F-D439-03590D21F0FC}"/>
+              </a:ext>
+            </a:extLst>
+          </p:cNvPr>
+          <p:cNvSpPr txBox="1"/>
+          <p:nvPr/>
+        </p:nvSpPr>
+        <p:spPr>
+          <a:xfrm>
+            <a:off x="3295022" y="2083953"/>
+            <a:ext cx="411480" cy="307777"/>
+          </a:xfrm>
+          <a:prstGeom prst="rect">
+            <a:avLst/>
+          </a:prstGeom>
+          <a:noFill/>
+        </p:spPr>
+        <p:txBody>
+          <a:bodyPr wrap="square" rtlCol="0">
+            <a:spAutoFit/>
+          </a:bodyPr>
+          <a:lstStyle>
+            <a:defPPr marR="0" lvl="0" algn="l" rtl="0">
+              <a:lnSpc>
+                <a:spcPct val="100000"/>
+              </a:lnSpc>
+              <a:spcBef>
+                <a:spcPts val="0"/>
+              </a:spcBef>
+              <a:spcAft>
+                <a:spcPts val="0"/>
+              </a:spcAft>
+              <a:defRPr/>
+            </a:defPPr>
+            <a:lvl1pPr>
+              <a:defRPr>
+                <a:solidFill>
+                  <a:schemeClr val="dk1"/>
+                </a:solidFill>
+                <a:latin typeface="Consolas"/>
+              </a:defRPr>
+            </a:lvl1pPr>
+          </a:lstStyle>
+          <a:p>
+            <a:r>
+              <a:rPr lang="en-US" altLang="zh-CN" b="1" dirty="0"/>
+              <a:t>J</a:t>
+            </a:r>
+            <a:endParaRPr lang="zh-CN" altLang="en-US" b="1" dirty="0"/>
+          </a:p>
+        </p:txBody>
+      </p:sp>
+      <p:sp>
+        <p:nvSpPr>
+          <p:cNvPr id="10" name="文本框 9">
+            <a:extLst>
+              <a:ext uri="{FF2B5EF4-FFF2-40B4-BE49-F238E27FC236}">
+                <a16:creationId xmlns:a16="http://schemas.microsoft.com/office/drawing/2014/main" id="{79B099C8-97C4-889C-9AD8-095327173D8B}"/>
+              </a:ext>
+            </a:extLst>
+          </p:cNvPr>
+          <p:cNvSpPr txBox="1"/>
+          <p:nvPr/>
+        </p:nvSpPr>
+        <p:spPr>
+          <a:xfrm>
+            <a:off x="1486034" y="2112198"/>
+            <a:ext cx="411480" cy="307777"/>
+          </a:xfrm>
+          <a:prstGeom prst="rect">
+            <a:avLst/>
+          </a:prstGeom>
+          <a:noFill/>
+        </p:spPr>
+        <p:txBody>
+          <a:bodyPr wrap="square" rtlCol="0">
+            <a:spAutoFit/>
+          </a:bodyPr>
+          <a:lstStyle>
+            <a:defPPr marR="0" lvl="0" algn="l" rtl="0">
+              <a:lnSpc>
+                <a:spcPct val="100000"/>
+              </a:lnSpc>
+              <a:spcBef>
+                <a:spcPts val="0"/>
+              </a:spcBef>
+              <a:spcAft>
+                <a:spcPts val="0"/>
+              </a:spcAft>
+              <a:defRPr/>
+            </a:defPPr>
+            <a:lvl1pPr>
+              <a:defRPr>
+                <a:solidFill>
+                  <a:schemeClr val="dk1"/>
+                </a:solidFill>
+                <a:latin typeface="Consolas"/>
+              </a:defRPr>
+            </a:lvl1pPr>
+          </a:lstStyle>
+          <a:p>
+            <a:r>
+              <a:rPr lang="en-US" altLang="zh-CN" b="1" dirty="0"/>
+              <a:t>J</a:t>
+            </a:r>
+            <a:endParaRPr lang="zh-CN" altLang="en-US" b="1" dirty="0"/>
+          </a:p>
+        </p:txBody>
+      </p:sp>
+      <p:sp>
+        <p:nvSpPr>
+          <p:cNvPr id="12" name="文本框 11">
+            <a:extLst>
+              <a:ext uri="{FF2B5EF4-FFF2-40B4-BE49-F238E27FC236}">
+                <a16:creationId xmlns:a16="http://schemas.microsoft.com/office/drawing/2014/main" id="{D9043472-74C5-3C76-9A22-72D0FE647FA4}"/>
+              </a:ext>
+            </a:extLst>
+          </p:cNvPr>
+          <p:cNvSpPr txBox="1"/>
+          <p:nvPr/>
+        </p:nvSpPr>
+        <p:spPr>
+          <a:xfrm>
+            <a:off x="1149498" y="4443269"/>
+            <a:ext cx="411480" cy="307777"/>
+          </a:xfrm>
+          <a:prstGeom prst="rect">
+            <a:avLst/>
+          </a:prstGeom>
+          <a:noFill/>
+        </p:spPr>
+        <p:txBody>
+          <a:bodyPr wrap="square" rtlCol="0">
+            <a:spAutoFit/>
+          </a:bodyPr>
+          <a:lstStyle>
+            <a:defPPr marR="0" lvl="0" algn="l" rtl="0">
+              <a:lnSpc>
+                <a:spcPct val="100000"/>
+              </a:lnSpc>
+              <a:spcBef>
+                <a:spcPts val="0"/>
+              </a:spcBef>
+              <a:spcAft>
+                <a:spcPts val="0"/>
+              </a:spcAft>
+              <a:defRPr/>
+            </a:defPPr>
+            <a:lvl1pPr>
+              <a:defRPr b="1">
+                <a:solidFill>
+                  <a:schemeClr val="dk1"/>
+                </a:solidFill>
+                <a:latin typeface="Consolas"/>
+              </a:defRPr>
+            </a:lvl1pPr>
+          </a:lstStyle>
+          <a:p>
+            <a:r>
+              <a:rPr lang="en-US" altLang="zh-CN" dirty="0"/>
+              <a:t>I</a:t>
+            </a:r>
+          </a:p>
+        </p:txBody>
+      </p:sp>
+      <p:sp>
+        <p:nvSpPr>
+          <p:cNvPr id="14" name="文本框 13">
+            <a:extLst>
+              <a:ext uri="{FF2B5EF4-FFF2-40B4-BE49-F238E27FC236}">
+                <a16:creationId xmlns:a16="http://schemas.microsoft.com/office/drawing/2014/main" id="{569D81EE-4CC1-4CD1-FBD9-FD6A8B60BD57}"/>
+              </a:ext>
+            </a:extLst>
+          </p:cNvPr>
+          <p:cNvSpPr txBox="1"/>
+          <p:nvPr/>
+        </p:nvSpPr>
+        <p:spPr>
+          <a:xfrm>
+            <a:off x="2729484" y="4473059"/>
+            <a:ext cx="411480" cy="307777"/>
+          </a:xfrm>
+          <a:prstGeom prst="rect">
+            <a:avLst/>
+          </a:prstGeom>
+          <a:noFill/>
+        </p:spPr>
+        <p:txBody>
+          <a:bodyPr wrap="square" rtlCol="0">
+            <a:spAutoFit/>
+          </a:bodyPr>
+          <a:lstStyle>
+            <a:defPPr marR="0" lvl="0" algn="l" rtl="0">
+              <a:lnSpc>
+                <a:spcPct val="100000"/>
+              </a:lnSpc>
+              <a:spcBef>
+                <a:spcPts val="0"/>
+              </a:spcBef>
+              <a:spcAft>
+                <a:spcPts val="0"/>
+              </a:spcAft>
+              <a:defRPr/>
+            </a:defPPr>
+            <a:lvl1pPr>
+              <a:defRPr b="1">
+                <a:solidFill>
+                  <a:schemeClr val="dk1"/>
+                </a:solidFill>
+                <a:latin typeface="Consolas"/>
+              </a:defRPr>
+            </a:lvl1pPr>
+          </a:lstStyle>
+          <a:p>
+            <a:r>
+              <a:rPr lang="en-US" altLang="zh-CN" dirty="0"/>
+              <a:t>I</a:t>
+            </a:r>
+          </a:p>
+        </p:txBody>
+      </p:sp>
+      <p:sp>
+        <p:nvSpPr>
+          <p:cNvPr id="16" name="文本框 15">
+            <a:extLst>
+              <a:ext uri="{FF2B5EF4-FFF2-40B4-BE49-F238E27FC236}">
+                <a16:creationId xmlns:a16="http://schemas.microsoft.com/office/drawing/2014/main" id="{BDCA4D24-B61E-F2ED-9838-0F4D3E41F0D9}"/>
+              </a:ext>
+            </a:extLst>
+          </p:cNvPr>
+          <p:cNvSpPr txBox="1"/>
+          <p:nvPr/>
+        </p:nvSpPr>
+        <p:spPr>
+          <a:xfrm>
+            <a:off x="3294260" y="4115673"/>
+            <a:ext cx="411480" cy="307777"/>
+          </a:xfrm>
+          <a:prstGeom prst="rect">
+            <a:avLst/>
+          </a:prstGeom>
+          <a:noFill/>
+        </p:spPr>
+        <p:txBody>
+          <a:bodyPr wrap="square" rtlCol="0">
+            <a:spAutoFit/>
+          </a:bodyPr>
+          <a:lstStyle>
+            <a:defPPr marR="0" lvl="0" algn="l" rtl="0">
+              <a:lnSpc>
+                <a:spcPct val="100000"/>
+              </a:lnSpc>
+              <a:spcBef>
+                <a:spcPts val="0"/>
+              </a:spcBef>
+              <a:spcAft>
+                <a:spcPts val="0"/>
+              </a:spcAft>
+              <a:defRPr/>
+            </a:defPPr>
+            <a:lvl1pPr>
+              <a:defRPr b="1">
+                <a:solidFill>
+                  <a:schemeClr val="dk1"/>
+                </a:solidFill>
+                <a:latin typeface="Consolas"/>
+              </a:defRPr>
+            </a:lvl1pPr>
+          </a:lstStyle>
+          <a:p>
+            <a:r>
+              <a:rPr lang="en-US" altLang="zh-CN" dirty="0"/>
+              <a:t>K</a:t>
+            </a:r>
+          </a:p>
+        </p:txBody>
+      </p:sp>
+      <p:sp>
+        <p:nvSpPr>
+          <p:cNvPr id="26" name="文本框 25">
+            <a:extLst>
+              <a:ext uri="{FF2B5EF4-FFF2-40B4-BE49-F238E27FC236}">
+                <a16:creationId xmlns:a16="http://schemas.microsoft.com/office/drawing/2014/main" id="{B88CB007-D7E0-A404-98D2-5655ACA97A99}"/>
+              </a:ext>
+            </a:extLst>
+          </p:cNvPr>
+          <p:cNvSpPr txBox="1"/>
+          <p:nvPr/>
+        </p:nvSpPr>
+        <p:spPr>
+          <a:xfrm>
+            <a:off x="1578123" y="4115672"/>
+            <a:ext cx="411480" cy="307777"/>
+          </a:xfrm>
+          <a:prstGeom prst="rect">
+            <a:avLst/>
+          </a:prstGeom>
+          <a:noFill/>
+        </p:spPr>
+        <p:txBody>
+          <a:bodyPr wrap="square" rtlCol="0">
+            <a:spAutoFit/>
+          </a:bodyPr>
+          <a:lstStyle>
+            <a:defPPr marR="0" lvl="0" algn="l" rtl="0">
+              <a:lnSpc>
+                <a:spcPct val="100000"/>
+              </a:lnSpc>
+              <a:spcBef>
+                <a:spcPts val="0"/>
+              </a:spcBef>
+              <a:spcAft>
+                <a:spcPts val="0"/>
+              </a:spcAft>
+              <a:defRPr/>
+            </a:defPPr>
+            <a:lvl1pPr>
+              <a:defRPr b="1">
+                <a:solidFill>
+                  <a:schemeClr val="dk1"/>
+                </a:solidFill>
+                <a:latin typeface="Consolas"/>
+              </a:defRPr>
+            </a:lvl1pPr>
+          </a:lstStyle>
+          <a:p>
+            <a:r>
+              <a:rPr lang="en-US" altLang="zh-CN" dirty="0"/>
+              <a:t>K</a:t>
+            </a:r>
+          </a:p>
+        </p:txBody>
+      </p:sp>
+      <p:sp>
+        <p:nvSpPr>
+          <p:cNvPr id="27" name="文本框 26">
+            <a:extLst>
+              <a:ext uri="{FF2B5EF4-FFF2-40B4-BE49-F238E27FC236}">
+                <a16:creationId xmlns:a16="http://schemas.microsoft.com/office/drawing/2014/main" id="{47E00CCE-197E-3D79-9D36-B6BDDAAA0A8C}"/>
+              </a:ext>
+            </a:extLst>
+          </p:cNvPr>
+          <p:cNvSpPr txBox="1"/>
+          <p:nvPr/>
+        </p:nvSpPr>
+        <p:spPr>
+          <a:xfrm>
+            <a:off x="5696712" y="943689"/>
+            <a:ext cx="1065904" cy="307777"/>
+          </a:xfrm>
+          <a:prstGeom prst="rect">
+            <a:avLst/>
+          </a:prstGeom>
+          <a:noFill/>
+        </p:spPr>
+        <p:txBody>
+          <a:bodyPr wrap="square" rtlCol="0">
+            <a:spAutoFit/>
+          </a:bodyPr>
+          <a:lstStyle>
+            <a:defPPr marR="0" lvl="0" algn="l" rtl="0">
+              <a:lnSpc>
+                <a:spcPct val="100000"/>
+              </a:lnSpc>
+              <a:spcBef>
+                <a:spcPts val="0"/>
+              </a:spcBef>
+              <a:spcAft>
+                <a:spcPts val="0"/>
+              </a:spcAft>
+              <a:defRPr/>
+            </a:defPPr>
+            <a:lvl1pPr>
+              <a:defRPr>
+                <a:solidFill>
+                  <a:schemeClr val="dk1"/>
+                </a:solidFill>
+                <a:latin typeface="Consolas"/>
+              </a:defRPr>
+            </a:lvl1pPr>
+          </a:lstStyle>
+          <a:p>
+            <a:pPr algn="ctr"/>
+            <a:r>
+              <a:rPr lang="en-US" altLang="zh-CN" b="1" dirty="0"/>
+              <a:t>3A80</a:t>
+            </a:r>
+            <a:endParaRPr lang="zh-CN" altLang="en-US" b="1" dirty="0"/>
+          </a:p>
+        </p:txBody>
+      </p:sp>
+      <p:sp>
+        <p:nvSpPr>
+          <p:cNvPr id="28" name="文本框 27">
+            <a:extLst>
+              <a:ext uri="{FF2B5EF4-FFF2-40B4-BE49-F238E27FC236}">
+                <a16:creationId xmlns:a16="http://schemas.microsoft.com/office/drawing/2014/main" id="{A1EE7B72-A76A-4FF1-93C3-4E46A5D4F78C}"/>
+              </a:ext>
+            </a:extLst>
+          </p:cNvPr>
+          <p:cNvSpPr txBox="1"/>
+          <p:nvPr/>
+        </p:nvSpPr>
+        <p:spPr>
+          <a:xfrm>
+            <a:off x="5696712" y="2440741"/>
+            <a:ext cx="1065904" cy="307777"/>
+          </a:xfrm>
+          <a:prstGeom prst="rect">
+            <a:avLst/>
+          </a:prstGeom>
+          <a:noFill/>
+        </p:spPr>
+        <p:txBody>
+          <a:bodyPr wrap="square" rtlCol="0">
+            <a:spAutoFit/>
+          </a:bodyPr>
+          <a:lstStyle>
+            <a:defPPr marR="0" lvl="0" algn="l" rtl="0">
+              <a:lnSpc>
+                <a:spcPct val="100000"/>
+              </a:lnSpc>
+              <a:spcBef>
+                <a:spcPts val="0"/>
+              </a:spcBef>
+              <a:spcAft>
+                <a:spcPts val="0"/>
+              </a:spcAft>
+              <a:defRPr/>
+            </a:defPPr>
+            <a:lvl1pPr algn="ctr">
+              <a:defRPr b="1">
+                <a:solidFill>
+                  <a:schemeClr val="dk1"/>
+                </a:solidFill>
+                <a:latin typeface="Consolas"/>
+              </a:defRPr>
+            </a:lvl1pPr>
+          </a:lstStyle>
+          <a:p>
+            <a:r>
+              <a:rPr lang="en-US" altLang="zh-CN" dirty="0"/>
+              <a:t>3AE4</a:t>
+            </a:r>
+            <a:endParaRPr lang="zh-CN" altLang="en-US" dirty="0"/>
+          </a:p>
+        </p:txBody>
+      </p:sp>
+      <p:sp>
+        <p:nvSpPr>
+          <p:cNvPr id="29" name="文本框 28">
+            <a:extLst>
+              <a:ext uri="{FF2B5EF4-FFF2-40B4-BE49-F238E27FC236}">
+                <a16:creationId xmlns:a16="http://schemas.microsoft.com/office/drawing/2014/main" id="{739FEC14-FCAD-3D15-D637-1BAF45F64ABC}"/>
+              </a:ext>
+            </a:extLst>
+          </p:cNvPr>
+          <p:cNvSpPr txBox="1"/>
+          <p:nvPr/>
+        </p:nvSpPr>
+        <p:spPr>
+          <a:xfrm>
+            <a:off x="5698370" y="3889470"/>
+            <a:ext cx="1065904" cy="307777"/>
+          </a:xfrm>
+          <a:prstGeom prst="rect">
+            <a:avLst/>
+          </a:prstGeom>
+          <a:noFill/>
+        </p:spPr>
+        <p:txBody>
+          <a:bodyPr wrap="square" rtlCol="0">
+            <a:spAutoFit/>
+          </a:bodyPr>
+          <a:lstStyle>
+            <a:defPPr marR="0" lvl="0" algn="l" rtl="0">
+              <a:lnSpc>
+                <a:spcPct val="100000"/>
+              </a:lnSpc>
+              <a:spcBef>
+                <a:spcPts val="0"/>
+              </a:spcBef>
+              <a:spcAft>
+                <a:spcPts val="0"/>
+              </a:spcAft>
+              <a:defRPr/>
+            </a:defPPr>
+            <a:lvl1pPr algn="ctr">
+              <a:defRPr b="1">
+                <a:solidFill>
+                  <a:schemeClr val="dk1"/>
+                </a:solidFill>
+                <a:latin typeface="Consolas"/>
+              </a:defRPr>
+            </a:lvl1pPr>
+          </a:lstStyle>
+          <a:p>
+            <a:r>
+              <a:rPr lang="en-US" altLang="zh-CN" dirty="0"/>
+              <a:t>3AFC</a:t>
+            </a:r>
+            <a:endParaRPr lang="zh-CN" altLang="en-US" dirty="0"/>
+          </a:p>
+        </p:txBody>
+      </p:sp>
+      <p:sp>
+        <p:nvSpPr>
+          <p:cNvPr id="30" name="文本框 29">
+            <a:extLst>
+              <a:ext uri="{FF2B5EF4-FFF2-40B4-BE49-F238E27FC236}">
+                <a16:creationId xmlns:a16="http://schemas.microsoft.com/office/drawing/2014/main" id="{C4D724F7-794A-3369-F2BA-AA208E56A4EC}"/>
+              </a:ext>
+            </a:extLst>
+          </p:cNvPr>
+          <p:cNvSpPr txBox="1"/>
+          <p:nvPr/>
+        </p:nvSpPr>
+        <p:spPr>
+          <a:xfrm>
+            <a:off x="5696712" y="5667274"/>
+            <a:ext cx="1065904" cy="307777"/>
+          </a:xfrm>
+          <a:prstGeom prst="rect">
+            <a:avLst/>
+          </a:prstGeom>
+          <a:noFill/>
+        </p:spPr>
+        <p:txBody>
+          <a:bodyPr wrap="square" rtlCol="0">
+            <a:spAutoFit/>
+          </a:bodyPr>
+          <a:lstStyle>
+            <a:defPPr marR="0" lvl="0" algn="l" rtl="0">
+              <a:lnSpc>
+                <a:spcPct val="100000"/>
+              </a:lnSpc>
+              <a:spcBef>
+                <a:spcPts val="0"/>
+              </a:spcBef>
+              <a:spcAft>
+                <a:spcPts val="0"/>
+              </a:spcAft>
+              <a:defRPr/>
+            </a:defPPr>
+            <a:lvl1pPr algn="ctr">
+              <a:defRPr b="1">
+                <a:solidFill>
+                  <a:schemeClr val="dk1"/>
+                </a:solidFill>
+                <a:latin typeface="Consolas"/>
+              </a:defRPr>
+            </a:lvl1pPr>
+          </a:lstStyle>
+          <a:p>
+            <a:r>
+              <a:rPr lang="en-US" altLang="zh-CN" dirty="0"/>
+              <a:t>4C34</a:t>
+            </a:r>
+            <a:endParaRPr lang="zh-CN" altLang="en-US" dirty="0"/>
+          </a:p>
+        </p:txBody>
+      </p:sp>
     </p:spTree>
     <p:extLst>
       <p:ext uri="{BB962C8B-B14F-4D97-AF65-F5344CB8AC3E}">
         <p14:creationId xmlns:p14="http://schemas.microsoft.com/office/powerpoint/2010/main" val="1642179793"/>
+      </p:ext>
+    </p:extLst>
+  </p:cSld>
+  <p:clrMapOvr>
+    <a:masterClrMapping/>
+  </p:clrMapOvr>
+</p:sld>
+</file>
+
+<file path=ppt/slides/slide6.xml><?xml version="1.0" encoding="utf-8"?>
+<p:sld xmlns:a="http://schemas.openxmlformats.org/drawingml/2006/main" xmlns:r="http://schemas.openxmlformats.org/officeDocument/2006/relationships" xmlns:p="http://schemas.openxmlformats.org/presentationml/2006/main">
+  <p:cSld>
+    <p:spTree>
+      <p:nvGrpSpPr>
+        <p:cNvPr id="1" name=""/>
+        <p:cNvGrpSpPr/>
+        <p:nvPr/>
+      </p:nvGrpSpPr>
+      <p:grpSpPr>
+        <a:xfrm>
+          <a:off x="0" y="0"/>
+          <a:ext cx="0" cy="0"/>
+          <a:chOff x="0" y="0"/>
+          <a:chExt cx="0" cy="0"/>
+        </a:xfrm>
+      </p:grpSpPr>
+      <p:graphicFrame>
+        <p:nvGraphicFramePr>
+          <p:cNvPr id="5" name="表格 4">
+            <a:extLst>
+              <a:ext uri="{FF2B5EF4-FFF2-40B4-BE49-F238E27FC236}">
+                <a16:creationId xmlns:a16="http://schemas.microsoft.com/office/drawing/2014/main" id="{7E17C8BA-1F4B-54F3-2A00-FEB555FEE1C0}"/>
+              </a:ext>
+            </a:extLst>
+          </p:cNvPr>
+          <p:cNvGraphicFramePr>
+            <a:graphicFrameLocks noGrp="1"/>
+          </p:cNvGraphicFramePr>
+          <p:nvPr>
+            <p:extLst>
+              <p:ext uri="{D42A27DB-BD31-4B8C-83A1-F6EECF244321}">
+                <p14:modId xmlns:p14="http://schemas.microsoft.com/office/powerpoint/2010/main" val="4007454436"/>
+              </p:ext>
+            </p:extLst>
+          </p:nvPr>
+        </p:nvGraphicFramePr>
+        <p:xfrm>
+          <a:off x="2256039" y="596841"/>
+          <a:ext cx="7253202" cy="2405386"/>
+        </p:xfrm>
+        <a:graphic>
+          <a:graphicData uri="http://schemas.openxmlformats.org/drawingml/2006/table">
+            <a:tbl>
+              <a:tblPr firstRow="1" bandRow="1">
+                <a:tableStyleId>{AB4F9DF2-0438-42AD-B170-30067649D97E}</a:tableStyleId>
+              </a:tblPr>
+              <a:tblGrid>
+                <a:gridCol w="970280">
+                  <a:extLst>
+                    <a:ext uri="{9D8B030D-6E8A-4147-A177-3AD203B41FA5}">
+                      <a16:colId xmlns:a16="http://schemas.microsoft.com/office/drawing/2014/main" val="1408095858"/>
+                    </a:ext>
+                  </a:extLst>
+                </a:gridCol>
+                <a:gridCol w="1659255">
+                  <a:extLst>
+                    <a:ext uri="{9D8B030D-6E8A-4147-A177-3AD203B41FA5}">
+                      <a16:colId xmlns:a16="http://schemas.microsoft.com/office/drawing/2014/main" val="663553989"/>
+                    </a:ext>
+                  </a:extLst>
+                </a:gridCol>
+                <a:gridCol w="1560830">
+                  <a:extLst>
+                    <a:ext uri="{9D8B030D-6E8A-4147-A177-3AD203B41FA5}">
+                      <a16:colId xmlns:a16="http://schemas.microsoft.com/office/drawing/2014/main" val="1008032684"/>
+                    </a:ext>
+                  </a:extLst>
+                </a:gridCol>
+                <a:gridCol w="1462405">
+                  <a:extLst>
+                    <a:ext uri="{9D8B030D-6E8A-4147-A177-3AD203B41FA5}">
+                      <a16:colId xmlns:a16="http://schemas.microsoft.com/office/drawing/2014/main" val="223353263"/>
+                    </a:ext>
+                  </a:extLst>
+                </a:gridCol>
+                <a:gridCol w="1600432">
+                  <a:extLst>
+                    <a:ext uri="{9D8B030D-6E8A-4147-A177-3AD203B41FA5}">
+                      <a16:colId xmlns:a16="http://schemas.microsoft.com/office/drawing/2014/main" val="3576203921"/>
+                    </a:ext>
+                  </a:extLst>
+                </a:gridCol>
+              </a:tblGrid>
+              <a:tr h="294238">
+                <a:tc>
+                  <a:txBody>
+                    <a:bodyPr/>
+                    <a:lstStyle/>
+                    <a:p>
+                      <a:r>
+                        <a:rPr lang="en-US" altLang="zh-CN" dirty="0"/>
+                        <a:t>Dataset</a:t>
+                      </a:r>
+                      <a:endParaRPr lang="zh-CN" altLang="en-US" dirty="0"/>
+                    </a:p>
+                  </a:txBody>
+                  <a:tcPr/>
+                </a:tc>
+                <a:tc>
+                  <a:txBody>
+                    <a:bodyPr/>
+                    <a:lstStyle/>
+                    <a:p>
+                      <a:r>
+                        <a:rPr lang="en-US" altLang="zh-CN" dirty="0"/>
+                        <a:t>IoT2023</a:t>
+                      </a:r>
+                      <a:endParaRPr lang="zh-CN" altLang="en-US" dirty="0"/>
+                    </a:p>
+                  </a:txBody>
+                  <a:tcPr/>
+                </a:tc>
+                <a:tc>
+                  <a:txBody>
+                    <a:bodyPr/>
+                    <a:lstStyle/>
+                    <a:p>
+                      <a:pPr marL="0" marR="0" lvl="0" indent="0" algn="l" defTabSz="914400" rtl="0" eaLnBrk="1" fontAlgn="auto" latinLnBrk="0" hangingPunct="1">
+                        <a:lnSpc>
+                          <a:spcPct val="100000"/>
+                        </a:lnSpc>
+                        <a:spcBef>
+                          <a:spcPts val="0"/>
+                        </a:spcBef>
+                        <a:spcAft>
+                          <a:spcPts val="0"/>
+                        </a:spcAft>
+                        <a:buClr>
+                          <a:srgbClr val="000000"/>
+                        </a:buClr>
+                        <a:buSzTx/>
+                        <a:buFont typeface="Arial"/>
+                        <a:buNone/>
+                        <a:tabLst/>
+                        <a:defRPr/>
+                      </a:pPr>
+                      <a:r>
+                        <a:rPr lang="en-US" altLang="zh-CN" dirty="0" err="1"/>
+                        <a:t>Jiayu</a:t>
+                      </a:r>
+                      <a:endParaRPr lang="zh-CN" altLang="en-US" dirty="0"/>
+                    </a:p>
+                  </a:txBody>
+                  <a:tcPr/>
+                </a:tc>
+                <a:tc>
+                  <a:txBody>
+                    <a:bodyPr/>
+                    <a:lstStyle/>
+                    <a:p>
+                      <a:r>
+                        <a:rPr lang="en-US" altLang="zh-CN" dirty="0" err="1"/>
+                        <a:t>Yingjian</a:t>
+                      </a:r>
+                      <a:r>
+                        <a:rPr lang="en-US" altLang="zh-CN" dirty="0"/>
+                        <a:t> v4</a:t>
+                      </a:r>
+                      <a:endParaRPr lang="zh-CN" altLang="en-US" dirty="0"/>
+                    </a:p>
+                  </a:txBody>
+                  <a:tcPr/>
+                </a:tc>
+                <a:tc>
+                  <a:txBody>
+                    <a:bodyPr/>
+                    <a:lstStyle/>
+                    <a:p>
+                      <a:r>
+                        <a:rPr lang="en-US" altLang="zh-CN" dirty="0"/>
+                        <a:t>Intersection</a:t>
+                      </a:r>
+                      <a:endParaRPr lang="zh-CN" altLang="en-US" dirty="0"/>
+                    </a:p>
+                  </a:txBody>
+                  <a:tcPr/>
+                </a:tc>
+                <a:extLst>
+                  <a:ext uri="{0D108BD9-81ED-4DB2-BD59-A6C34878D82A}">
+                    <a16:rowId xmlns:a16="http://schemas.microsoft.com/office/drawing/2014/main" val="1894599224"/>
+                  </a:ext>
+                </a:extLst>
+              </a:tr>
+              <a:tr h="466804">
+                <a:tc>
+                  <a:txBody>
+                    <a:bodyPr/>
+                    <a:lstStyle/>
+                    <a:p>
+                      <a:r>
+                        <a:rPr lang="en-US" altLang="zh-CN" dirty="0"/>
+                        <a:t>3AE4_1</a:t>
+                      </a:r>
+                      <a:endParaRPr lang="zh-CN" altLang="en-US" dirty="0"/>
+                    </a:p>
+                  </a:txBody>
+                  <a:tcPr/>
+                </a:tc>
+                <a:tc>
+                  <a:txBody>
+                    <a:bodyPr/>
+                    <a:lstStyle/>
+                    <a:p>
+                      <a:r>
+                        <a:rPr lang="en-US" altLang="zh-CN" dirty="0"/>
+                        <a:t>Number: 13981</a:t>
+                      </a:r>
+                    </a:p>
+                    <a:p>
+                      <a:r>
+                        <a:rPr lang="en-US" altLang="zh-CN" dirty="0"/>
+                        <a:t>Ratio: 81%</a:t>
+                      </a:r>
+                      <a:endParaRPr lang="zh-CN" altLang="en-US" dirty="0"/>
+                    </a:p>
+                  </a:txBody>
+                  <a:tcPr/>
+                </a:tc>
+                <a:tc>
+                  <a:txBody>
+                    <a:bodyPr/>
+                    <a:lstStyle/>
+                    <a:p>
+                      <a:pPr marL="0" marR="0" lvl="0" indent="0" algn="l" defTabSz="914400" rtl="0" eaLnBrk="1" fontAlgn="auto" latinLnBrk="0" hangingPunct="1">
+                        <a:lnSpc>
+                          <a:spcPct val="100000"/>
+                        </a:lnSpc>
+                        <a:spcBef>
+                          <a:spcPts val="0"/>
+                        </a:spcBef>
+                        <a:spcAft>
+                          <a:spcPts val="0"/>
+                        </a:spcAft>
+                        <a:buClr>
+                          <a:srgbClr val="000000"/>
+                        </a:buClr>
+                        <a:buSzTx/>
+                        <a:buFont typeface="Arial"/>
+                        <a:buNone/>
+                        <a:tabLst/>
+                        <a:defRPr/>
+                      </a:pPr>
+                      <a:r>
+                        <a:rPr lang="en-US" altLang="zh-CN" dirty="0"/>
+                        <a:t>Number: 9765</a:t>
+                      </a:r>
+                    </a:p>
+                    <a:p>
+                      <a:pPr marL="0" marR="0" lvl="0" indent="0" algn="l" defTabSz="914400" rtl="0" eaLnBrk="1" fontAlgn="auto" latinLnBrk="0" hangingPunct="1">
+                        <a:lnSpc>
+                          <a:spcPct val="100000"/>
+                        </a:lnSpc>
+                        <a:spcBef>
+                          <a:spcPts val="0"/>
+                        </a:spcBef>
+                        <a:spcAft>
+                          <a:spcPts val="0"/>
+                        </a:spcAft>
+                        <a:buClr>
+                          <a:srgbClr val="000000"/>
+                        </a:buClr>
+                        <a:buSzTx/>
+                        <a:buFont typeface="Arial"/>
+                        <a:buNone/>
+                        <a:tabLst/>
+                        <a:defRPr/>
+                      </a:pPr>
+                      <a:r>
+                        <a:rPr lang="en-US" altLang="zh-CN" dirty="0"/>
+                        <a:t>Ratio: 58%</a:t>
+                      </a:r>
+                    </a:p>
+                  </a:txBody>
+                  <a:tcPr/>
+                </a:tc>
+                <a:tc>
+                  <a:txBody>
+                    <a:bodyPr/>
+                    <a:lstStyle/>
+                    <a:p>
+                      <a:pPr marL="0" marR="0" lvl="0" indent="0" algn="l" defTabSz="914400" rtl="0" eaLnBrk="1" fontAlgn="auto" latinLnBrk="0" hangingPunct="1">
+                        <a:lnSpc>
+                          <a:spcPct val="100000"/>
+                        </a:lnSpc>
+                        <a:spcBef>
+                          <a:spcPts val="0"/>
+                        </a:spcBef>
+                        <a:spcAft>
+                          <a:spcPts val="0"/>
+                        </a:spcAft>
+                        <a:buClr>
+                          <a:srgbClr val="000000"/>
+                        </a:buClr>
+                        <a:buSzTx/>
+                        <a:buFont typeface="Arial"/>
+                        <a:buNone/>
+                        <a:tabLst/>
+                        <a:defRPr/>
+                      </a:pPr>
+                      <a:r>
+                        <a:rPr lang="en-US" altLang="zh-CN" dirty="0"/>
+                        <a:t>Number: 7556</a:t>
+                      </a:r>
+                    </a:p>
+                    <a:p>
+                      <a:pPr marL="0" marR="0" lvl="0" indent="0" algn="l" defTabSz="914400" rtl="0" eaLnBrk="1" fontAlgn="auto" latinLnBrk="0" hangingPunct="1">
+                        <a:lnSpc>
+                          <a:spcPct val="100000"/>
+                        </a:lnSpc>
+                        <a:spcBef>
+                          <a:spcPts val="0"/>
+                        </a:spcBef>
+                        <a:spcAft>
+                          <a:spcPts val="0"/>
+                        </a:spcAft>
+                        <a:buClr>
+                          <a:srgbClr val="000000"/>
+                        </a:buClr>
+                        <a:buSzTx/>
+                        <a:buFont typeface="Arial"/>
+                        <a:buNone/>
+                        <a:tabLst/>
+                        <a:defRPr/>
+                      </a:pPr>
+                      <a:r>
+                        <a:rPr lang="en-US" altLang="zh-CN" dirty="0"/>
+                        <a:t>Ratio: 44%</a:t>
+                      </a:r>
+                    </a:p>
+                  </a:txBody>
+                  <a:tcPr/>
+                </a:tc>
+                <a:tc>
+                  <a:txBody>
+                    <a:bodyPr/>
+                    <a:lstStyle/>
+                    <a:p>
+                      <a:pPr marL="0" marR="0" lvl="0" indent="0" algn="l" defTabSz="914400" rtl="0" eaLnBrk="1" fontAlgn="auto" latinLnBrk="0" hangingPunct="1">
+                        <a:lnSpc>
+                          <a:spcPct val="100000"/>
+                        </a:lnSpc>
+                        <a:spcBef>
+                          <a:spcPts val="0"/>
+                        </a:spcBef>
+                        <a:spcAft>
+                          <a:spcPts val="0"/>
+                        </a:spcAft>
+                        <a:buClr>
+                          <a:srgbClr val="000000"/>
+                        </a:buClr>
+                        <a:buSzTx/>
+                        <a:buFont typeface="Arial"/>
+                        <a:buNone/>
+                        <a:tabLst/>
+                        <a:defRPr/>
+                      </a:pPr>
+                      <a:r>
+                        <a:rPr lang="en-US" altLang="zh-CN" dirty="0"/>
+                        <a:t>5771</a:t>
+                      </a:r>
+                    </a:p>
+                  </a:txBody>
+                  <a:tcPr/>
+                </a:tc>
+                <a:extLst>
+                  <a:ext uri="{0D108BD9-81ED-4DB2-BD59-A6C34878D82A}">
+                    <a16:rowId xmlns:a16="http://schemas.microsoft.com/office/drawing/2014/main" val="1004653846"/>
+                  </a:ext>
+                </a:extLst>
+              </a:tr>
+              <a:tr h="466804">
+                <a:tc>
+                  <a:txBody>
+                    <a:bodyPr/>
+                    <a:lstStyle/>
+                    <a:p>
+                      <a:r>
+                        <a:rPr lang="en-US" altLang="zh-CN" dirty="0"/>
+                        <a:t>3AE4_2</a:t>
+                      </a:r>
+                      <a:endParaRPr lang="zh-CN" altLang="en-US" dirty="0"/>
+                    </a:p>
+                  </a:txBody>
+                  <a:tcPr/>
+                </a:tc>
+                <a:tc>
+                  <a:txBody>
+                    <a:bodyPr/>
+                    <a:lstStyle/>
+                    <a:p>
+                      <a:r>
+                        <a:rPr lang="en-US" altLang="zh-CN" dirty="0"/>
+                        <a:t>Number: 10971</a:t>
+                      </a:r>
+                    </a:p>
+                    <a:p>
+                      <a:r>
+                        <a:rPr lang="en-US" altLang="zh-CN" dirty="0"/>
+                        <a:t>Ratio: 64% </a:t>
+                      </a:r>
+                    </a:p>
+                  </a:txBody>
+                  <a:tcPr/>
+                </a:tc>
+                <a:tc>
+                  <a:txBody>
+                    <a:bodyPr/>
+                    <a:lstStyle/>
+                    <a:p>
+                      <a:pPr marL="0" marR="0" lvl="0" indent="0" algn="l" defTabSz="914400" rtl="0" eaLnBrk="1" fontAlgn="auto" latinLnBrk="0" hangingPunct="1">
+                        <a:lnSpc>
+                          <a:spcPct val="100000"/>
+                        </a:lnSpc>
+                        <a:spcBef>
+                          <a:spcPts val="0"/>
+                        </a:spcBef>
+                        <a:spcAft>
+                          <a:spcPts val="0"/>
+                        </a:spcAft>
+                        <a:buClr>
+                          <a:srgbClr val="000000"/>
+                        </a:buClr>
+                        <a:buSzTx/>
+                        <a:buFont typeface="Arial"/>
+                        <a:buNone/>
+                        <a:tabLst/>
+                        <a:defRPr/>
+                      </a:pPr>
+                      <a:r>
+                        <a:rPr lang="en-US" altLang="zh-CN" dirty="0"/>
+                        <a:t>Number: 6899 </a:t>
+                      </a:r>
+                    </a:p>
+                    <a:p>
+                      <a:pPr marL="0" marR="0" lvl="0" indent="0" algn="l" defTabSz="914400" rtl="0" eaLnBrk="1" fontAlgn="auto" latinLnBrk="0" hangingPunct="1">
+                        <a:lnSpc>
+                          <a:spcPct val="100000"/>
+                        </a:lnSpc>
+                        <a:spcBef>
+                          <a:spcPts val="0"/>
+                        </a:spcBef>
+                        <a:spcAft>
+                          <a:spcPts val="0"/>
+                        </a:spcAft>
+                        <a:buClr>
+                          <a:srgbClr val="000000"/>
+                        </a:buClr>
+                        <a:buSzTx/>
+                        <a:buFont typeface="Arial"/>
+                        <a:buNone/>
+                        <a:tabLst/>
+                        <a:defRPr/>
+                      </a:pPr>
+                      <a:r>
+                        <a:rPr lang="en-US" altLang="zh-CN" dirty="0"/>
+                        <a:t>Ratio: 41%</a:t>
+                      </a:r>
+                    </a:p>
+                  </a:txBody>
+                  <a:tcPr/>
+                </a:tc>
+                <a:tc>
+                  <a:txBody>
+                    <a:bodyPr/>
+                    <a:lstStyle/>
+                    <a:p>
+                      <a:pPr marL="0" marR="0" lvl="0" indent="0" algn="l" defTabSz="914400" rtl="0" eaLnBrk="1" fontAlgn="auto" latinLnBrk="0" hangingPunct="1">
+                        <a:lnSpc>
+                          <a:spcPct val="100000"/>
+                        </a:lnSpc>
+                        <a:spcBef>
+                          <a:spcPts val="0"/>
+                        </a:spcBef>
+                        <a:spcAft>
+                          <a:spcPts val="0"/>
+                        </a:spcAft>
+                        <a:buClr>
+                          <a:srgbClr val="000000"/>
+                        </a:buClr>
+                        <a:buSzTx/>
+                        <a:buFont typeface="Arial"/>
+                        <a:buNone/>
+                        <a:tabLst/>
+                        <a:defRPr/>
+                      </a:pPr>
+                      <a:r>
+                        <a:rPr lang="en-US" altLang="zh-CN" dirty="0"/>
+                        <a:t>Number: 4247</a:t>
+                      </a:r>
+                    </a:p>
+                    <a:p>
+                      <a:pPr marL="0" marR="0" lvl="0" indent="0" algn="l" defTabSz="914400" rtl="0" eaLnBrk="1" fontAlgn="auto" latinLnBrk="0" hangingPunct="1">
+                        <a:lnSpc>
+                          <a:spcPct val="100000"/>
+                        </a:lnSpc>
+                        <a:spcBef>
+                          <a:spcPts val="0"/>
+                        </a:spcBef>
+                        <a:spcAft>
+                          <a:spcPts val="0"/>
+                        </a:spcAft>
+                        <a:buClr>
+                          <a:srgbClr val="000000"/>
+                        </a:buClr>
+                        <a:buSzTx/>
+                        <a:buFont typeface="Arial"/>
+                        <a:buNone/>
+                        <a:tabLst/>
+                        <a:defRPr/>
+                      </a:pPr>
+                      <a:r>
+                        <a:rPr lang="en-US" altLang="zh-CN" dirty="0"/>
+                        <a:t>Ratio: 25%</a:t>
+                      </a:r>
+                    </a:p>
+                  </a:txBody>
+                  <a:tcPr/>
+                </a:tc>
+                <a:tc>
+                  <a:txBody>
+                    <a:bodyPr/>
+                    <a:lstStyle/>
+                    <a:p>
+                      <a:pPr marL="0" marR="0" lvl="0" indent="0" algn="l" defTabSz="914400" rtl="0" eaLnBrk="1" fontAlgn="auto" latinLnBrk="0" hangingPunct="1">
+                        <a:lnSpc>
+                          <a:spcPct val="100000"/>
+                        </a:lnSpc>
+                        <a:spcBef>
+                          <a:spcPts val="0"/>
+                        </a:spcBef>
+                        <a:spcAft>
+                          <a:spcPts val="0"/>
+                        </a:spcAft>
+                        <a:buClr>
+                          <a:srgbClr val="000000"/>
+                        </a:buClr>
+                        <a:buSzTx/>
+                        <a:buFont typeface="Arial"/>
+                        <a:buNone/>
+                        <a:tabLst/>
+                        <a:defRPr/>
+                      </a:pPr>
+                      <a:r>
+                        <a:rPr lang="en-US" altLang="zh-CN" dirty="0"/>
+                        <a:t>2823</a:t>
+                      </a:r>
+                    </a:p>
+                  </a:txBody>
+                  <a:tcPr/>
+                </a:tc>
+                <a:extLst>
+                  <a:ext uri="{0D108BD9-81ED-4DB2-BD59-A6C34878D82A}">
+                    <a16:rowId xmlns:a16="http://schemas.microsoft.com/office/drawing/2014/main" val="2064444813"/>
+                  </a:ext>
+                </a:extLst>
+              </a:tr>
+              <a:tr h="466804">
+                <a:tc>
+                  <a:txBody>
+                    <a:bodyPr/>
+                    <a:lstStyle/>
+                    <a:p>
+                      <a:r>
+                        <a:rPr lang="en-US" altLang="zh-CN" dirty="0"/>
+                        <a:t>3AE4_3</a:t>
+                      </a:r>
+                      <a:endParaRPr lang="zh-CN" altLang="en-US" dirty="0"/>
+                    </a:p>
+                  </a:txBody>
+                  <a:tcPr/>
+                </a:tc>
+                <a:tc>
+                  <a:txBody>
+                    <a:bodyPr/>
+                    <a:lstStyle/>
+                    <a:p>
+                      <a:r>
+                        <a:rPr lang="en-US" altLang="zh-CN" dirty="0"/>
+                        <a:t>Number: 11285 </a:t>
+                      </a:r>
+                    </a:p>
+                    <a:p>
+                      <a:r>
+                        <a:rPr lang="en-US" altLang="zh-CN" dirty="0"/>
+                        <a:t>Ratio: 66%</a:t>
+                      </a:r>
+                    </a:p>
+                  </a:txBody>
+                  <a:tcPr/>
+                </a:tc>
+                <a:tc>
+                  <a:txBody>
+                    <a:bodyPr/>
+                    <a:lstStyle/>
+                    <a:p>
+                      <a:pPr marL="0" marR="0" lvl="0" indent="0" algn="l" defTabSz="914400" rtl="0" eaLnBrk="1" fontAlgn="auto" latinLnBrk="0" hangingPunct="1">
+                        <a:lnSpc>
+                          <a:spcPct val="100000"/>
+                        </a:lnSpc>
+                        <a:spcBef>
+                          <a:spcPts val="0"/>
+                        </a:spcBef>
+                        <a:spcAft>
+                          <a:spcPts val="0"/>
+                        </a:spcAft>
+                        <a:buClr>
+                          <a:srgbClr val="000000"/>
+                        </a:buClr>
+                        <a:buSzTx/>
+                        <a:buFont typeface="Arial"/>
+                        <a:buNone/>
+                        <a:tabLst/>
+                        <a:defRPr/>
+                      </a:pPr>
+                      <a:r>
+                        <a:rPr lang="en-US" altLang="zh-CN" dirty="0"/>
+                        <a:t>Number: 5312 </a:t>
+                      </a:r>
+                    </a:p>
+                    <a:p>
+                      <a:pPr marL="0" marR="0" lvl="0" indent="0" algn="l" defTabSz="914400" rtl="0" eaLnBrk="1" fontAlgn="auto" latinLnBrk="0" hangingPunct="1">
+                        <a:lnSpc>
+                          <a:spcPct val="100000"/>
+                        </a:lnSpc>
+                        <a:spcBef>
+                          <a:spcPts val="0"/>
+                        </a:spcBef>
+                        <a:spcAft>
+                          <a:spcPts val="0"/>
+                        </a:spcAft>
+                        <a:buClr>
+                          <a:srgbClr val="000000"/>
+                        </a:buClr>
+                        <a:buSzTx/>
+                        <a:buFont typeface="Arial"/>
+                        <a:buNone/>
+                        <a:tabLst/>
+                        <a:defRPr/>
+                      </a:pPr>
+                      <a:r>
+                        <a:rPr lang="en-US" altLang="zh-CN" dirty="0"/>
+                        <a:t>Ratio: 31%</a:t>
+                      </a:r>
+                    </a:p>
+                  </a:txBody>
+                  <a:tcPr/>
+                </a:tc>
+                <a:tc>
+                  <a:txBody>
+                    <a:bodyPr/>
+                    <a:lstStyle/>
+                    <a:p>
+                      <a:pPr marL="0" marR="0" lvl="0" indent="0" algn="l" defTabSz="914400" rtl="0" eaLnBrk="1" fontAlgn="auto" latinLnBrk="0" hangingPunct="1">
+                        <a:lnSpc>
+                          <a:spcPct val="100000"/>
+                        </a:lnSpc>
+                        <a:spcBef>
+                          <a:spcPts val="0"/>
+                        </a:spcBef>
+                        <a:spcAft>
+                          <a:spcPts val="0"/>
+                        </a:spcAft>
+                        <a:buClr>
+                          <a:srgbClr val="000000"/>
+                        </a:buClr>
+                        <a:buSzTx/>
+                        <a:buFont typeface="Arial"/>
+                        <a:buNone/>
+                        <a:tabLst/>
+                        <a:defRPr/>
+                      </a:pPr>
+                      <a:r>
+                        <a:rPr lang="en-US" altLang="zh-CN" dirty="0"/>
+                        <a:t>Number: 5214</a:t>
+                      </a:r>
+                    </a:p>
+                    <a:p>
+                      <a:pPr marL="0" marR="0" lvl="0" indent="0" algn="l" defTabSz="914400" rtl="0" eaLnBrk="1" fontAlgn="auto" latinLnBrk="0" hangingPunct="1">
+                        <a:lnSpc>
+                          <a:spcPct val="100000"/>
+                        </a:lnSpc>
+                        <a:spcBef>
+                          <a:spcPts val="0"/>
+                        </a:spcBef>
+                        <a:spcAft>
+                          <a:spcPts val="0"/>
+                        </a:spcAft>
+                        <a:buClr>
+                          <a:srgbClr val="000000"/>
+                        </a:buClr>
+                        <a:buSzTx/>
+                        <a:buFont typeface="Arial"/>
+                        <a:buNone/>
+                        <a:tabLst/>
+                        <a:defRPr/>
+                      </a:pPr>
+                      <a:r>
+                        <a:rPr lang="en-US" altLang="zh-CN" dirty="0"/>
+                        <a:t>Ratio: 31%</a:t>
+                      </a:r>
+                    </a:p>
+                  </a:txBody>
+                  <a:tcPr/>
+                </a:tc>
+                <a:tc>
+                  <a:txBody>
+                    <a:bodyPr/>
+                    <a:lstStyle/>
+                    <a:p>
+                      <a:pPr marL="0" marR="0" lvl="0" indent="0" algn="l" defTabSz="914400" rtl="0" eaLnBrk="1" fontAlgn="auto" latinLnBrk="0" hangingPunct="1">
+                        <a:lnSpc>
+                          <a:spcPct val="100000"/>
+                        </a:lnSpc>
+                        <a:spcBef>
+                          <a:spcPts val="0"/>
+                        </a:spcBef>
+                        <a:spcAft>
+                          <a:spcPts val="0"/>
+                        </a:spcAft>
+                        <a:buClr>
+                          <a:srgbClr val="000000"/>
+                        </a:buClr>
+                        <a:buSzTx/>
+                        <a:buFont typeface="Arial"/>
+                        <a:buNone/>
+                        <a:tabLst/>
+                        <a:defRPr/>
+                      </a:pPr>
+                      <a:r>
+                        <a:rPr lang="en-US" altLang="zh-CN" dirty="0"/>
+                        <a:t>2894</a:t>
+                      </a:r>
+                    </a:p>
+                  </a:txBody>
+                  <a:tcPr/>
+                </a:tc>
+                <a:extLst>
+                  <a:ext uri="{0D108BD9-81ED-4DB2-BD59-A6C34878D82A}">
+                    <a16:rowId xmlns:a16="http://schemas.microsoft.com/office/drawing/2014/main" val="2720310754"/>
+                  </a:ext>
+                </a:extLst>
+              </a:tr>
+              <a:tr h="546106">
+                <a:tc>
+                  <a:txBody>
+                    <a:bodyPr/>
+                    <a:lstStyle/>
+                    <a:p>
+                      <a:r>
+                        <a:rPr lang="en-US" altLang="zh-CN" dirty="0"/>
+                        <a:t>3AE4_4</a:t>
+                      </a:r>
+                      <a:endParaRPr lang="zh-CN" altLang="en-US" dirty="0"/>
+                    </a:p>
+                  </a:txBody>
+                  <a:tcPr/>
+                </a:tc>
+                <a:tc>
+                  <a:txBody>
+                    <a:bodyPr/>
+                    <a:lstStyle/>
+                    <a:p>
+                      <a:r>
+                        <a:rPr lang="en-US" altLang="zh-CN" dirty="0"/>
+                        <a:t>Number: 10287 </a:t>
+                      </a:r>
+                    </a:p>
+                    <a:p>
+                      <a:r>
+                        <a:rPr lang="en-US" altLang="zh-CN" dirty="0"/>
+                        <a:t>Ratio: 60%</a:t>
+                      </a:r>
+                    </a:p>
+                  </a:txBody>
+                  <a:tcPr/>
+                </a:tc>
+                <a:tc>
+                  <a:txBody>
+                    <a:bodyPr/>
+                    <a:lstStyle/>
+                    <a:p>
+                      <a:pPr marL="0" marR="0" lvl="0" indent="0" algn="l" defTabSz="914400" rtl="0" eaLnBrk="1" fontAlgn="auto" latinLnBrk="0" hangingPunct="1">
+                        <a:lnSpc>
+                          <a:spcPct val="100000"/>
+                        </a:lnSpc>
+                        <a:spcBef>
+                          <a:spcPts val="0"/>
+                        </a:spcBef>
+                        <a:spcAft>
+                          <a:spcPts val="0"/>
+                        </a:spcAft>
+                        <a:buClr>
+                          <a:srgbClr val="000000"/>
+                        </a:buClr>
+                        <a:buSzTx/>
+                        <a:buFont typeface="Arial"/>
+                        <a:buNone/>
+                        <a:tabLst/>
+                        <a:defRPr/>
+                      </a:pPr>
+                      <a:r>
+                        <a:rPr lang="en-US" altLang="zh-CN" dirty="0"/>
+                        <a:t>Number: 3661</a:t>
+                      </a:r>
+                    </a:p>
+                    <a:p>
+                      <a:pPr marL="0" marR="0" lvl="0" indent="0" algn="l" defTabSz="914400" rtl="0" eaLnBrk="1" fontAlgn="auto" latinLnBrk="0" hangingPunct="1">
+                        <a:lnSpc>
+                          <a:spcPct val="100000"/>
+                        </a:lnSpc>
+                        <a:spcBef>
+                          <a:spcPts val="0"/>
+                        </a:spcBef>
+                        <a:spcAft>
+                          <a:spcPts val="0"/>
+                        </a:spcAft>
+                        <a:buClr>
+                          <a:srgbClr val="000000"/>
+                        </a:buClr>
+                        <a:buSzTx/>
+                        <a:buFont typeface="Arial"/>
+                        <a:buNone/>
+                        <a:tabLst/>
+                        <a:defRPr/>
+                      </a:pPr>
+                      <a:r>
+                        <a:rPr lang="en-US" altLang="zh-CN" dirty="0"/>
+                        <a:t>Ratio: 21%</a:t>
+                      </a:r>
+                    </a:p>
+                  </a:txBody>
+                  <a:tcPr/>
+                </a:tc>
+                <a:tc>
+                  <a:txBody>
+                    <a:bodyPr/>
+                    <a:lstStyle/>
+                    <a:p>
+                      <a:pPr marL="0" marR="0" lvl="0" indent="0" algn="l" defTabSz="914400" rtl="0" eaLnBrk="1" fontAlgn="auto" latinLnBrk="0" hangingPunct="1">
+                        <a:lnSpc>
+                          <a:spcPct val="100000"/>
+                        </a:lnSpc>
+                        <a:spcBef>
+                          <a:spcPts val="0"/>
+                        </a:spcBef>
+                        <a:spcAft>
+                          <a:spcPts val="0"/>
+                        </a:spcAft>
+                        <a:buClr>
+                          <a:srgbClr val="000000"/>
+                        </a:buClr>
+                        <a:buSzTx/>
+                        <a:buFont typeface="Arial"/>
+                        <a:buNone/>
+                        <a:tabLst/>
+                        <a:defRPr/>
+                      </a:pPr>
+                      <a:r>
+                        <a:rPr lang="en-US" altLang="zh-CN" dirty="0"/>
+                        <a:t>Number: 5390</a:t>
+                      </a:r>
+                    </a:p>
+                    <a:p>
+                      <a:pPr marL="0" marR="0" lvl="0" indent="0" algn="l" defTabSz="914400" rtl="0" eaLnBrk="1" fontAlgn="auto" latinLnBrk="0" hangingPunct="1">
+                        <a:lnSpc>
+                          <a:spcPct val="100000"/>
+                        </a:lnSpc>
+                        <a:spcBef>
+                          <a:spcPts val="0"/>
+                        </a:spcBef>
+                        <a:spcAft>
+                          <a:spcPts val="0"/>
+                        </a:spcAft>
+                        <a:buClr>
+                          <a:srgbClr val="000000"/>
+                        </a:buClr>
+                        <a:buSzTx/>
+                        <a:buFont typeface="Arial"/>
+                        <a:buNone/>
+                        <a:tabLst/>
+                        <a:defRPr/>
+                      </a:pPr>
+                      <a:r>
+                        <a:rPr lang="en-US" altLang="zh-CN" dirty="0"/>
+                        <a:t>Ratio: 32%</a:t>
+                      </a:r>
+                    </a:p>
+                  </a:txBody>
+                  <a:tcPr/>
+                </a:tc>
+                <a:tc>
+                  <a:txBody>
+                    <a:bodyPr/>
+                    <a:lstStyle/>
+                    <a:p>
+                      <a:pPr marL="0" marR="0" lvl="0" indent="0" algn="l" defTabSz="914400" rtl="0" eaLnBrk="1" fontAlgn="auto" latinLnBrk="0" hangingPunct="1">
+                        <a:lnSpc>
+                          <a:spcPct val="100000"/>
+                        </a:lnSpc>
+                        <a:spcBef>
+                          <a:spcPts val="0"/>
+                        </a:spcBef>
+                        <a:spcAft>
+                          <a:spcPts val="0"/>
+                        </a:spcAft>
+                        <a:buClr>
+                          <a:srgbClr val="000000"/>
+                        </a:buClr>
+                        <a:buSzTx/>
+                        <a:buFont typeface="Arial"/>
+                        <a:buNone/>
+                        <a:tabLst/>
+                        <a:defRPr/>
+                      </a:pPr>
+                      <a:r>
+                        <a:rPr lang="en-US" altLang="zh-CN" dirty="0"/>
+                        <a:t>2532</a:t>
+                      </a:r>
+                    </a:p>
+                  </a:txBody>
+                  <a:tcPr/>
+                </a:tc>
+                <a:extLst>
+                  <a:ext uri="{0D108BD9-81ED-4DB2-BD59-A6C34878D82A}">
+                    <a16:rowId xmlns:a16="http://schemas.microsoft.com/office/drawing/2014/main" val="2416410049"/>
+                  </a:ext>
+                </a:extLst>
+              </a:tr>
+            </a:tbl>
+          </a:graphicData>
+        </a:graphic>
+      </p:graphicFrame>
+      <p:sp>
+        <p:nvSpPr>
+          <p:cNvPr id="6" name="椭圆 5">
+            <a:extLst>
+              <a:ext uri="{FF2B5EF4-FFF2-40B4-BE49-F238E27FC236}">
+                <a16:creationId xmlns:a16="http://schemas.microsoft.com/office/drawing/2014/main" id="{D6487A11-D3A4-8DA9-FC33-9E441D692FA6}"/>
+              </a:ext>
+            </a:extLst>
+          </p:cNvPr>
+          <p:cNvSpPr/>
+          <p:nvPr/>
+        </p:nvSpPr>
+        <p:spPr>
+          <a:xfrm>
+            <a:off x="4338066" y="4076776"/>
+            <a:ext cx="2962656" cy="1655064"/>
+          </a:xfrm>
+          <a:prstGeom prst="ellipse">
+            <a:avLst/>
+          </a:prstGeom>
+          <a:noFill/>
+          <a:ln>
+            <a:solidFill>
+              <a:schemeClr val="tx1"/>
+            </a:solidFill>
+          </a:ln>
+        </p:spPr>
+        <p:style>
+          <a:lnRef idx="2">
+            <a:schemeClr val="accent1">
+              <a:shade val="15000"/>
+            </a:schemeClr>
+          </a:lnRef>
+          <a:fillRef idx="1">
+            <a:schemeClr val="accent1"/>
+          </a:fillRef>
+          <a:effectRef idx="0">
+            <a:schemeClr val="accent1"/>
+          </a:effectRef>
+          <a:fontRef idx="minor">
+            <a:schemeClr val="lt1"/>
+          </a:fontRef>
+        </p:style>
+        <p:txBody>
+          <a:bodyPr rtlCol="0" anchor="ctr"/>
+          <a:lstStyle/>
+          <a:p>
+            <a:pPr algn="ctr"/>
+            <a:endParaRPr lang="zh-CN" altLang="en-US" dirty="0"/>
+          </a:p>
+        </p:txBody>
+      </p:sp>
+      <p:sp>
+        <p:nvSpPr>
+          <p:cNvPr id="9" name="椭圆 8">
+            <a:extLst>
+              <a:ext uri="{FF2B5EF4-FFF2-40B4-BE49-F238E27FC236}">
+                <a16:creationId xmlns:a16="http://schemas.microsoft.com/office/drawing/2014/main" id="{7723E155-47B6-2F4F-716D-61F9F875875A}"/>
+              </a:ext>
+            </a:extLst>
+          </p:cNvPr>
+          <p:cNvSpPr/>
+          <p:nvPr/>
+        </p:nvSpPr>
+        <p:spPr>
+          <a:xfrm>
+            <a:off x="4907280" y="4573874"/>
+            <a:ext cx="1155192" cy="657809"/>
+          </a:xfrm>
+          <a:prstGeom prst="ellipse">
+            <a:avLst/>
+          </a:prstGeom>
+          <a:noFill/>
+          <a:ln>
+            <a:solidFill>
+              <a:schemeClr val="tx1"/>
+            </a:solidFill>
+          </a:ln>
+        </p:spPr>
+        <p:style>
+          <a:lnRef idx="2">
+            <a:schemeClr val="accent1">
+              <a:shade val="15000"/>
+            </a:schemeClr>
+          </a:lnRef>
+          <a:fillRef idx="1">
+            <a:schemeClr val="accent1"/>
+          </a:fillRef>
+          <a:effectRef idx="0">
+            <a:schemeClr val="accent1"/>
+          </a:effectRef>
+          <a:fontRef idx="minor">
+            <a:schemeClr val="lt1"/>
+          </a:fontRef>
+        </p:style>
+        <p:txBody>
+          <a:bodyPr rtlCol="0" anchor="ctr"/>
+          <a:lstStyle/>
+          <a:p>
+            <a:pPr algn="ctr"/>
+            <a:endParaRPr lang="zh-CN" altLang="en-US" dirty="0"/>
+          </a:p>
+        </p:txBody>
+      </p:sp>
+      <p:sp>
+        <p:nvSpPr>
+          <p:cNvPr id="11" name="椭圆 10">
+            <a:extLst>
+              <a:ext uri="{FF2B5EF4-FFF2-40B4-BE49-F238E27FC236}">
+                <a16:creationId xmlns:a16="http://schemas.microsoft.com/office/drawing/2014/main" id="{024B119F-4DA1-4119-E264-471B643BFA55}"/>
+              </a:ext>
+            </a:extLst>
+          </p:cNvPr>
+          <p:cNvSpPr/>
+          <p:nvPr/>
+        </p:nvSpPr>
+        <p:spPr>
+          <a:xfrm>
+            <a:off x="5501640" y="4622368"/>
+            <a:ext cx="1155192" cy="563880"/>
+          </a:xfrm>
+          <a:prstGeom prst="ellipse">
+            <a:avLst/>
+          </a:prstGeom>
+          <a:noFill/>
+          <a:ln>
+            <a:solidFill>
+              <a:schemeClr val="tx1"/>
+            </a:solidFill>
+          </a:ln>
+        </p:spPr>
+        <p:style>
+          <a:lnRef idx="2">
+            <a:schemeClr val="accent1">
+              <a:shade val="15000"/>
+            </a:schemeClr>
+          </a:lnRef>
+          <a:fillRef idx="1">
+            <a:schemeClr val="accent1"/>
+          </a:fillRef>
+          <a:effectRef idx="0">
+            <a:schemeClr val="accent1"/>
+          </a:effectRef>
+          <a:fontRef idx="minor">
+            <a:schemeClr val="lt1"/>
+          </a:fontRef>
+        </p:style>
+        <p:txBody>
+          <a:bodyPr rtlCol="0" anchor="ctr"/>
+          <a:lstStyle/>
+          <a:p>
+            <a:pPr algn="ctr"/>
+            <a:endParaRPr lang="zh-CN" altLang="en-US" dirty="0"/>
+          </a:p>
+        </p:txBody>
+      </p:sp>
+      <p:cxnSp>
+        <p:nvCxnSpPr>
+          <p:cNvPr id="21" name="直接箭头连接符 20">
+            <a:extLst>
+              <a:ext uri="{FF2B5EF4-FFF2-40B4-BE49-F238E27FC236}">
+                <a16:creationId xmlns:a16="http://schemas.microsoft.com/office/drawing/2014/main" id="{12839C7B-9518-EDE3-99AB-FE269A868599}"/>
+              </a:ext>
+            </a:extLst>
+          </p:cNvPr>
+          <p:cNvCxnSpPr>
+            <a:cxnSpLocks/>
+            <a:endCxn id="23" idx="2"/>
+          </p:cNvCxnSpPr>
+          <p:nvPr/>
+        </p:nvCxnSpPr>
+        <p:spPr>
+          <a:xfrm flipH="1" flipV="1">
+            <a:off x="3878961" y="4273931"/>
+            <a:ext cx="1437513" cy="657809"/>
+          </a:xfrm>
+          <a:prstGeom prst="straightConnector1">
+            <a:avLst/>
+          </a:prstGeom>
+          <a:ln>
+            <a:solidFill>
+              <a:schemeClr val="tx1"/>
+            </a:solidFill>
+            <a:tailEnd type="triangle"/>
+          </a:ln>
+        </p:spPr>
+        <p:style>
+          <a:lnRef idx="1">
+            <a:schemeClr val="accent1"/>
+          </a:lnRef>
+          <a:fillRef idx="0">
+            <a:schemeClr val="accent1"/>
+          </a:fillRef>
+          <a:effectRef idx="0">
+            <a:schemeClr val="accent1"/>
+          </a:effectRef>
+          <a:fontRef idx="minor">
+            <a:schemeClr val="tx1"/>
+          </a:fontRef>
+        </p:style>
+      </p:cxnSp>
+      <p:sp>
+        <p:nvSpPr>
+          <p:cNvPr id="23" name="文本框 22">
+            <a:extLst>
+              <a:ext uri="{FF2B5EF4-FFF2-40B4-BE49-F238E27FC236}">
+                <a16:creationId xmlns:a16="http://schemas.microsoft.com/office/drawing/2014/main" id="{21AF8675-44C4-3674-F411-3D5883DFA455}"/>
+              </a:ext>
+            </a:extLst>
+          </p:cNvPr>
+          <p:cNvSpPr txBox="1"/>
+          <p:nvPr/>
+        </p:nvSpPr>
+        <p:spPr>
+          <a:xfrm>
+            <a:off x="3259074" y="3750711"/>
+            <a:ext cx="1239774" cy="523220"/>
+          </a:xfrm>
+          <a:prstGeom prst="rect">
+            <a:avLst/>
+          </a:prstGeom>
+          <a:noFill/>
+        </p:spPr>
+        <p:txBody>
+          <a:bodyPr wrap="square" rtlCol="0">
+            <a:spAutoFit/>
+          </a:bodyPr>
+          <a:lstStyle/>
+          <a:p>
+            <a:pPr algn="ctr"/>
+            <a:r>
+              <a:rPr lang="en-US" altLang="zh-CN" dirty="0">
+                <a:solidFill>
+                  <a:schemeClr val="dk1"/>
+                </a:solidFill>
+                <a:latin typeface="Consolas"/>
+              </a:rPr>
+              <a:t>My Quality Control</a:t>
+            </a:r>
+            <a:endParaRPr lang="zh-CN" altLang="en-US" dirty="0">
+              <a:solidFill>
+                <a:schemeClr val="dk1"/>
+              </a:solidFill>
+              <a:latin typeface="Consolas"/>
+            </a:endParaRPr>
+          </a:p>
+        </p:txBody>
+      </p:sp>
+      <p:sp>
+        <p:nvSpPr>
+          <p:cNvPr id="26" name="文本框 25">
+            <a:extLst>
+              <a:ext uri="{FF2B5EF4-FFF2-40B4-BE49-F238E27FC236}">
+                <a16:creationId xmlns:a16="http://schemas.microsoft.com/office/drawing/2014/main" id="{AEFBDB99-8D38-62C6-AFA9-4342FBD7C329}"/>
+              </a:ext>
+            </a:extLst>
+          </p:cNvPr>
+          <p:cNvSpPr txBox="1"/>
+          <p:nvPr/>
+        </p:nvSpPr>
+        <p:spPr>
+          <a:xfrm>
+            <a:off x="6821233" y="3688831"/>
+            <a:ext cx="2096262" cy="523220"/>
+          </a:xfrm>
+          <a:prstGeom prst="rect">
+            <a:avLst/>
+          </a:prstGeom>
+          <a:noFill/>
+        </p:spPr>
+        <p:txBody>
+          <a:bodyPr wrap="square" rtlCol="0">
+            <a:spAutoFit/>
+          </a:bodyPr>
+          <a:lstStyle/>
+          <a:p>
+            <a:pPr algn="ctr"/>
+            <a:r>
+              <a:rPr lang="en-US" altLang="zh-CN" dirty="0" err="1">
+                <a:solidFill>
+                  <a:schemeClr val="dk1"/>
+                </a:solidFill>
+                <a:latin typeface="Consolas"/>
+              </a:rPr>
+              <a:t>Yingjian’s</a:t>
+            </a:r>
+            <a:r>
+              <a:rPr lang="en-US" altLang="zh-CN" dirty="0">
+                <a:solidFill>
+                  <a:schemeClr val="dk1"/>
+                </a:solidFill>
+                <a:latin typeface="Consolas"/>
+              </a:rPr>
+              <a:t> Quality Control Version 4</a:t>
+            </a:r>
+            <a:endParaRPr lang="zh-CN" altLang="en-US" dirty="0">
+              <a:solidFill>
+                <a:schemeClr val="dk1"/>
+              </a:solidFill>
+              <a:latin typeface="Consolas"/>
+            </a:endParaRPr>
+          </a:p>
+        </p:txBody>
+      </p:sp>
+      <p:cxnSp>
+        <p:nvCxnSpPr>
+          <p:cNvPr id="27" name="直接箭头连接符 26">
+            <a:extLst>
+              <a:ext uri="{FF2B5EF4-FFF2-40B4-BE49-F238E27FC236}">
+                <a16:creationId xmlns:a16="http://schemas.microsoft.com/office/drawing/2014/main" id="{59A35D9A-F119-FD6A-F80F-BEDCAC8CDF55}"/>
+              </a:ext>
+            </a:extLst>
+          </p:cNvPr>
+          <p:cNvCxnSpPr>
+            <a:cxnSpLocks/>
+            <a:endCxn id="26" idx="2"/>
+          </p:cNvCxnSpPr>
+          <p:nvPr/>
+        </p:nvCxnSpPr>
+        <p:spPr>
+          <a:xfrm flipV="1">
+            <a:off x="6393942" y="4212051"/>
+            <a:ext cx="1475422" cy="719689"/>
+          </a:xfrm>
+          <a:prstGeom prst="straightConnector1">
+            <a:avLst/>
+          </a:prstGeom>
+          <a:ln>
+            <a:solidFill>
+              <a:schemeClr val="tx1"/>
+            </a:solidFill>
+            <a:tailEnd type="triangle"/>
+          </a:ln>
+        </p:spPr>
+        <p:style>
+          <a:lnRef idx="1">
+            <a:schemeClr val="accent1"/>
+          </a:lnRef>
+          <a:fillRef idx="0">
+            <a:schemeClr val="accent1"/>
+          </a:fillRef>
+          <a:effectRef idx="0">
+            <a:schemeClr val="accent1"/>
+          </a:effectRef>
+          <a:fontRef idx="minor">
+            <a:schemeClr val="tx1"/>
+          </a:fontRef>
+        </p:style>
+      </p:cxnSp>
+      <p:cxnSp>
+        <p:nvCxnSpPr>
+          <p:cNvPr id="31" name="直接箭头连接符 30">
+            <a:extLst>
+              <a:ext uri="{FF2B5EF4-FFF2-40B4-BE49-F238E27FC236}">
+                <a16:creationId xmlns:a16="http://schemas.microsoft.com/office/drawing/2014/main" id="{4DCC4F87-43EA-F5CA-4BF7-8423A29EDA77}"/>
+              </a:ext>
+            </a:extLst>
+          </p:cNvPr>
+          <p:cNvCxnSpPr>
+            <a:cxnSpLocks/>
+            <a:endCxn id="32" idx="0"/>
+          </p:cNvCxnSpPr>
+          <p:nvPr/>
+        </p:nvCxnSpPr>
+        <p:spPr>
+          <a:xfrm flipH="1">
+            <a:off x="4644771" y="5426417"/>
+            <a:ext cx="1052703" cy="849486"/>
+          </a:xfrm>
+          <a:prstGeom prst="straightConnector1">
+            <a:avLst/>
+          </a:prstGeom>
+          <a:ln>
+            <a:solidFill>
+              <a:schemeClr val="tx1"/>
+            </a:solidFill>
+            <a:tailEnd type="triangle"/>
+          </a:ln>
+        </p:spPr>
+        <p:style>
+          <a:lnRef idx="1">
+            <a:schemeClr val="accent1"/>
+          </a:lnRef>
+          <a:fillRef idx="0">
+            <a:schemeClr val="accent1"/>
+          </a:fillRef>
+          <a:effectRef idx="0">
+            <a:schemeClr val="accent1"/>
+          </a:effectRef>
+          <a:fontRef idx="minor">
+            <a:schemeClr val="tx1"/>
+          </a:fontRef>
+        </p:style>
+      </p:cxnSp>
+      <p:sp>
+        <p:nvSpPr>
+          <p:cNvPr id="32" name="文本框 31">
+            <a:extLst>
+              <a:ext uri="{FF2B5EF4-FFF2-40B4-BE49-F238E27FC236}">
+                <a16:creationId xmlns:a16="http://schemas.microsoft.com/office/drawing/2014/main" id="{BEA4BA25-1D80-FB48-1914-5E92E14F7080}"/>
+              </a:ext>
+            </a:extLst>
+          </p:cNvPr>
+          <p:cNvSpPr txBox="1"/>
+          <p:nvPr/>
+        </p:nvSpPr>
+        <p:spPr>
+          <a:xfrm>
+            <a:off x="3227070" y="6275903"/>
+            <a:ext cx="2835402" cy="307777"/>
+          </a:xfrm>
+          <a:prstGeom prst="rect">
+            <a:avLst/>
+          </a:prstGeom>
+          <a:noFill/>
+        </p:spPr>
+        <p:txBody>
+          <a:bodyPr wrap="square" rtlCol="0">
+            <a:spAutoFit/>
+          </a:bodyPr>
+          <a:lstStyle/>
+          <a:p>
+            <a:pPr algn="ctr"/>
+            <a:r>
+              <a:rPr lang="en-US" altLang="zh-CN" u="sng" dirty="0">
+                <a:solidFill>
+                  <a:schemeClr val="dk1"/>
+                </a:solidFill>
+                <a:latin typeface="Consolas"/>
+              </a:rPr>
+              <a:t>Highly Low Quality Pieces</a:t>
+            </a:r>
+            <a:endParaRPr lang="zh-CN" altLang="en-US" u="sng" dirty="0">
+              <a:solidFill>
+                <a:schemeClr val="dk1"/>
+              </a:solidFill>
+              <a:latin typeface="Consolas"/>
+            </a:endParaRPr>
+          </a:p>
+        </p:txBody>
+      </p:sp>
+      <p:cxnSp>
+        <p:nvCxnSpPr>
+          <p:cNvPr id="34" name="直接箭头连接符 33">
+            <a:extLst>
+              <a:ext uri="{FF2B5EF4-FFF2-40B4-BE49-F238E27FC236}">
+                <a16:creationId xmlns:a16="http://schemas.microsoft.com/office/drawing/2014/main" id="{3327FFF2-0C84-8A9D-C9AB-B817177392C9}"/>
+              </a:ext>
+            </a:extLst>
+          </p:cNvPr>
+          <p:cNvCxnSpPr>
+            <a:cxnSpLocks/>
+            <a:endCxn id="35" idx="0"/>
+          </p:cNvCxnSpPr>
+          <p:nvPr/>
+        </p:nvCxnSpPr>
+        <p:spPr>
+          <a:xfrm>
+            <a:off x="5882640" y="4946003"/>
+            <a:ext cx="2458593" cy="1168483"/>
+          </a:xfrm>
+          <a:prstGeom prst="straightConnector1">
+            <a:avLst/>
+          </a:prstGeom>
+          <a:ln>
+            <a:solidFill>
+              <a:schemeClr val="tx1"/>
+            </a:solidFill>
+            <a:tailEnd type="triangle"/>
+          </a:ln>
+        </p:spPr>
+        <p:style>
+          <a:lnRef idx="1">
+            <a:schemeClr val="accent1"/>
+          </a:lnRef>
+          <a:fillRef idx="0">
+            <a:schemeClr val="accent1"/>
+          </a:fillRef>
+          <a:effectRef idx="0">
+            <a:schemeClr val="accent1"/>
+          </a:effectRef>
+          <a:fontRef idx="minor">
+            <a:schemeClr val="tx1"/>
+          </a:fontRef>
+        </p:style>
+      </p:cxnSp>
+      <p:sp>
+        <p:nvSpPr>
+          <p:cNvPr id="35" name="文本框 34">
+            <a:extLst>
+              <a:ext uri="{FF2B5EF4-FFF2-40B4-BE49-F238E27FC236}">
+                <a16:creationId xmlns:a16="http://schemas.microsoft.com/office/drawing/2014/main" id="{E3D9BED7-D20B-1276-6F80-1FE7828EF600}"/>
+              </a:ext>
+            </a:extLst>
+          </p:cNvPr>
+          <p:cNvSpPr txBox="1"/>
+          <p:nvPr/>
+        </p:nvSpPr>
+        <p:spPr>
+          <a:xfrm>
+            <a:off x="6678930" y="6114486"/>
+            <a:ext cx="3324606" cy="523220"/>
+          </a:xfrm>
+          <a:prstGeom prst="rect">
+            <a:avLst/>
+          </a:prstGeom>
+          <a:noFill/>
+        </p:spPr>
+        <p:txBody>
+          <a:bodyPr wrap="square" rtlCol="0">
+            <a:spAutoFit/>
+          </a:bodyPr>
+          <a:lstStyle/>
+          <a:p>
+            <a:pPr algn="ctr"/>
+            <a:r>
+              <a:rPr lang="en-US" altLang="zh-CN" u="sng" dirty="0">
+                <a:solidFill>
+                  <a:schemeClr val="dk1"/>
+                </a:solidFill>
+                <a:latin typeface="Consolas"/>
+              </a:rPr>
+              <a:t>The intersection part is small, but high quality.</a:t>
+            </a:r>
+            <a:endParaRPr lang="zh-CN" altLang="en-US" u="sng" dirty="0">
+              <a:solidFill>
+                <a:schemeClr val="dk1"/>
+              </a:solidFill>
+              <a:latin typeface="Consolas"/>
+            </a:endParaRPr>
+          </a:p>
+        </p:txBody>
+      </p:sp>
+    </p:spTree>
+    <p:extLst>
+      <p:ext uri="{BB962C8B-B14F-4D97-AF65-F5344CB8AC3E}">
+        <p14:creationId xmlns:p14="http://schemas.microsoft.com/office/powerpoint/2010/main" val="581372635"/>
       </p:ext>
     </p:extLst>
   </p:cSld>
